--- a/Presentation.pptx
+++ b/Presentation.pptx
@@ -5,7 +5,7 @@
     <p:sldMasterId id="2147483782" r:id="rId4"/>
   </p:sldMasterIdLst>
   <p:notesMasterIdLst>
-    <p:notesMasterId r:id="rId26"/>
+    <p:notesMasterId r:id="rId29"/>
   </p:notesMasterIdLst>
   <p:sldIdLst>
     <p:sldId id="256" r:id="rId5"/>
@@ -15,20 +15,23 @@
     <p:sldId id="267" r:id="rId9"/>
     <p:sldId id="268" r:id="rId10"/>
     <p:sldId id="269" r:id="rId11"/>
-    <p:sldId id="270" r:id="rId12"/>
-    <p:sldId id="271" r:id="rId13"/>
-    <p:sldId id="272" r:id="rId14"/>
-    <p:sldId id="273" r:id="rId15"/>
-    <p:sldId id="274" r:id="rId16"/>
-    <p:sldId id="275" r:id="rId17"/>
-    <p:sldId id="258" r:id="rId18"/>
-    <p:sldId id="277" r:id="rId19"/>
-    <p:sldId id="278" r:id="rId20"/>
-    <p:sldId id="279" r:id="rId21"/>
-    <p:sldId id="280" r:id="rId22"/>
-    <p:sldId id="281" r:id="rId23"/>
-    <p:sldId id="282" r:id="rId24"/>
-    <p:sldId id="276" r:id="rId25"/>
+    <p:sldId id="283" r:id="rId12"/>
+    <p:sldId id="284" r:id="rId13"/>
+    <p:sldId id="285" r:id="rId14"/>
+    <p:sldId id="286" r:id="rId15"/>
+    <p:sldId id="270" r:id="rId16"/>
+    <p:sldId id="271" r:id="rId17"/>
+    <p:sldId id="272" r:id="rId18"/>
+    <p:sldId id="273" r:id="rId19"/>
+    <p:sldId id="274" r:id="rId20"/>
+    <p:sldId id="275" r:id="rId21"/>
+    <p:sldId id="258" r:id="rId22"/>
+    <p:sldId id="277" r:id="rId23"/>
+    <p:sldId id="278" r:id="rId24"/>
+    <p:sldId id="279" r:id="rId25"/>
+    <p:sldId id="281" r:id="rId26"/>
+    <p:sldId id="282" r:id="rId27"/>
+    <p:sldId id="276" r:id="rId28"/>
   </p:sldIdLst>
   <p:sldSz cx="12192000" cy="6858000"/>
   <p:notesSz cx="6858000" cy="9144000"/>
@@ -549,7 +552,7 @@
           <a:p>
             <a:fld id="{54A99D8B-F2E4-49CD-A14C-C5349678EB42}" type="slidenum">
               <a:rPr lang="fr-FR" smtClean="0"/>
-              <a:t>10</a:t>
+              <a:t>14</a:t>
             </a:fld>
             <a:endParaRPr lang="fr-FR"/>
           </a:p>
@@ -657,7 +660,7 @@
           <a:p>
             <a:fld id="{54A99D8B-F2E4-49CD-A14C-C5349678EB42}" type="slidenum">
               <a:rPr lang="fr-FR" smtClean="0"/>
-              <a:t>13</a:t>
+              <a:t>17</a:t>
             </a:fld>
             <a:endParaRPr lang="fr-FR"/>
           </a:p>
@@ -4315,6 +4318,1923 @@
 <file path=ppt/slides/slide10.xml><?xml version="1.0" encoding="utf-8"?>
 <p:sld xmlns:a="http://schemas.openxmlformats.org/drawingml/2006/main" xmlns:r="http://schemas.openxmlformats.org/officeDocument/2006/relationships" xmlns:p="http://schemas.openxmlformats.org/presentationml/2006/main">
   <p:cSld>
+    <p:bg>
+      <p:bgPr>
+        <a:solidFill>
+          <a:schemeClr val="bg1"/>
+        </a:solidFill>
+        <a:effectLst/>
+      </p:bgPr>
+    </p:bg>
+    <p:spTree>
+      <p:nvGrpSpPr>
+        <p:cNvPr id="1" name="">
+          <a:extLst>
+            <a:ext uri="{FF2B5EF4-FFF2-40B4-BE49-F238E27FC236}">
+              <a16:creationId xmlns:a16="http://schemas.microsoft.com/office/drawing/2014/main" id="{DEDF4B76-7D13-AB20-225C-332C70A490E1}"/>
+            </a:ext>
+          </a:extLst>
+        </p:cNvPr>
+        <p:cNvGrpSpPr/>
+        <p:nvPr/>
+      </p:nvGrpSpPr>
+      <p:grpSpPr>
+        <a:xfrm>
+          <a:off x="0" y="0"/>
+          <a:ext cx="0" cy="0"/>
+          <a:chOff x="0" y="0"/>
+          <a:chExt cx="0" cy="0"/>
+        </a:xfrm>
+      </p:grpSpPr>
+      <p:pic>
+        <p:nvPicPr>
+          <p:cNvPr id="4" name="Picture 3" descr="Arrière-plan de technologies réseau">
+            <a:extLst>
+              <a:ext uri="{FF2B5EF4-FFF2-40B4-BE49-F238E27FC236}">
+                <a16:creationId xmlns:a16="http://schemas.microsoft.com/office/drawing/2014/main" id="{EC7AED57-2A0F-EA7E-4E2B-D99F0CF4D1EB}"/>
+              </a:ext>
+            </a:extLst>
+          </p:cNvPr>
+          <p:cNvPicPr>
+            <a:picLocks noChangeAspect="1"/>
+          </p:cNvPicPr>
+          <p:nvPr/>
+        </p:nvPicPr>
+        <p:blipFill>
+          <a:blip r:embed="rId2"/>
+          <a:srcRect b="3434"/>
+          <a:stretch/>
+        </p:blipFill>
+        <p:spPr>
+          <a:xfrm>
+            <a:off x="20" y="10"/>
+            <a:ext cx="12191980" cy="6857990"/>
+          </a:xfrm>
+          <a:prstGeom prst="rect">
+            <a:avLst/>
+          </a:prstGeom>
+        </p:spPr>
+      </p:pic>
+      <p:sp>
+        <p:nvSpPr>
+          <p:cNvPr id="9" name="Rectangle 8">
+            <a:extLst>
+              <a:ext uri="{FF2B5EF4-FFF2-40B4-BE49-F238E27FC236}">
+                <a16:creationId xmlns:a16="http://schemas.microsoft.com/office/drawing/2014/main" id="{D94291BC-4AA1-0CD4-3FFB-4FF6A58C4747}"/>
+              </a:ext>
+              <a:ext uri="{C183D7F6-B498-43B3-948B-1728B52AA6E4}">
+                <adec:decorative xmlns:adec="http://schemas.microsoft.com/office/drawing/2017/decorative" val="1"/>
+              </a:ext>
+            </a:extLst>
+          </p:cNvPr>
+          <p:cNvSpPr>
+            <a:spLocks noGrp="1" noRot="1" noChangeAspect="1" noMove="1" noResize="1" noEditPoints="1" noAdjustHandles="1" noChangeArrowheads="1" noChangeShapeType="1" noTextEdit="1"/>
+          </p:cNvSpPr>
+          <p:nvPr>
+            <p:extLst>
+              <p:ext uri="{386F3935-93C4-4BCD-93E2-E3B085C9AB24}">
+                <p16:designElem xmlns:p16="http://schemas.microsoft.com/office/powerpoint/2015/main" val="1"/>
+              </p:ext>
+            </p:extLst>
+          </p:nvPr>
+        </p:nvSpPr>
+        <p:spPr>
+          <a:xfrm>
+            <a:off x="0" y="0"/>
+            <a:ext cx="12192000" cy="6858000"/>
+          </a:xfrm>
+          <a:prstGeom prst="rect">
+            <a:avLst/>
+          </a:prstGeom>
+          <a:solidFill>
+            <a:schemeClr val="bg1"/>
+          </a:solidFill>
+          <a:ln w="12700" cap="flat" cmpd="sng" algn="ctr">
+            <a:noFill/>
+            <a:prstDash val="solid"/>
+            <a:miter lim="800000"/>
+          </a:ln>
+          <a:effectLst/>
+          <a:extLst>
+            <a:ext uri="{91240B29-F687-4F45-9708-019B960494DF}">
+              <a14:hiddenLine xmlns:a14="http://schemas.microsoft.com/office/drawing/2010/main" w="12700" cap="flat" cmpd="sng" algn="ctr">
+                <a:solidFill>
+                  <a:schemeClr val="accent1">
+                    <a:shade val="15000"/>
+                  </a:schemeClr>
+                </a:solidFill>
+                <a:prstDash val="solid"/>
+                <a:miter lim="800000"/>
+              </a14:hiddenLine>
+            </a:ext>
+          </a:extLst>
+        </p:spPr>
+        <p:style>
+          <a:lnRef idx="2">
+            <a:schemeClr val="accent1">
+              <a:shade val="15000"/>
+            </a:schemeClr>
+          </a:lnRef>
+          <a:fillRef idx="1">
+            <a:schemeClr val="accent1"/>
+          </a:fillRef>
+          <a:effectRef idx="0">
+            <a:schemeClr val="accent1"/>
+          </a:effectRef>
+          <a:fontRef idx="minor">
+            <a:schemeClr val="lt1"/>
+          </a:fontRef>
+        </p:style>
+        <p:txBody>
+          <a:bodyPr rtlCol="0" anchor="ctr"/>
+          <a:lstStyle/>
+          <a:p>
+            <a:pPr marL="0" marR="0" lvl="0" indent="0" algn="ctr" defTabSz="914400" rtl="0" eaLnBrk="1" fontAlgn="auto" latinLnBrk="0" hangingPunct="1">
+              <a:lnSpc>
+                <a:spcPct val="100000"/>
+              </a:lnSpc>
+              <a:spcBef>
+                <a:spcPts val="0"/>
+              </a:spcBef>
+              <a:spcAft>
+                <a:spcPts val="0"/>
+              </a:spcAft>
+              <a:buClrTx/>
+              <a:buSzTx/>
+              <a:buFontTx/>
+              <a:buNone/>
+              <a:tabLst/>
+              <a:defRPr/>
+            </a:pPr>
+            <a:endParaRPr kumimoji="0" lang="en-US" sz="1800" b="0" i="0" u="none" strike="noStrike" kern="1200" cap="none" spc="0" normalizeH="0" baseline="0" noProof="0">
+              <a:ln>
+                <a:noFill/>
+              </a:ln>
+              <a:solidFill>
+                <a:srgbClr val="FFFFFF"/>
+              </a:solidFill>
+              <a:effectLst/>
+              <a:uLnTx/>
+              <a:uFillTx/>
+              <a:latin typeface="Calisto MT"/>
+              <a:ea typeface="+mn-ea"/>
+              <a:cs typeface="+mn-cs"/>
+            </a:endParaRPr>
+          </a:p>
+        </p:txBody>
+      </p:sp>
+      <p:sp>
+        <p:nvSpPr>
+          <p:cNvPr id="11" name="Rectangle 10">
+            <a:extLst>
+              <a:ext uri="{FF2B5EF4-FFF2-40B4-BE49-F238E27FC236}">
+                <a16:creationId xmlns:a16="http://schemas.microsoft.com/office/drawing/2014/main" id="{EEE9D8A7-893B-15FC-9283-F25D65AC71E6}"/>
+              </a:ext>
+              <a:ext uri="{C183D7F6-B498-43B3-948B-1728B52AA6E4}">
+                <adec:decorative xmlns:adec="http://schemas.microsoft.com/office/drawing/2017/decorative" val="1"/>
+              </a:ext>
+            </a:extLst>
+          </p:cNvPr>
+          <p:cNvSpPr>
+            <a:spLocks noGrp="1" noRot="1" noChangeAspect="1" noMove="1" noResize="1" noEditPoints="1" noAdjustHandles="1" noChangeArrowheads="1" noChangeShapeType="1" noTextEdit="1"/>
+          </p:cNvSpPr>
+          <p:nvPr>
+            <p:extLst>
+              <p:ext uri="{386F3935-93C4-4BCD-93E2-E3B085C9AB24}">
+                <p16:designElem xmlns:p16="http://schemas.microsoft.com/office/powerpoint/2015/main" val="1"/>
+              </p:ext>
+            </p:extLst>
+          </p:nvPr>
+        </p:nvSpPr>
+        <p:spPr>
+          <a:xfrm>
+            <a:off x="0" y="5486401"/>
+            <a:ext cx="12191999" cy="1371600"/>
+          </a:xfrm>
+          <a:prstGeom prst="rect">
+            <a:avLst/>
+          </a:prstGeom>
+          <a:solidFill>
+            <a:schemeClr val="bg1">
+              <a:alpha val="28000"/>
+            </a:schemeClr>
+          </a:solidFill>
+          <a:ln>
+            <a:noFill/>
+          </a:ln>
+        </p:spPr>
+        <p:style>
+          <a:lnRef idx="2">
+            <a:schemeClr val="accent1">
+              <a:shade val="50000"/>
+            </a:schemeClr>
+          </a:lnRef>
+          <a:fillRef idx="1">
+            <a:schemeClr val="accent1"/>
+          </a:fillRef>
+          <a:effectRef idx="0">
+            <a:schemeClr val="accent1"/>
+          </a:effectRef>
+          <a:fontRef idx="minor">
+            <a:schemeClr val="lt1"/>
+          </a:fontRef>
+        </p:style>
+        <p:txBody>
+          <a:bodyPr rtlCol="0" anchor="ctr"/>
+          <a:lstStyle/>
+          <a:p>
+            <a:pPr marL="0" marR="0" lvl="0" indent="0" algn="ctr" defTabSz="914400" rtl="0" eaLnBrk="1" fontAlgn="auto" latinLnBrk="0" hangingPunct="1">
+              <a:lnSpc>
+                <a:spcPct val="100000"/>
+              </a:lnSpc>
+              <a:spcBef>
+                <a:spcPts val="0"/>
+              </a:spcBef>
+              <a:spcAft>
+                <a:spcPts val="0"/>
+              </a:spcAft>
+              <a:buClrTx/>
+              <a:buSzTx/>
+              <a:buFontTx/>
+              <a:buNone/>
+              <a:tabLst/>
+              <a:defRPr/>
+            </a:pPr>
+            <a:endParaRPr kumimoji="0" lang="en-US" sz="1800" b="0" i="0" u="none" strike="noStrike" kern="1200" cap="none" spc="0" normalizeH="0" baseline="0" noProof="0">
+              <a:ln>
+                <a:noFill/>
+              </a:ln>
+              <a:solidFill>
+                <a:srgbClr val="FFFFFF"/>
+              </a:solidFill>
+              <a:effectLst/>
+              <a:uLnTx/>
+              <a:uFillTx/>
+              <a:latin typeface="Calisto MT"/>
+              <a:ea typeface="+mn-ea"/>
+              <a:cs typeface="+mn-cs"/>
+            </a:endParaRPr>
+          </a:p>
+        </p:txBody>
+      </p:sp>
+      <p:sp>
+        <p:nvSpPr>
+          <p:cNvPr id="6" name="Titre 5">
+            <a:extLst>
+              <a:ext uri="{FF2B5EF4-FFF2-40B4-BE49-F238E27FC236}">
+                <a16:creationId xmlns:a16="http://schemas.microsoft.com/office/drawing/2014/main" id="{76DA4585-C36D-F94F-1FC6-7711ED40DA75}"/>
+              </a:ext>
+            </a:extLst>
+          </p:cNvPr>
+          <p:cNvSpPr>
+            <a:spLocks noGrp="1"/>
+          </p:cNvSpPr>
+          <p:nvPr>
+            <p:ph type="ctrTitle"/>
+          </p:nvPr>
+        </p:nvSpPr>
+        <p:spPr>
+          <a:xfrm>
+            <a:off x="-1" y="895739"/>
+            <a:ext cx="12191979" cy="7268948"/>
+          </a:xfrm>
+        </p:spPr>
+        <p:txBody>
+          <a:bodyPr>
+            <a:noAutofit/>
+          </a:bodyPr>
+          <a:lstStyle/>
+          <a:p>
+            <a:pPr>
+              <a:buNone/>
+            </a:pPr>
+            <a:r>
+              <a:rPr lang="fr-FR" sz="2000" b="1" dirty="0">
+                <a:latin typeface="Times New Roman" panose="02020603050405020304" pitchFamily="18" charset="0"/>
+                <a:cs typeface="Times New Roman" panose="02020603050405020304" pitchFamily="18" charset="0"/>
+              </a:rPr>
+              <a:t>Pourquoi est-ce un problème ?</a:t>
+            </a:r>
+            <a:br>
+              <a:rPr lang="fr-FR" sz="2000" b="1" dirty="0">
+                <a:latin typeface="Times New Roman" panose="02020603050405020304" pitchFamily="18" charset="0"/>
+                <a:cs typeface="Times New Roman" panose="02020603050405020304" pitchFamily="18" charset="0"/>
+              </a:rPr>
+            </a:br>
+            <a:br>
+              <a:rPr lang="fr-FR" sz="2000" b="1" dirty="0">
+                <a:latin typeface="Times New Roman" panose="02020603050405020304" pitchFamily="18" charset="0"/>
+                <a:cs typeface="Times New Roman" panose="02020603050405020304" pitchFamily="18" charset="0"/>
+              </a:rPr>
+            </a:br>
+            <a:r>
+              <a:rPr lang="fr-FR" sz="2000" dirty="0">
+                <a:latin typeface="Times New Roman" panose="02020603050405020304" pitchFamily="18" charset="0"/>
+                <a:cs typeface="Times New Roman" panose="02020603050405020304" pitchFamily="18" charset="0"/>
+              </a:rPr>
+              <a:t>Peut </a:t>
+            </a:r>
+            <a:r>
+              <a:rPr lang="fr-FR" sz="2000" b="1" dirty="0">
+                <a:latin typeface="Times New Roman" panose="02020603050405020304" pitchFamily="18" charset="0"/>
+                <a:cs typeface="Times New Roman" panose="02020603050405020304" pitchFamily="18" charset="0"/>
+              </a:rPr>
+              <a:t>renforcer des discriminations</a:t>
+            </a:r>
+            <a:r>
+              <a:rPr lang="fr-FR" sz="2000" dirty="0">
+                <a:latin typeface="Times New Roman" panose="02020603050405020304" pitchFamily="18" charset="0"/>
+                <a:cs typeface="Times New Roman" panose="02020603050405020304" pitchFamily="18" charset="0"/>
+              </a:rPr>
+              <a:t> (genre, origine, classe sociale…).</a:t>
+            </a:r>
+            <a:br>
+              <a:rPr lang="fr-FR" sz="2000" dirty="0">
+                <a:latin typeface="Times New Roman" panose="02020603050405020304" pitchFamily="18" charset="0"/>
+                <a:cs typeface="Times New Roman" panose="02020603050405020304" pitchFamily="18" charset="0"/>
+              </a:rPr>
+            </a:br>
+            <a:r>
+              <a:rPr lang="fr-FR" sz="2000" dirty="0">
+                <a:latin typeface="Times New Roman" panose="02020603050405020304" pitchFamily="18" charset="0"/>
+                <a:cs typeface="Times New Roman" panose="02020603050405020304" pitchFamily="18" charset="0"/>
+              </a:rPr>
+              <a:t>Introduit des </a:t>
+            </a:r>
+            <a:r>
+              <a:rPr lang="fr-FR" sz="2000" b="1" dirty="0">
+                <a:latin typeface="Times New Roman" panose="02020603050405020304" pitchFamily="18" charset="0"/>
+                <a:cs typeface="Times New Roman" panose="02020603050405020304" pitchFamily="18" charset="0"/>
+              </a:rPr>
+              <a:t>erreurs systématiques</a:t>
+            </a:r>
+            <a:r>
+              <a:rPr lang="fr-FR" sz="2000" dirty="0">
+                <a:latin typeface="Times New Roman" panose="02020603050405020304" pitchFamily="18" charset="0"/>
+                <a:cs typeface="Times New Roman" panose="02020603050405020304" pitchFamily="18" charset="0"/>
+              </a:rPr>
+              <a:t> dans les décisions automatisées.</a:t>
+            </a:r>
+            <a:br>
+              <a:rPr lang="fr-FR" sz="2000" dirty="0">
+                <a:latin typeface="Times New Roman" panose="02020603050405020304" pitchFamily="18" charset="0"/>
+                <a:cs typeface="Times New Roman" panose="02020603050405020304" pitchFamily="18" charset="0"/>
+              </a:rPr>
+            </a:br>
+            <a:r>
+              <a:rPr lang="fr-FR" sz="2000" dirty="0">
+                <a:latin typeface="Times New Roman" panose="02020603050405020304" pitchFamily="18" charset="0"/>
+                <a:cs typeface="Times New Roman" panose="02020603050405020304" pitchFamily="18" charset="0"/>
+              </a:rPr>
+              <a:t>Affecte </a:t>
+            </a:r>
+            <a:r>
+              <a:rPr lang="fr-FR" sz="2000" b="1" dirty="0">
+                <a:latin typeface="Times New Roman" panose="02020603050405020304" pitchFamily="18" charset="0"/>
+                <a:cs typeface="Times New Roman" panose="02020603050405020304" pitchFamily="18" charset="0"/>
+              </a:rPr>
+              <a:t>l'équité et la confiance</a:t>
+            </a:r>
+            <a:r>
+              <a:rPr lang="fr-FR" sz="2000" dirty="0">
+                <a:latin typeface="Times New Roman" panose="02020603050405020304" pitchFamily="18" charset="0"/>
+                <a:cs typeface="Times New Roman" panose="02020603050405020304" pitchFamily="18" charset="0"/>
+              </a:rPr>
+              <a:t> dans les systèmes informatiques.</a:t>
+            </a:r>
+            <a:br>
+              <a:rPr lang="fr-FR" sz="2000" dirty="0">
+                <a:latin typeface="Times New Roman" panose="02020603050405020304" pitchFamily="18" charset="0"/>
+                <a:cs typeface="Times New Roman" panose="02020603050405020304" pitchFamily="18" charset="0"/>
+              </a:rPr>
+            </a:br>
+            <a:br>
+              <a:rPr lang="fr-FR" sz="2000" dirty="0">
+                <a:latin typeface="Times New Roman" panose="02020603050405020304" pitchFamily="18" charset="0"/>
+                <a:cs typeface="Times New Roman" panose="02020603050405020304" pitchFamily="18" charset="0"/>
+              </a:rPr>
+            </a:br>
+            <a:r>
+              <a:rPr lang="fr-FR" sz="2000" b="1" dirty="0">
+                <a:latin typeface="Times New Roman" panose="02020603050405020304" pitchFamily="18" charset="0"/>
+                <a:cs typeface="Times New Roman" panose="02020603050405020304" pitchFamily="18" charset="0"/>
+              </a:rPr>
+              <a:t>Comment limiter le biais ?</a:t>
+            </a:r>
+            <a:br>
+              <a:rPr lang="fr-FR" sz="2000" b="1" dirty="0">
+                <a:latin typeface="Times New Roman" panose="02020603050405020304" pitchFamily="18" charset="0"/>
+                <a:cs typeface="Times New Roman" panose="02020603050405020304" pitchFamily="18" charset="0"/>
+              </a:rPr>
+            </a:br>
+            <a:br>
+              <a:rPr lang="fr-FR" sz="2000" b="1" dirty="0">
+                <a:latin typeface="Times New Roman" panose="02020603050405020304" pitchFamily="18" charset="0"/>
+                <a:cs typeface="Times New Roman" panose="02020603050405020304" pitchFamily="18" charset="0"/>
+              </a:rPr>
+            </a:br>
+            <a:r>
+              <a:rPr lang="fr-FR" sz="2000" b="1" dirty="0">
+                <a:latin typeface="Times New Roman" panose="02020603050405020304" pitchFamily="18" charset="0"/>
+                <a:cs typeface="Times New Roman" panose="02020603050405020304" pitchFamily="18" charset="0"/>
+              </a:rPr>
+              <a:t>Utiliser des jeux de données diversifiés</a:t>
+            </a:r>
+            <a:r>
+              <a:rPr lang="fr-FR" sz="2000" dirty="0">
+                <a:latin typeface="Times New Roman" panose="02020603050405020304" pitchFamily="18" charset="0"/>
+                <a:cs typeface="Times New Roman" panose="02020603050405020304" pitchFamily="18" charset="0"/>
+              </a:rPr>
+              <a:t> et représentatifs.</a:t>
+            </a:r>
+            <a:br>
+              <a:rPr lang="fr-FR" sz="2000" dirty="0">
+                <a:latin typeface="Times New Roman" panose="02020603050405020304" pitchFamily="18" charset="0"/>
+                <a:cs typeface="Times New Roman" panose="02020603050405020304" pitchFamily="18" charset="0"/>
+              </a:rPr>
+            </a:br>
+            <a:r>
+              <a:rPr lang="fr-FR" sz="2000" b="1" dirty="0">
+                <a:latin typeface="Times New Roman" panose="02020603050405020304" pitchFamily="18" charset="0"/>
+                <a:cs typeface="Times New Roman" panose="02020603050405020304" pitchFamily="18" charset="0"/>
+              </a:rPr>
+              <a:t>Analyser et tester les biais</a:t>
+            </a:r>
+            <a:r>
+              <a:rPr lang="fr-FR" sz="2000" dirty="0">
+                <a:latin typeface="Times New Roman" panose="02020603050405020304" pitchFamily="18" charset="0"/>
+                <a:cs typeface="Times New Roman" panose="02020603050405020304" pitchFamily="18" charset="0"/>
+              </a:rPr>
+              <a:t> avant de déployer un modèle.</a:t>
+            </a:r>
+            <a:br>
+              <a:rPr lang="fr-FR" sz="2000" dirty="0">
+                <a:latin typeface="Times New Roman" panose="02020603050405020304" pitchFamily="18" charset="0"/>
+                <a:cs typeface="Times New Roman" panose="02020603050405020304" pitchFamily="18" charset="0"/>
+              </a:rPr>
+            </a:br>
+            <a:r>
+              <a:rPr lang="fr-FR" sz="2000" b="1" dirty="0">
+                <a:latin typeface="Times New Roman" panose="02020603050405020304" pitchFamily="18" charset="0"/>
+                <a:cs typeface="Times New Roman" panose="02020603050405020304" pitchFamily="18" charset="0"/>
+              </a:rPr>
+              <a:t>Introduire des mécanismes de correction</a:t>
+            </a:r>
+            <a:r>
+              <a:rPr lang="fr-FR" sz="2000" dirty="0">
+                <a:latin typeface="Times New Roman" panose="02020603050405020304" pitchFamily="18" charset="0"/>
+                <a:cs typeface="Times New Roman" panose="02020603050405020304" pitchFamily="18" charset="0"/>
+              </a:rPr>
+              <a:t> (dé-</a:t>
+            </a:r>
+            <a:r>
+              <a:rPr lang="fr-FR" sz="2000" dirty="0" err="1">
+                <a:latin typeface="Times New Roman" panose="02020603050405020304" pitchFamily="18" charset="0"/>
+                <a:cs typeface="Times New Roman" panose="02020603050405020304" pitchFamily="18" charset="0"/>
+              </a:rPr>
+              <a:t>biaisage</a:t>
+            </a:r>
+            <a:r>
+              <a:rPr lang="fr-FR" sz="2000" dirty="0">
+                <a:latin typeface="Times New Roman" panose="02020603050405020304" pitchFamily="18" charset="0"/>
+                <a:cs typeface="Times New Roman" panose="02020603050405020304" pitchFamily="18" charset="0"/>
+              </a:rPr>
+              <a:t> des données, ajustement des algorithmes).</a:t>
+            </a:r>
+            <a:br>
+              <a:rPr lang="fr-FR" sz="2000" dirty="0">
+                <a:latin typeface="Times New Roman" panose="02020603050405020304" pitchFamily="18" charset="0"/>
+                <a:cs typeface="Times New Roman" panose="02020603050405020304" pitchFamily="18" charset="0"/>
+              </a:rPr>
+            </a:br>
+            <a:r>
+              <a:rPr lang="fr-FR" sz="2000" b="1" dirty="0">
+                <a:latin typeface="Times New Roman" panose="02020603050405020304" pitchFamily="18" charset="0"/>
+                <a:cs typeface="Times New Roman" panose="02020603050405020304" pitchFamily="18" charset="0"/>
+              </a:rPr>
+              <a:t>Impliquer des experts en éthique et en équité</a:t>
+            </a:r>
+            <a:r>
+              <a:rPr lang="fr-FR" sz="2000" dirty="0">
+                <a:latin typeface="Times New Roman" panose="02020603050405020304" pitchFamily="18" charset="0"/>
+                <a:cs typeface="Times New Roman" panose="02020603050405020304" pitchFamily="18" charset="0"/>
+              </a:rPr>
+              <a:t> dans le développement des systèmes.</a:t>
+            </a:r>
+          </a:p>
+        </p:txBody>
+      </p:sp>
+      <p:sp>
+        <p:nvSpPr>
+          <p:cNvPr id="7" name="ZoneTexte 6">
+            <a:extLst>
+              <a:ext uri="{FF2B5EF4-FFF2-40B4-BE49-F238E27FC236}">
+                <a16:creationId xmlns:a16="http://schemas.microsoft.com/office/drawing/2014/main" id="{567AE15E-A6EC-A3FD-225E-373E9CFD0AB6}"/>
+              </a:ext>
+            </a:extLst>
+          </p:cNvPr>
+          <p:cNvSpPr txBox="1"/>
+          <p:nvPr/>
+        </p:nvSpPr>
+        <p:spPr>
+          <a:xfrm>
+            <a:off x="102637" y="0"/>
+            <a:ext cx="11402008" cy="738664"/>
+          </a:xfrm>
+          <a:prstGeom prst="rect">
+            <a:avLst/>
+          </a:prstGeom>
+          <a:noFill/>
+        </p:spPr>
+        <p:txBody>
+          <a:bodyPr wrap="square" rtlCol="0">
+            <a:spAutoFit/>
+          </a:bodyPr>
+          <a:lstStyle/>
+          <a:p>
+            <a:r>
+              <a:rPr lang="fr-FR" sz="4200" dirty="0"/>
+              <a:t>Présentation du BIAIS</a:t>
+            </a:r>
+          </a:p>
+        </p:txBody>
+      </p:sp>
+    </p:spTree>
+    <p:extLst>
+      <p:ext uri="{BB962C8B-B14F-4D97-AF65-F5344CB8AC3E}">
+        <p14:creationId xmlns:p14="http://schemas.microsoft.com/office/powerpoint/2010/main" val="1407764222"/>
+      </p:ext>
+    </p:extLst>
+  </p:cSld>
+  <p:clrMapOvr>
+    <a:overrideClrMapping bg1="dk1" tx1="lt1" bg2="dk2" tx2="lt2" accent1="accent1" accent2="accent2" accent3="accent3" accent4="accent4" accent5="accent5" accent6="accent6" hlink="hlink" folHlink="folHlink"/>
+  </p:clrMapOvr>
+</p:sld>
+</file>
+
+<file path=ppt/slides/slide11.xml><?xml version="1.0" encoding="utf-8"?>
+<p:sld xmlns:a="http://schemas.openxmlformats.org/drawingml/2006/main" xmlns:r="http://schemas.openxmlformats.org/officeDocument/2006/relationships" xmlns:p="http://schemas.openxmlformats.org/presentationml/2006/main">
+  <p:cSld>
+    <p:bg>
+      <p:bgPr>
+        <a:solidFill>
+          <a:schemeClr val="bg1"/>
+        </a:solidFill>
+        <a:effectLst/>
+      </p:bgPr>
+    </p:bg>
+    <p:spTree>
+      <p:nvGrpSpPr>
+        <p:cNvPr id="1" name="">
+          <a:extLst>
+            <a:ext uri="{FF2B5EF4-FFF2-40B4-BE49-F238E27FC236}">
+              <a16:creationId xmlns:a16="http://schemas.microsoft.com/office/drawing/2014/main" id="{B47B062A-58AE-050E-90E4-2FD5EA9B74E8}"/>
+            </a:ext>
+          </a:extLst>
+        </p:cNvPr>
+        <p:cNvGrpSpPr/>
+        <p:nvPr/>
+      </p:nvGrpSpPr>
+      <p:grpSpPr>
+        <a:xfrm>
+          <a:off x="0" y="0"/>
+          <a:ext cx="0" cy="0"/>
+          <a:chOff x="0" y="0"/>
+          <a:chExt cx="0" cy="0"/>
+        </a:xfrm>
+      </p:grpSpPr>
+      <p:sp>
+        <p:nvSpPr>
+          <p:cNvPr id="9" name="Rectangle 8">
+            <a:extLst>
+              <a:ext uri="{FF2B5EF4-FFF2-40B4-BE49-F238E27FC236}">
+                <a16:creationId xmlns:a16="http://schemas.microsoft.com/office/drawing/2014/main" id="{09056605-C71A-51D8-C79B-A2A31F2BF761}"/>
+              </a:ext>
+              <a:ext uri="{C183D7F6-B498-43B3-948B-1728B52AA6E4}">
+                <adec:decorative xmlns:adec="http://schemas.microsoft.com/office/drawing/2017/decorative" val="1"/>
+              </a:ext>
+            </a:extLst>
+          </p:cNvPr>
+          <p:cNvSpPr>
+            <a:spLocks noGrp="1" noRot="1" noChangeAspect="1" noMove="1" noResize="1" noEditPoints="1" noAdjustHandles="1" noChangeArrowheads="1" noChangeShapeType="1" noTextEdit="1"/>
+          </p:cNvSpPr>
+          <p:nvPr>
+            <p:extLst>
+              <p:ext uri="{386F3935-93C4-4BCD-93E2-E3B085C9AB24}">
+                <p16:designElem xmlns:p16="http://schemas.microsoft.com/office/powerpoint/2015/main" val="1"/>
+              </p:ext>
+            </p:extLst>
+          </p:nvPr>
+        </p:nvSpPr>
+        <p:spPr>
+          <a:xfrm>
+            <a:off x="0" y="0"/>
+            <a:ext cx="12192000" cy="6858000"/>
+          </a:xfrm>
+          <a:prstGeom prst="rect">
+            <a:avLst/>
+          </a:prstGeom>
+          <a:solidFill>
+            <a:schemeClr val="bg1"/>
+          </a:solidFill>
+          <a:ln w="12700" cap="flat" cmpd="sng" algn="ctr">
+            <a:noFill/>
+            <a:prstDash val="solid"/>
+            <a:miter lim="800000"/>
+          </a:ln>
+          <a:effectLst/>
+          <a:extLst>
+            <a:ext uri="{91240B29-F687-4F45-9708-019B960494DF}">
+              <a14:hiddenLine xmlns:a14="http://schemas.microsoft.com/office/drawing/2010/main" w="12700" cap="flat" cmpd="sng" algn="ctr">
+                <a:solidFill>
+                  <a:schemeClr val="accent1">
+                    <a:shade val="15000"/>
+                  </a:schemeClr>
+                </a:solidFill>
+                <a:prstDash val="solid"/>
+                <a:miter lim="800000"/>
+              </a14:hiddenLine>
+            </a:ext>
+          </a:extLst>
+        </p:spPr>
+        <p:style>
+          <a:lnRef idx="2">
+            <a:schemeClr val="accent1">
+              <a:shade val="15000"/>
+            </a:schemeClr>
+          </a:lnRef>
+          <a:fillRef idx="1">
+            <a:schemeClr val="accent1"/>
+          </a:fillRef>
+          <a:effectRef idx="0">
+            <a:schemeClr val="accent1"/>
+          </a:effectRef>
+          <a:fontRef idx="minor">
+            <a:schemeClr val="lt1"/>
+          </a:fontRef>
+        </p:style>
+        <p:txBody>
+          <a:bodyPr rtlCol="0" anchor="ctr"/>
+          <a:lstStyle/>
+          <a:p>
+            <a:pPr marL="0" marR="0" lvl="0" indent="0" algn="ctr" defTabSz="914400" rtl="0" eaLnBrk="1" fontAlgn="auto" latinLnBrk="0" hangingPunct="1">
+              <a:lnSpc>
+                <a:spcPct val="100000"/>
+              </a:lnSpc>
+              <a:spcBef>
+                <a:spcPts val="0"/>
+              </a:spcBef>
+              <a:spcAft>
+                <a:spcPts val="0"/>
+              </a:spcAft>
+              <a:buClrTx/>
+              <a:buSzTx/>
+              <a:buFontTx/>
+              <a:buNone/>
+              <a:tabLst/>
+              <a:defRPr/>
+            </a:pPr>
+            <a:endParaRPr kumimoji="0" lang="en-US" sz="1800" b="0" i="0" u="none" strike="noStrike" kern="1200" cap="none" spc="0" normalizeH="0" baseline="0" noProof="0">
+              <a:ln>
+                <a:noFill/>
+              </a:ln>
+              <a:solidFill>
+                <a:srgbClr val="FFFFFF"/>
+              </a:solidFill>
+              <a:effectLst/>
+              <a:uLnTx/>
+              <a:uFillTx/>
+              <a:latin typeface="Calisto MT"/>
+              <a:ea typeface="+mn-ea"/>
+              <a:cs typeface="+mn-cs"/>
+            </a:endParaRPr>
+          </a:p>
+        </p:txBody>
+      </p:sp>
+      <p:sp>
+        <p:nvSpPr>
+          <p:cNvPr id="11" name="Rectangle 10">
+            <a:extLst>
+              <a:ext uri="{FF2B5EF4-FFF2-40B4-BE49-F238E27FC236}">
+                <a16:creationId xmlns:a16="http://schemas.microsoft.com/office/drawing/2014/main" id="{3132337C-6C07-C6D2-9EE7-F557DD7E8D1A}"/>
+              </a:ext>
+              <a:ext uri="{C183D7F6-B498-43B3-948B-1728B52AA6E4}">
+                <adec:decorative xmlns:adec="http://schemas.microsoft.com/office/drawing/2017/decorative" val="1"/>
+              </a:ext>
+            </a:extLst>
+          </p:cNvPr>
+          <p:cNvSpPr>
+            <a:spLocks noGrp="1" noRot="1" noChangeAspect="1" noMove="1" noResize="1" noEditPoints="1" noAdjustHandles="1" noChangeArrowheads="1" noChangeShapeType="1" noTextEdit="1"/>
+          </p:cNvSpPr>
+          <p:nvPr>
+            <p:extLst>
+              <p:ext uri="{386F3935-93C4-4BCD-93E2-E3B085C9AB24}">
+                <p16:designElem xmlns:p16="http://schemas.microsoft.com/office/powerpoint/2015/main" val="1"/>
+              </p:ext>
+            </p:extLst>
+          </p:nvPr>
+        </p:nvSpPr>
+        <p:spPr>
+          <a:xfrm>
+            <a:off x="0" y="5486401"/>
+            <a:ext cx="12191999" cy="1371600"/>
+          </a:xfrm>
+          <a:prstGeom prst="rect">
+            <a:avLst/>
+          </a:prstGeom>
+          <a:solidFill>
+            <a:schemeClr val="bg1">
+              <a:alpha val="28000"/>
+            </a:schemeClr>
+          </a:solidFill>
+          <a:ln>
+            <a:noFill/>
+          </a:ln>
+        </p:spPr>
+        <p:style>
+          <a:lnRef idx="2">
+            <a:schemeClr val="accent1">
+              <a:shade val="50000"/>
+            </a:schemeClr>
+          </a:lnRef>
+          <a:fillRef idx="1">
+            <a:schemeClr val="accent1"/>
+          </a:fillRef>
+          <a:effectRef idx="0">
+            <a:schemeClr val="accent1"/>
+          </a:effectRef>
+          <a:fontRef idx="minor">
+            <a:schemeClr val="lt1"/>
+          </a:fontRef>
+        </p:style>
+        <p:txBody>
+          <a:bodyPr rtlCol="0" anchor="ctr"/>
+          <a:lstStyle/>
+          <a:p>
+            <a:pPr marL="0" marR="0" lvl="0" indent="0" algn="ctr" defTabSz="914400" rtl="0" eaLnBrk="1" fontAlgn="auto" latinLnBrk="0" hangingPunct="1">
+              <a:lnSpc>
+                <a:spcPct val="100000"/>
+              </a:lnSpc>
+              <a:spcBef>
+                <a:spcPts val="0"/>
+              </a:spcBef>
+              <a:spcAft>
+                <a:spcPts val="0"/>
+              </a:spcAft>
+              <a:buClrTx/>
+              <a:buSzTx/>
+              <a:buFontTx/>
+              <a:buNone/>
+              <a:tabLst/>
+              <a:defRPr/>
+            </a:pPr>
+            <a:endParaRPr kumimoji="0" lang="en-US" sz="1800" b="0" i="0" u="none" strike="noStrike" kern="1200" cap="none" spc="0" normalizeH="0" baseline="0" noProof="0">
+              <a:ln>
+                <a:noFill/>
+              </a:ln>
+              <a:solidFill>
+                <a:srgbClr val="FFFFFF"/>
+              </a:solidFill>
+              <a:effectLst/>
+              <a:uLnTx/>
+              <a:uFillTx/>
+              <a:latin typeface="Calisto MT"/>
+              <a:ea typeface="+mn-ea"/>
+              <a:cs typeface="+mn-cs"/>
+            </a:endParaRPr>
+          </a:p>
+        </p:txBody>
+      </p:sp>
+      <p:sp>
+        <p:nvSpPr>
+          <p:cNvPr id="6" name="Titre 5">
+            <a:extLst>
+              <a:ext uri="{FF2B5EF4-FFF2-40B4-BE49-F238E27FC236}">
+                <a16:creationId xmlns:a16="http://schemas.microsoft.com/office/drawing/2014/main" id="{ECE6B0C8-92E5-D54D-A6BB-4D3A94831681}"/>
+              </a:ext>
+            </a:extLst>
+          </p:cNvPr>
+          <p:cNvSpPr>
+            <a:spLocks noGrp="1"/>
+          </p:cNvSpPr>
+          <p:nvPr>
+            <p:ph type="ctrTitle"/>
+          </p:nvPr>
+        </p:nvSpPr>
+        <p:spPr>
+          <a:xfrm>
+            <a:off x="-1" y="1175458"/>
+            <a:ext cx="12191979" cy="7268948"/>
+          </a:xfrm>
+        </p:spPr>
+        <p:txBody>
+          <a:bodyPr>
+            <a:noAutofit/>
+          </a:bodyPr>
+          <a:lstStyle/>
+          <a:p>
+            <a:pPr>
+              <a:buNone/>
+            </a:pPr>
+            <a:r>
+              <a:rPr lang="fr-FR" sz="1600" b="1" dirty="0">
+                <a:latin typeface="Times New Roman" panose="02020603050405020304" pitchFamily="18" charset="0"/>
+                <a:cs typeface="Times New Roman" panose="02020603050405020304" pitchFamily="18" charset="0"/>
+              </a:rPr>
+              <a:t>Cas possibles :</a:t>
+            </a:r>
+            <a:br>
+              <a:rPr lang="fr-FR" sz="1600" b="1" dirty="0">
+                <a:latin typeface="Times New Roman" panose="02020603050405020304" pitchFamily="18" charset="0"/>
+                <a:cs typeface="Times New Roman" panose="02020603050405020304" pitchFamily="18" charset="0"/>
+              </a:rPr>
+            </a:br>
+            <a:br>
+              <a:rPr lang="fr-FR" sz="1600" b="1" dirty="0">
+                <a:latin typeface="Times New Roman" panose="02020603050405020304" pitchFamily="18" charset="0"/>
+                <a:cs typeface="Times New Roman" panose="02020603050405020304" pitchFamily="18" charset="0"/>
+              </a:rPr>
+            </a:br>
+            <a:r>
+              <a:rPr lang="fr-FR" sz="1600" b="1">
+                <a:latin typeface="Times New Roman" panose="02020603050405020304" pitchFamily="18" charset="0"/>
+                <a:cs typeface="Times New Roman" panose="02020603050405020304" pitchFamily="18" charset="0"/>
+              </a:rPr>
+              <a:t>Biais positif</a:t>
+            </a:r>
+            <a:br>
+              <a:rPr lang="fr-FR" sz="1600" b="1" dirty="0">
+                <a:latin typeface="Times New Roman" panose="02020603050405020304" pitchFamily="18" charset="0"/>
+                <a:cs typeface="Times New Roman" panose="02020603050405020304" pitchFamily="18" charset="0"/>
+              </a:rPr>
+            </a:br>
+            <a:br>
+              <a:rPr lang="fr-FR" sz="1600" dirty="0">
+                <a:latin typeface="Times New Roman" panose="02020603050405020304" pitchFamily="18" charset="0"/>
+                <a:cs typeface="Times New Roman" panose="02020603050405020304" pitchFamily="18" charset="0"/>
+              </a:rPr>
+            </a:br>
+            <a:r>
+              <a:rPr lang="fr-FR" sz="1600" dirty="0">
+                <a:latin typeface="Times New Roman" panose="02020603050405020304" pitchFamily="18" charset="0"/>
+                <a:cs typeface="Times New Roman" panose="02020603050405020304" pitchFamily="18" charset="0"/>
+              </a:rPr>
+              <a:t>Cela signifie que le modèle a tendance à </a:t>
+            </a:r>
+            <a:r>
+              <a:rPr lang="fr-FR" sz="1600" b="1" dirty="0">
+                <a:latin typeface="Times New Roman" panose="02020603050405020304" pitchFamily="18" charset="0"/>
+                <a:cs typeface="Times New Roman" panose="02020603050405020304" pitchFamily="18" charset="0"/>
+              </a:rPr>
+              <a:t>surestimer</a:t>
+            </a:r>
+            <a:r>
+              <a:rPr lang="fr-FR" sz="1600" dirty="0">
+                <a:latin typeface="Times New Roman" panose="02020603050405020304" pitchFamily="18" charset="0"/>
+                <a:cs typeface="Times New Roman" panose="02020603050405020304" pitchFamily="18" charset="0"/>
+              </a:rPr>
+              <a:t> la valeur de sortie par rapport aux valeurs réelles.</a:t>
+            </a:r>
+            <a:br>
+              <a:rPr lang="fr-FR" sz="1600" dirty="0">
+                <a:latin typeface="Times New Roman" panose="02020603050405020304" pitchFamily="18" charset="0"/>
+                <a:cs typeface="Times New Roman" panose="02020603050405020304" pitchFamily="18" charset="0"/>
+              </a:rPr>
+            </a:br>
+            <a:r>
+              <a:rPr lang="fr-FR" sz="1600" dirty="0">
+                <a:latin typeface="Times New Roman" panose="02020603050405020304" pitchFamily="18" charset="0"/>
+                <a:cs typeface="Times New Roman" panose="02020603050405020304" pitchFamily="18" charset="0"/>
+              </a:rPr>
+              <a:t>Par exemple, si les vraies émissions de CO₂ sont en moyenne </a:t>
+            </a:r>
+            <a:r>
+              <a:rPr lang="fr-FR" sz="1600" b="1" dirty="0">
+                <a:latin typeface="Times New Roman" panose="02020603050405020304" pitchFamily="18" charset="0"/>
+                <a:cs typeface="Times New Roman" panose="02020603050405020304" pitchFamily="18" charset="0"/>
+              </a:rPr>
+              <a:t>150 g/km</a:t>
+            </a:r>
+            <a:r>
+              <a:rPr lang="fr-FR" sz="1600" dirty="0">
+                <a:latin typeface="Times New Roman" panose="02020603050405020304" pitchFamily="18" charset="0"/>
+                <a:cs typeface="Times New Roman" panose="02020603050405020304" pitchFamily="18" charset="0"/>
+              </a:rPr>
+              <a:t> mais que le modèle prédit </a:t>
+            </a:r>
+            <a:r>
+              <a:rPr lang="fr-FR" sz="1600" b="1" dirty="0">
+                <a:latin typeface="Times New Roman" panose="02020603050405020304" pitchFamily="18" charset="0"/>
+                <a:cs typeface="Times New Roman" panose="02020603050405020304" pitchFamily="18" charset="0"/>
+              </a:rPr>
+              <a:t>160 g/km</a:t>
+            </a:r>
+            <a:r>
+              <a:rPr lang="fr-FR" sz="1600" dirty="0">
+                <a:latin typeface="Times New Roman" panose="02020603050405020304" pitchFamily="18" charset="0"/>
+                <a:cs typeface="Times New Roman" panose="02020603050405020304" pitchFamily="18" charset="0"/>
+              </a:rPr>
+              <a:t>, alors le modèle surestime systématiquement.</a:t>
+            </a:r>
+            <a:br>
+              <a:rPr lang="fr-FR" sz="1600" dirty="0">
+                <a:latin typeface="Times New Roman" panose="02020603050405020304" pitchFamily="18" charset="0"/>
+                <a:cs typeface="Times New Roman" panose="02020603050405020304" pitchFamily="18" charset="0"/>
+              </a:rPr>
+            </a:br>
+            <a:br>
+              <a:rPr lang="fr-FR" sz="1600" dirty="0">
+                <a:latin typeface="Times New Roman" panose="02020603050405020304" pitchFamily="18" charset="0"/>
+                <a:cs typeface="Times New Roman" panose="02020603050405020304" pitchFamily="18" charset="0"/>
+              </a:rPr>
+            </a:br>
+            <a:r>
+              <a:rPr lang="fr-FR" sz="1600" b="1" dirty="0">
+                <a:latin typeface="Times New Roman" panose="02020603050405020304" pitchFamily="18" charset="0"/>
+                <a:cs typeface="Times New Roman" panose="02020603050405020304" pitchFamily="18" charset="0"/>
+              </a:rPr>
+              <a:t>Biais négatif</a:t>
+            </a:r>
+            <a:br>
+              <a:rPr lang="fr-FR" sz="1600" b="1" dirty="0">
+                <a:latin typeface="Times New Roman" panose="02020603050405020304" pitchFamily="18" charset="0"/>
+                <a:cs typeface="Times New Roman" panose="02020603050405020304" pitchFamily="18" charset="0"/>
+              </a:rPr>
+            </a:br>
+            <a:br>
+              <a:rPr lang="fr-FR" sz="1600" dirty="0">
+                <a:latin typeface="Times New Roman" panose="02020603050405020304" pitchFamily="18" charset="0"/>
+                <a:cs typeface="Times New Roman" panose="02020603050405020304" pitchFamily="18" charset="0"/>
+              </a:rPr>
+            </a:br>
+            <a:r>
+              <a:rPr lang="fr-FR" sz="1600" dirty="0">
+                <a:latin typeface="Times New Roman" panose="02020603050405020304" pitchFamily="18" charset="0"/>
+                <a:cs typeface="Times New Roman" panose="02020603050405020304" pitchFamily="18" charset="0"/>
+              </a:rPr>
+              <a:t>Cela signifie que le modèle a tendance à </a:t>
+            </a:r>
+            <a:r>
+              <a:rPr lang="fr-FR" sz="1600" b="1" dirty="0">
+                <a:latin typeface="Times New Roman" panose="02020603050405020304" pitchFamily="18" charset="0"/>
+                <a:cs typeface="Times New Roman" panose="02020603050405020304" pitchFamily="18" charset="0"/>
+              </a:rPr>
+              <a:t>sous-estimer</a:t>
+            </a:r>
+            <a:r>
+              <a:rPr lang="fr-FR" sz="1600" dirty="0">
+                <a:latin typeface="Times New Roman" panose="02020603050405020304" pitchFamily="18" charset="0"/>
+                <a:cs typeface="Times New Roman" panose="02020603050405020304" pitchFamily="18" charset="0"/>
+              </a:rPr>
+              <a:t> la valeur de sortie.</a:t>
+            </a:r>
+            <a:br>
+              <a:rPr lang="fr-FR" sz="1600" dirty="0">
+                <a:latin typeface="Times New Roman" panose="02020603050405020304" pitchFamily="18" charset="0"/>
+                <a:cs typeface="Times New Roman" panose="02020603050405020304" pitchFamily="18" charset="0"/>
+              </a:rPr>
+            </a:br>
+            <a:r>
+              <a:rPr lang="fr-FR" sz="1600" dirty="0">
+                <a:latin typeface="Times New Roman" panose="02020603050405020304" pitchFamily="18" charset="0"/>
+                <a:cs typeface="Times New Roman" panose="02020603050405020304" pitchFamily="18" charset="0"/>
+              </a:rPr>
+              <a:t>Par exemple, si la vraie moyenne est </a:t>
+            </a:r>
+            <a:r>
+              <a:rPr lang="fr-FR" sz="1600" b="1" dirty="0">
+                <a:latin typeface="Times New Roman" panose="02020603050405020304" pitchFamily="18" charset="0"/>
+                <a:cs typeface="Times New Roman" panose="02020603050405020304" pitchFamily="18" charset="0"/>
+              </a:rPr>
+              <a:t>150 g/km</a:t>
+            </a:r>
+            <a:r>
+              <a:rPr lang="fr-FR" sz="1600" dirty="0">
+                <a:latin typeface="Times New Roman" panose="02020603050405020304" pitchFamily="18" charset="0"/>
+                <a:cs typeface="Times New Roman" panose="02020603050405020304" pitchFamily="18" charset="0"/>
+              </a:rPr>
+              <a:t> et que le modèle prédit </a:t>
+            </a:r>
+            <a:r>
+              <a:rPr lang="fr-FR" sz="1600" b="1" dirty="0">
+                <a:latin typeface="Times New Roman" panose="02020603050405020304" pitchFamily="18" charset="0"/>
+                <a:cs typeface="Times New Roman" panose="02020603050405020304" pitchFamily="18" charset="0"/>
+              </a:rPr>
+              <a:t>140 g/km</a:t>
+            </a:r>
+            <a:r>
+              <a:rPr lang="fr-FR" sz="1600" dirty="0">
+                <a:latin typeface="Times New Roman" panose="02020603050405020304" pitchFamily="18" charset="0"/>
+                <a:cs typeface="Times New Roman" panose="02020603050405020304" pitchFamily="18" charset="0"/>
+              </a:rPr>
+              <a:t>, alors il sous-estime les émissions de CO₂.</a:t>
+            </a:r>
+            <a:br>
+              <a:rPr lang="fr-FR" sz="1600" dirty="0">
+                <a:latin typeface="Times New Roman" panose="02020603050405020304" pitchFamily="18" charset="0"/>
+                <a:cs typeface="Times New Roman" panose="02020603050405020304" pitchFamily="18" charset="0"/>
+              </a:rPr>
+            </a:br>
+            <a:br>
+              <a:rPr lang="fr-FR" sz="1600" dirty="0">
+                <a:latin typeface="Times New Roman" panose="02020603050405020304" pitchFamily="18" charset="0"/>
+                <a:cs typeface="Times New Roman" panose="02020603050405020304" pitchFamily="18" charset="0"/>
+              </a:rPr>
+            </a:br>
+            <a:r>
+              <a:rPr lang="fr-FR" sz="1600" b="1" dirty="0">
+                <a:latin typeface="Times New Roman" panose="02020603050405020304" pitchFamily="18" charset="0"/>
+                <a:cs typeface="Times New Roman" panose="02020603050405020304" pitchFamily="18" charset="0"/>
+              </a:rPr>
+              <a:t>Biais proche de zéro :</a:t>
+            </a:r>
+            <a:br>
+              <a:rPr lang="fr-FR" sz="1600" b="1" dirty="0">
+                <a:latin typeface="Times New Roman" panose="02020603050405020304" pitchFamily="18" charset="0"/>
+                <a:cs typeface="Times New Roman" panose="02020603050405020304" pitchFamily="18" charset="0"/>
+              </a:rPr>
+            </a:br>
+            <a:br>
+              <a:rPr lang="fr-FR" sz="1600" dirty="0">
+                <a:latin typeface="Times New Roman" panose="02020603050405020304" pitchFamily="18" charset="0"/>
+                <a:cs typeface="Times New Roman" panose="02020603050405020304" pitchFamily="18" charset="0"/>
+              </a:rPr>
+            </a:br>
+            <a:r>
+              <a:rPr lang="fr-FR" sz="1600" dirty="0">
+                <a:latin typeface="Times New Roman" panose="02020603050405020304" pitchFamily="18" charset="0"/>
+                <a:cs typeface="Times New Roman" panose="02020603050405020304" pitchFamily="18" charset="0"/>
+              </a:rPr>
+              <a:t>Cela signifie que le modèle est </a:t>
+            </a:r>
+            <a:r>
+              <a:rPr lang="fr-FR" sz="1600" b="1" dirty="0">
+                <a:latin typeface="Times New Roman" panose="02020603050405020304" pitchFamily="18" charset="0"/>
+                <a:cs typeface="Times New Roman" panose="02020603050405020304" pitchFamily="18" charset="0"/>
+              </a:rPr>
+              <a:t>globalement bien équilibré</a:t>
+            </a:r>
+            <a:r>
+              <a:rPr lang="fr-FR" sz="1600" dirty="0">
+                <a:latin typeface="Times New Roman" panose="02020603050405020304" pitchFamily="18" charset="0"/>
+                <a:cs typeface="Times New Roman" panose="02020603050405020304" pitchFamily="18" charset="0"/>
+              </a:rPr>
+              <a:t> et qu’il ne surestime ni ne sous-estime de manière significative.</a:t>
+            </a:r>
+            <a:br>
+              <a:rPr lang="fr-FR" sz="1600" dirty="0">
+                <a:latin typeface="Times New Roman" panose="02020603050405020304" pitchFamily="18" charset="0"/>
+                <a:cs typeface="Times New Roman" panose="02020603050405020304" pitchFamily="18" charset="0"/>
+              </a:rPr>
+            </a:br>
+            <a:r>
+              <a:rPr lang="fr-FR" sz="1600" dirty="0">
+                <a:latin typeface="Times New Roman" panose="02020603050405020304" pitchFamily="18" charset="0"/>
+                <a:cs typeface="Times New Roman" panose="02020603050405020304" pitchFamily="18" charset="0"/>
+              </a:rPr>
+              <a:t>Cela ne garantit pas que le modèle est parfait, mais il indique au moins qu'il </a:t>
+            </a:r>
+            <a:r>
+              <a:rPr lang="fr-FR" sz="1600" b="1" dirty="0">
+                <a:latin typeface="Times New Roman" panose="02020603050405020304" pitchFamily="18" charset="0"/>
+                <a:cs typeface="Times New Roman" panose="02020603050405020304" pitchFamily="18" charset="0"/>
+              </a:rPr>
+              <a:t>n'a pas de tendance systématique à prédire trop haut ou trop bas</a:t>
+            </a:r>
+            <a:r>
+              <a:rPr lang="fr-FR" sz="1600" dirty="0">
+                <a:latin typeface="Times New Roman" panose="02020603050405020304" pitchFamily="18" charset="0"/>
+                <a:cs typeface="Times New Roman" panose="02020603050405020304" pitchFamily="18" charset="0"/>
+              </a:rPr>
+              <a:t>.</a:t>
+            </a:r>
+          </a:p>
+        </p:txBody>
+      </p:sp>
+      <p:sp>
+        <p:nvSpPr>
+          <p:cNvPr id="7" name="ZoneTexte 6">
+            <a:extLst>
+              <a:ext uri="{FF2B5EF4-FFF2-40B4-BE49-F238E27FC236}">
+                <a16:creationId xmlns:a16="http://schemas.microsoft.com/office/drawing/2014/main" id="{F6F9BE55-88C3-CE82-339E-FC6752365582}"/>
+              </a:ext>
+            </a:extLst>
+          </p:cNvPr>
+          <p:cNvSpPr txBox="1"/>
+          <p:nvPr/>
+        </p:nvSpPr>
+        <p:spPr>
+          <a:xfrm>
+            <a:off x="93306" y="324726"/>
+            <a:ext cx="11402008" cy="738664"/>
+          </a:xfrm>
+          <a:prstGeom prst="rect">
+            <a:avLst/>
+          </a:prstGeom>
+          <a:noFill/>
+        </p:spPr>
+        <p:txBody>
+          <a:bodyPr wrap="square" rtlCol="0">
+            <a:spAutoFit/>
+          </a:bodyPr>
+          <a:lstStyle/>
+          <a:p>
+            <a:r>
+              <a:rPr lang="fr-FR" sz="4200" dirty="0"/>
+              <a:t>Présentation du BIAIS</a:t>
+            </a:r>
+          </a:p>
+        </p:txBody>
+      </p:sp>
+    </p:spTree>
+    <p:extLst>
+      <p:ext uri="{BB962C8B-B14F-4D97-AF65-F5344CB8AC3E}">
+        <p14:creationId xmlns:p14="http://schemas.microsoft.com/office/powerpoint/2010/main" val="3221656038"/>
+      </p:ext>
+    </p:extLst>
+  </p:cSld>
+  <p:clrMapOvr>
+    <a:overrideClrMapping bg1="dk1" tx1="lt1" bg2="dk2" tx2="lt2" accent1="accent1" accent2="accent2" accent3="accent3" accent4="accent4" accent5="accent5" accent6="accent6" hlink="hlink" folHlink="folHlink"/>
+  </p:clrMapOvr>
+</p:sld>
+</file>
+
+<file path=ppt/slides/slide12.xml><?xml version="1.0" encoding="utf-8"?>
+<p:sld xmlns:a="http://schemas.openxmlformats.org/drawingml/2006/main" xmlns:r="http://schemas.openxmlformats.org/officeDocument/2006/relationships" xmlns:p="http://schemas.openxmlformats.org/presentationml/2006/main">
+  <p:cSld>
+    <p:bg>
+      <p:bgPr>
+        <a:solidFill>
+          <a:schemeClr val="bg1"/>
+        </a:solidFill>
+        <a:effectLst/>
+      </p:bgPr>
+    </p:bg>
+    <p:spTree>
+      <p:nvGrpSpPr>
+        <p:cNvPr id="1" name="">
+          <a:extLst>
+            <a:ext uri="{FF2B5EF4-FFF2-40B4-BE49-F238E27FC236}">
+              <a16:creationId xmlns:a16="http://schemas.microsoft.com/office/drawing/2014/main" id="{808AADDA-CD91-6041-15EA-26624F61A6E6}"/>
+            </a:ext>
+          </a:extLst>
+        </p:cNvPr>
+        <p:cNvGrpSpPr/>
+        <p:nvPr/>
+      </p:nvGrpSpPr>
+      <p:grpSpPr>
+        <a:xfrm>
+          <a:off x="0" y="0"/>
+          <a:ext cx="0" cy="0"/>
+          <a:chOff x="0" y="0"/>
+          <a:chExt cx="0" cy="0"/>
+        </a:xfrm>
+      </p:grpSpPr>
+      <p:sp>
+        <p:nvSpPr>
+          <p:cNvPr id="9" name="Rectangle 8">
+            <a:extLst>
+              <a:ext uri="{FF2B5EF4-FFF2-40B4-BE49-F238E27FC236}">
+                <a16:creationId xmlns:a16="http://schemas.microsoft.com/office/drawing/2014/main" id="{7997732B-D1AA-A5AB-07D1-1B681EE0228A}"/>
+              </a:ext>
+              <a:ext uri="{C183D7F6-B498-43B3-948B-1728B52AA6E4}">
+                <adec:decorative xmlns:adec="http://schemas.microsoft.com/office/drawing/2017/decorative" val="1"/>
+              </a:ext>
+            </a:extLst>
+          </p:cNvPr>
+          <p:cNvSpPr>
+            <a:spLocks noGrp="1" noRot="1" noChangeAspect="1" noMove="1" noResize="1" noEditPoints="1" noAdjustHandles="1" noChangeArrowheads="1" noChangeShapeType="1" noTextEdit="1"/>
+          </p:cNvSpPr>
+          <p:nvPr>
+            <p:extLst>
+              <p:ext uri="{386F3935-93C4-4BCD-93E2-E3B085C9AB24}">
+                <p16:designElem xmlns:p16="http://schemas.microsoft.com/office/powerpoint/2015/main" val="1"/>
+              </p:ext>
+            </p:extLst>
+          </p:nvPr>
+        </p:nvSpPr>
+        <p:spPr>
+          <a:xfrm>
+            <a:off x="0" y="0"/>
+            <a:ext cx="12192000" cy="6858000"/>
+          </a:xfrm>
+          <a:prstGeom prst="rect">
+            <a:avLst/>
+          </a:prstGeom>
+          <a:solidFill>
+            <a:schemeClr val="bg1"/>
+          </a:solidFill>
+          <a:ln w="12700" cap="flat" cmpd="sng" algn="ctr">
+            <a:noFill/>
+            <a:prstDash val="solid"/>
+            <a:miter lim="800000"/>
+          </a:ln>
+          <a:effectLst/>
+          <a:extLst>
+            <a:ext uri="{91240B29-F687-4F45-9708-019B960494DF}">
+              <a14:hiddenLine xmlns:a14="http://schemas.microsoft.com/office/drawing/2010/main" w="12700" cap="flat" cmpd="sng" algn="ctr">
+                <a:solidFill>
+                  <a:schemeClr val="accent1">
+                    <a:shade val="15000"/>
+                  </a:schemeClr>
+                </a:solidFill>
+                <a:prstDash val="solid"/>
+                <a:miter lim="800000"/>
+              </a14:hiddenLine>
+            </a:ext>
+          </a:extLst>
+        </p:spPr>
+        <p:style>
+          <a:lnRef idx="2">
+            <a:schemeClr val="accent1">
+              <a:shade val="15000"/>
+            </a:schemeClr>
+          </a:lnRef>
+          <a:fillRef idx="1">
+            <a:schemeClr val="accent1"/>
+          </a:fillRef>
+          <a:effectRef idx="0">
+            <a:schemeClr val="accent1"/>
+          </a:effectRef>
+          <a:fontRef idx="minor">
+            <a:schemeClr val="lt1"/>
+          </a:fontRef>
+        </p:style>
+        <p:txBody>
+          <a:bodyPr rtlCol="0" anchor="ctr"/>
+          <a:lstStyle/>
+          <a:p>
+            <a:pPr marL="0" marR="0" lvl="0" indent="0" algn="ctr" defTabSz="914400" rtl="0" eaLnBrk="1" fontAlgn="auto" latinLnBrk="0" hangingPunct="1">
+              <a:lnSpc>
+                <a:spcPct val="100000"/>
+              </a:lnSpc>
+              <a:spcBef>
+                <a:spcPts val="0"/>
+              </a:spcBef>
+              <a:spcAft>
+                <a:spcPts val="0"/>
+              </a:spcAft>
+              <a:buClrTx/>
+              <a:buSzTx/>
+              <a:buFontTx/>
+              <a:buNone/>
+              <a:tabLst/>
+              <a:defRPr/>
+            </a:pPr>
+            <a:endParaRPr kumimoji="0" lang="en-US" sz="1800" b="0" i="0" u="none" strike="noStrike" kern="1200" cap="none" spc="0" normalizeH="0" baseline="0" noProof="0">
+              <a:ln>
+                <a:noFill/>
+              </a:ln>
+              <a:solidFill>
+                <a:srgbClr val="FFFFFF"/>
+              </a:solidFill>
+              <a:effectLst/>
+              <a:uLnTx/>
+              <a:uFillTx/>
+              <a:latin typeface="Calisto MT"/>
+              <a:ea typeface="+mn-ea"/>
+              <a:cs typeface="+mn-cs"/>
+            </a:endParaRPr>
+          </a:p>
+        </p:txBody>
+      </p:sp>
+      <p:pic>
+        <p:nvPicPr>
+          <p:cNvPr id="4" name="Picture 3" descr="Arrière-plan de technologies réseau">
+            <a:extLst>
+              <a:ext uri="{FF2B5EF4-FFF2-40B4-BE49-F238E27FC236}">
+                <a16:creationId xmlns:a16="http://schemas.microsoft.com/office/drawing/2014/main" id="{0BC9E3AE-8070-B18A-BEA9-656E154EE22D}"/>
+              </a:ext>
+            </a:extLst>
+          </p:cNvPr>
+          <p:cNvPicPr>
+            <a:picLocks noChangeAspect="1"/>
+          </p:cNvPicPr>
+          <p:nvPr/>
+        </p:nvPicPr>
+        <p:blipFill>
+          <a:blip r:embed="rId2"/>
+          <a:srcRect b="3434"/>
+          <a:stretch/>
+        </p:blipFill>
+        <p:spPr>
+          <a:xfrm>
+            <a:off x="20" y="10"/>
+            <a:ext cx="12191980" cy="6857990"/>
+          </a:xfrm>
+          <a:prstGeom prst="rect">
+            <a:avLst/>
+          </a:prstGeom>
+        </p:spPr>
+      </p:pic>
+      <p:sp>
+        <p:nvSpPr>
+          <p:cNvPr id="11" name="Rectangle 10">
+            <a:extLst>
+              <a:ext uri="{FF2B5EF4-FFF2-40B4-BE49-F238E27FC236}">
+                <a16:creationId xmlns:a16="http://schemas.microsoft.com/office/drawing/2014/main" id="{98D7198A-F036-173B-B7C3-8578496CEC04}"/>
+              </a:ext>
+              <a:ext uri="{C183D7F6-B498-43B3-948B-1728B52AA6E4}">
+                <adec:decorative xmlns:adec="http://schemas.microsoft.com/office/drawing/2017/decorative" val="1"/>
+              </a:ext>
+            </a:extLst>
+          </p:cNvPr>
+          <p:cNvSpPr>
+            <a:spLocks noGrp="1" noRot="1" noChangeAspect="1" noMove="1" noResize="1" noEditPoints="1" noAdjustHandles="1" noChangeArrowheads="1" noChangeShapeType="1" noTextEdit="1"/>
+          </p:cNvSpPr>
+          <p:nvPr>
+            <p:extLst>
+              <p:ext uri="{386F3935-93C4-4BCD-93E2-E3B085C9AB24}">
+                <p16:designElem xmlns:p16="http://schemas.microsoft.com/office/powerpoint/2015/main" val="1"/>
+              </p:ext>
+            </p:extLst>
+          </p:nvPr>
+        </p:nvSpPr>
+        <p:spPr>
+          <a:xfrm>
+            <a:off x="0" y="5486401"/>
+            <a:ext cx="12191999" cy="1371600"/>
+          </a:xfrm>
+          <a:prstGeom prst="rect">
+            <a:avLst/>
+          </a:prstGeom>
+          <a:solidFill>
+            <a:schemeClr val="bg1">
+              <a:alpha val="28000"/>
+            </a:schemeClr>
+          </a:solidFill>
+          <a:ln>
+            <a:noFill/>
+          </a:ln>
+        </p:spPr>
+        <p:style>
+          <a:lnRef idx="2">
+            <a:schemeClr val="accent1">
+              <a:shade val="50000"/>
+            </a:schemeClr>
+          </a:lnRef>
+          <a:fillRef idx="1">
+            <a:schemeClr val="accent1"/>
+          </a:fillRef>
+          <a:effectRef idx="0">
+            <a:schemeClr val="accent1"/>
+          </a:effectRef>
+          <a:fontRef idx="minor">
+            <a:schemeClr val="lt1"/>
+          </a:fontRef>
+        </p:style>
+        <p:txBody>
+          <a:bodyPr rtlCol="0" anchor="ctr"/>
+          <a:lstStyle/>
+          <a:p>
+            <a:pPr marL="0" marR="0" lvl="0" indent="0" algn="ctr" defTabSz="914400" rtl="0" eaLnBrk="1" fontAlgn="auto" latinLnBrk="0" hangingPunct="1">
+              <a:lnSpc>
+                <a:spcPct val="100000"/>
+              </a:lnSpc>
+              <a:spcBef>
+                <a:spcPts val="0"/>
+              </a:spcBef>
+              <a:spcAft>
+                <a:spcPts val="0"/>
+              </a:spcAft>
+              <a:buClrTx/>
+              <a:buSzTx/>
+              <a:buFontTx/>
+              <a:buNone/>
+              <a:tabLst/>
+              <a:defRPr/>
+            </a:pPr>
+            <a:endParaRPr kumimoji="0" lang="en-US" sz="1800" b="0" i="0" u="none" strike="noStrike" kern="1200" cap="none" spc="0" normalizeH="0" baseline="0" noProof="0">
+              <a:ln>
+                <a:noFill/>
+              </a:ln>
+              <a:solidFill>
+                <a:srgbClr val="FFFFFF"/>
+              </a:solidFill>
+              <a:effectLst/>
+              <a:uLnTx/>
+              <a:uFillTx/>
+              <a:latin typeface="Calisto MT"/>
+              <a:ea typeface="+mn-ea"/>
+              <a:cs typeface="+mn-cs"/>
+            </a:endParaRPr>
+          </a:p>
+        </p:txBody>
+      </p:sp>
+      <p:sp>
+        <p:nvSpPr>
+          <p:cNvPr id="6" name="Titre 5">
+            <a:extLst>
+              <a:ext uri="{FF2B5EF4-FFF2-40B4-BE49-F238E27FC236}">
+                <a16:creationId xmlns:a16="http://schemas.microsoft.com/office/drawing/2014/main" id="{86B50E03-70AC-C5E5-62A4-9166FA139D94}"/>
+              </a:ext>
+            </a:extLst>
+          </p:cNvPr>
+          <p:cNvSpPr>
+            <a:spLocks noGrp="1"/>
+          </p:cNvSpPr>
+          <p:nvPr>
+            <p:ph type="ctrTitle"/>
+          </p:nvPr>
+        </p:nvSpPr>
+        <p:spPr>
+          <a:xfrm>
+            <a:off x="102637" y="1932983"/>
+            <a:ext cx="12191979" cy="6017100"/>
+          </a:xfrm>
+        </p:spPr>
+        <p:txBody>
+          <a:bodyPr>
+            <a:noAutofit/>
+          </a:bodyPr>
+          <a:lstStyle/>
+          <a:p>
+            <a:pPr>
+              <a:lnSpc>
+                <a:spcPct val="150000"/>
+              </a:lnSpc>
+              <a:buNone/>
+            </a:pPr>
+            <a:r>
+              <a:rPr lang="fr-FR" sz="1800" b="1" dirty="0">
+                <a:latin typeface="Times New Roman" panose="02020603050405020304" pitchFamily="18" charset="0"/>
+                <a:cs typeface="Times New Roman" panose="02020603050405020304" pitchFamily="18" charset="0"/>
+              </a:rPr>
+              <a:t>1. Approches Heuristiques</a:t>
+            </a:r>
+            <a:br>
+              <a:rPr lang="fr-FR" sz="1800" b="1" dirty="0">
+                <a:latin typeface="Times New Roman" panose="02020603050405020304" pitchFamily="18" charset="0"/>
+                <a:cs typeface="Times New Roman" panose="02020603050405020304" pitchFamily="18" charset="0"/>
+              </a:rPr>
+            </a:br>
+            <a:br>
+              <a:rPr lang="fr-FR" sz="1800" dirty="0">
+                <a:latin typeface="Times New Roman" panose="02020603050405020304" pitchFamily="18" charset="0"/>
+                <a:cs typeface="Times New Roman" panose="02020603050405020304" pitchFamily="18" charset="0"/>
+              </a:rPr>
+            </a:br>
+            <a:r>
+              <a:rPr lang="fr-FR" sz="1800" dirty="0">
+                <a:latin typeface="Times New Roman" panose="02020603050405020304" pitchFamily="18" charset="0"/>
+                <a:cs typeface="Times New Roman" panose="02020603050405020304" pitchFamily="18" charset="0"/>
+              </a:rPr>
+              <a:t>Les </a:t>
+            </a:r>
+            <a:r>
+              <a:rPr lang="fr-FR" sz="1800" b="1" dirty="0">
+                <a:latin typeface="Times New Roman" panose="02020603050405020304" pitchFamily="18" charset="0"/>
+                <a:cs typeface="Times New Roman" panose="02020603050405020304" pitchFamily="18" charset="0"/>
+              </a:rPr>
+              <a:t>heuristiques</a:t>
+            </a:r>
+            <a:r>
+              <a:rPr lang="fr-FR" sz="1800" dirty="0">
+                <a:latin typeface="Times New Roman" panose="02020603050405020304" pitchFamily="18" charset="0"/>
+                <a:cs typeface="Times New Roman" panose="02020603050405020304" pitchFamily="18" charset="0"/>
+              </a:rPr>
+              <a:t> sont des techniques de résolution de problèmes qui visent à trouver rapidement une solution acceptable, mais pas nécessairement optimale. Elles sont particulièrement utiles pour les problèmes complexes où la recherche d'une solution exacte serait trop coûteuse en temps ou en ressources.</a:t>
+            </a:r>
+          </a:p>
+        </p:txBody>
+      </p:sp>
+      <p:sp>
+        <p:nvSpPr>
+          <p:cNvPr id="7" name="ZoneTexte 6">
+            <a:extLst>
+              <a:ext uri="{FF2B5EF4-FFF2-40B4-BE49-F238E27FC236}">
+                <a16:creationId xmlns:a16="http://schemas.microsoft.com/office/drawing/2014/main" id="{21E393E2-D848-01E0-86EA-2798092AB332}"/>
+              </a:ext>
+            </a:extLst>
+          </p:cNvPr>
+          <p:cNvSpPr txBox="1"/>
+          <p:nvPr/>
+        </p:nvSpPr>
+        <p:spPr>
+          <a:xfrm>
+            <a:off x="102637" y="0"/>
+            <a:ext cx="11402008" cy="1446550"/>
+          </a:xfrm>
+          <a:prstGeom prst="rect">
+            <a:avLst/>
+          </a:prstGeom>
+          <a:noFill/>
+        </p:spPr>
+        <p:txBody>
+          <a:bodyPr wrap="square" rtlCol="0">
+            <a:spAutoFit/>
+          </a:bodyPr>
+          <a:lstStyle/>
+          <a:p>
+            <a:r>
+              <a:rPr lang="fr-FR" sz="4400" dirty="0"/>
+              <a:t>Introduction aux Approches Heuristiques et Méthodes d'Optimisation</a:t>
+            </a:r>
+            <a:endParaRPr lang="fr-FR" sz="4200" dirty="0"/>
+          </a:p>
+        </p:txBody>
+      </p:sp>
+    </p:spTree>
+    <p:extLst>
+      <p:ext uri="{BB962C8B-B14F-4D97-AF65-F5344CB8AC3E}">
+        <p14:creationId xmlns:p14="http://schemas.microsoft.com/office/powerpoint/2010/main" val="1845847993"/>
+      </p:ext>
+    </p:extLst>
+  </p:cSld>
+  <p:clrMapOvr>
+    <a:overrideClrMapping bg1="dk1" tx1="lt1" bg2="dk2" tx2="lt2" accent1="accent1" accent2="accent2" accent3="accent3" accent4="accent4" accent5="accent5" accent6="accent6" hlink="hlink" folHlink="folHlink"/>
+  </p:clrMapOvr>
+</p:sld>
+</file>
+
+<file path=ppt/slides/slide13.xml><?xml version="1.0" encoding="utf-8"?>
+<p:sld xmlns:a="http://schemas.openxmlformats.org/drawingml/2006/main" xmlns:r="http://schemas.openxmlformats.org/officeDocument/2006/relationships" xmlns:p="http://schemas.openxmlformats.org/presentationml/2006/main">
+  <p:cSld>
+    <p:bg>
+      <p:bgPr>
+        <a:solidFill>
+          <a:schemeClr val="bg1"/>
+        </a:solidFill>
+        <a:effectLst/>
+      </p:bgPr>
+    </p:bg>
+    <p:spTree>
+      <p:nvGrpSpPr>
+        <p:cNvPr id="1" name="">
+          <a:extLst>
+            <a:ext uri="{FF2B5EF4-FFF2-40B4-BE49-F238E27FC236}">
+              <a16:creationId xmlns:a16="http://schemas.microsoft.com/office/drawing/2014/main" id="{29FE3927-F87F-B6DB-A5AB-B155C2A27565}"/>
+            </a:ext>
+          </a:extLst>
+        </p:cNvPr>
+        <p:cNvGrpSpPr/>
+        <p:nvPr/>
+      </p:nvGrpSpPr>
+      <p:grpSpPr>
+        <a:xfrm>
+          <a:off x="0" y="0"/>
+          <a:ext cx="0" cy="0"/>
+          <a:chOff x="0" y="0"/>
+          <a:chExt cx="0" cy="0"/>
+        </a:xfrm>
+      </p:grpSpPr>
+      <p:sp>
+        <p:nvSpPr>
+          <p:cNvPr id="9" name="Rectangle 8">
+            <a:extLst>
+              <a:ext uri="{FF2B5EF4-FFF2-40B4-BE49-F238E27FC236}">
+                <a16:creationId xmlns:a16="http://schemas.microsoft.com/office/drawing/2014/main" id="{8E7990EB-CD69-08F5-8A33-93E8D6317527}"/>
+              </a:ext>
+              <a:ext uri="{C183D7F6-B498-43B3-948B-1728B52AA6E4}">
+                <adec:decorative xmlns:adec="http://schemas.microsoft.com/office/drawing/2017/decorative" val="1"/>
+              </a:ext>
+            </a:extLst>
+          </p:cNvPr>
+          <p:cNvSpPr>
+            <a:spLocks noGrp="1" noRot="1" noChangeAspect="1" noMove="1" noResize="1" noEditPoints="1" noAdjustHandles="1" noChangeArrowheads="1" noChangeShapeType="1" noTextEdit="1"/>
+          </p:cNvSpPr>
+          <p:nvPr>
+            <p:extLst>
+              <p:ext uri="{386F3935-93C4-4BCD-93E2-E3B085C9AB24}">
+                <p16:designElem xmlns:p16="http://schemas.microsoft.com/office/powerpoint/2015/main" val="1"/>
+              </p:ext>
+            </p:extLst>
+          </p:nvPr>
+        </p:nvSpPr>
+        <p:spPr>
+          <a:xfrm>
+            <a:off x="0" y="0"/>
+            <a:ext cx="12192000" cy="6858000"/>
+          </a:xfrm>
+          <a:prstGeom prst="rect">
+            <a:avLst/>
+          </a:prstGeom>
+          <a:solidFill>
+            <a:schemeClr val="bg1"/>
+          </a:solidFill>
+          <a:ln w="12700" cap="flat" cmpd="sng" algn="ctr">
+            <a:noFill/>
+            <a:prstDash val="solid"/>
+            <a:miter lim="800000"/>
+          </a:ln>
+          <a:effectLst/>
+          <a:extLst>
+            <a:ext uri="{91240B29-F687-4F45-9708-019B960494DF}">
+              <a14:hiddenLine xmlns:a14="http://schemas.microsoft.com/office/drawing/2010/main" w="12700" cap="flat" cmpd="sng" algn="ctr">
+                <a:solidFill>
+                  <a:schemeClr val="accent1">
+                    <a:shade val="15000"/>
+                  </a:schemeClr>
+                </a:solidFill>
+                <a:prstDash val="solid"/>
+                <a:miter lim="800000"/>
+              </a14:hiddenLine>
+            </a:ext>
+          </a:extLst>
+        </p:spPr>
+        <p:style>
+          <a:lnRef idx="2">
+            <a:schemeClr val="accent1">
+              <a:shade val="15000"/>
+            </a:schemeClr>
+          </a:lnRef>
+          <a:fillRef idx="1">
+            <a:schemeClr val="accent1"/>
+          </a:fillRef>
+          <a:effectRef idx="0">
+            <a:schemeClr val="accent1"/>
+          </a:effectRef>
+          <a:fontRef idx="minor">
+            <a:schemeClr val="lt1"/>
+          </a:fontRef>
+        </p:style>
+        <p:txBody>
+          <a:bodyPr rtlCol="0" anchor="ctr"/>
+          <a:lstStyle/>
+          <a:p>
+            <a:pPr marL="0" marR="0" lvl="0" indent="0" algn="ctr" defTabSz="914400" rtl="0" eaLnBrk="1" fontAlgn="auto" latinLnBrk="0" hangingPunct="1">
+              <a:lnSpc>
+                <a:spcPct val="100000"/>
+              </a:lnSpc>
+              <a:spcBef>
+                <a:spcPts val="0"/>
+              </a:spcBef>
+              <a:spcAft>
+                <a:spcPts val="0"/>
+              </a:spcAft>
+              <a:buClrTx/>
+              <a:buSzTx/>
+              <a:buFontTx/>
+              <a:buNone/>
+              <a:tabLst/>
+              <a:defRPr/>
+            </a:pPr>
+            <a:endParaRPr kumimoji="0" lang="en-US" sz="1800" b="0" i="0" u="none" strike="noStrike" kern="1200" cap="none" spc="0" normalizeH="0" baseline="0" noProof="0">
+              <a:ln>
+                <a:noFill/>
+              </a:ln>
+              <a:solidFill>
+                <a:srgbClr val="FFFFFF"/>
+              </a:solidFill>
+              <a:effectLst/>
+              <a:uLnTx/>
+              <a:uFillTx/>
+              <a:latin typeface="Calisto MT"/>
+              <a:ea typeface="+mn-ea"/>
+              <a:cs typeface="+mn-cs"/>
+            </a:endParaRPr>
+          </a:p>
+        </p:txBody>
+      </p:sp>
+      <p:pic>
+        <p:nvPicPr>
+          <p:cNvPr id="4" name="Picture 3" descr="Arrière-plan de technologies réseau">
+            <a:extLst>
+              <a:ext uri="{FF2B5EF4-FFF2-40B4-BE49-F238E27FC236}">
+                <a16:creationId xmlns:a16="http://schemas.microsoft.com/office/drawing/2014/main" id="{40C950F9-8A14-7E55-CBB9-2EF98A4747BD}"/>
+              </a:ext>
+            </a:extLst>
+          </p:cNvPr>
+          <p:cNvPicPr>
+            <a:picLocks noChangeAspect="1"/>
+          </p:cNvPicPr>
+          <p:nvPr/>
+        </p:nvPicPr>
+        <p:blipFill>
+          <a:blip r:embed="rId2"/>
+          <a:srcRect b="3434"/>
+          <a:stretch/>
+        </p:blipFill>
+        <p:spPr>
+          <a:xfrm>
+            <a:off x="20" y="10"/>
+            <a:ext cx="12191980" cy="6857990"/>
+          </a:xfrm>
+          <a:prstGeom prst="rect">
+            <a:avLst/>
+          </a:prstGeom>
+        </p:spPr>
+      </p:pic>
+      <p:sp>
+        <p:nvSpPr>
+          <p:cNvPr id="11" name="Rectangle 10">
+            <a:extLst>
+              <a:ext uri="{FF2B5EF4-FFF2-40B4-BE49-F238E27FC236}">
+                <a16:creationId xmlns:a16="http://schemas.microsoft.com/office/drawing/2014/main" id="{BBC5D383-A840-ACB7-828A-E2C3BD4580F4}"/>
+              </a:ext>
+              <a:ext uri="{C183D7F6-B498-43B3-948B-1728B52AA6E4}">
+                <adec:decorative xmlns:adec="http://schemas.microsoft.com/office/drawing/2017/decorative" val="1"/>
+              </a:ext>
+            </a:extLst>
+          </p:cNvPr>
+          <p:cNvSpPr>
+            <a:spLocks noGrp="1" noRot="1" noChangeAspect="1" noMove="1" noResize="1" noEditPoints="1" noAdjustHandles="1" noChangeArrowheads="1" noChangeShapeType="1" noTextEdit="1"/>
+          </p:cNvSpPr>
+          <p:nvPr>
+            <p:extLst>
+              <p:ext uri="{386F3935-93C4-4BCD-93E2-E3B085C9AB24}">
+                <p16:designElem xmlns:p16="http://schemas.microsoft.com/office/powerpoint/2015/main" val="1"/>
+              </p:ext>
+            </p:extLst>
+          </p:nvPr>
+        </p:nvSpPr>
+        <p:spPr>
+          <a:xfrm>
+            <a:off x="0" y="5486401"/>
+            <a:ext cx="12191999" cy="1371600"/>
+          </a:xfrm>
+          <a:prstGeom prst="rect">
+            <a:avLst/>
+          </a:prstGeom>
+          <a:solidFill>
+            <a:schemeClr val="bg1">
+              <a:alpha val="28000"/>
+            </a:schemeClr>
+          </a:solidFill>
+          <a:ln>
+            <a:noFill/>
+          </a:ln>
+        </p:spPr>
+        <p:style>
+          <a:lnRef idx="2">
+            <a:schemeClr val="accent1">
+              <a:shade val="50000"/>
+            </a:schemeClr>
+          </a:lnRef>
+          <a:fillRef idx="1">
+            <a:schemeClr val="accent1"/>
+          </a:fillRef>
+          <a:effectRef idx="0">
+            <a:schemeClr val="accent1"/>
+          </a:effectRef>
+          <a:fontRef idx="minor">
+            <a:schemeClr val="lt1"/>
+          </a:fontRef>
+        </p:style>
+        <p:txBody>
+          <a:bodyPr rtlCol="0" anchor="ctr"/>
+          <a:lstStyle/>
+          <a:p>
+            <a:pPr marL="0" marR="0" lvl="0" indent="0" algn="ctr" defTabSz="914400" rtl="0" eaLnBrk="1" fontAlgn="auto" latinLnBrk="0" hangingPunct="1">
+              <a:lnSpc>
+                <a:spcPct val="100000"/>
+              </a:lnSpc>
+              <a:spcBef>
+                <a:spcPts val="0"/>
+              </a:spcBef>
+              <a:spcAft>
+                <a:spcPts val="0"/>
+              </a:spcAft>
+              <a:buClrTx/>
+              <a:buSzTx/>
+              <a:buFontTx/>
+              <a:buNone/>
+              <a:tabLst/>
+              <a:defRPr/>
+            </a:pPr>
+            <a:endParaRPr kumimoji="0" lang="en-US" sz="1800" b="0" i="0" u="none" strike="noStrike" kern="1200" cap="none" spc="0" normalizeH="0" baseline="0" noProof="0">
+              <a:ln>
+                <a:noFill/>
+              </a:ln>
+              <a:solidFill>
+                <a:srgbClr val="FFFFFF"/>
+              </a:solidFill>
+              <a:effectLst/>
+              <a:uLnTx/>
+              <a:uFillTx/>
+              <a:latin typeface="Calisto MT"/>
+              <a:ea typeface="+mn-ea"/>
+              <a:cs typeface="+mn-cs"/>
+            </a:endParaRPr>
+          </a:p>
+        </p:txBody>
+      </p:sp>
+      <p:sp>
+        <p:nvSpPr>
+          <p:cNvPr id="6" name="Titre 5">
+            <a:extLst>
+              <a:ext uri="{FF2B5EF4-FFF2-40B4-BE49-F238E27FC236}">
+                <a16:creationId xmlns:a16="http://schemas.microsoft.com/office/drawing/2014/main" id="{481C96DF-41DF-EE89-E927-00B542E72274}"/>
+              </a:ext>
+            </a:extLst>
+          </p:cNvPr>
+          <p:cNvSpPr>
+            <a:spLocks noGrp="1"/>
+          </p:cNvSpPr>
+          <p:nvPr>
+            <p:ph type="ctrTitle"/>
+          </p:nvPr>
+        </p:nvSpPr>
+        <p:spPr>
+          <a:xfrm>
+            <a:off x="102637" y="1932983"/>
+            <a:ext cx="12191979" cy="6017100"/>
+          </a:xfrm>
+        </p:spPr>
+        <p:txBody>
+          <a:bodyPr>
+            <a:noAutofit/>
+          </a:bodyPr>
+          <a:lstStyle/>
+          <a:p>
+            <a:pPr>
+              <a:buNone/>
+            </a:pPr>
+            <a:r>
+              <a:rPr lang="fr-FR" sz="2000" b="1" dirty="0">
+                <a:latin typeface="Times New Roman" panose="02020603050405020304" pitchFamily="18" charset="0"/>
+                <a:cs typeface="Times New Roman" panose="02020603050405020304" pitchFamily="18" charset="0"/>
+              </a:rPr>
+              <a:t>2. Méthodes d'Optimisation Classiques</a:t>
+            </a:r>
+            <a:br>
+              <a:rPr lang="fr-FR" sz="2000" b="1" dirty="0">
+                <a:latin typeface="Times New Roman" panose="02020603050405020304" pitchFamily="18" charset="0"/>
+                <a:cs typeface="Times New Roman" panose="02020603050405020304" pitchFamily="18" charset="0"/>
+              </a:rPr>
+            </a:br>
+            <a:br>
+              <a:rPr lang="fr-FR" sz="2000" dirty="0">
+                <a:latin typeface="Times New Roman" panose="02020603050405020304" pitchFamily="18" charset="0"/>
+                <a:cs typeface="Times New Roman" panose="02020603050405020304" pitchFamily="18" charset="0"/>
+              </a:rPr>
+            </a:br>
+            <a:r>
+              <a:rPr lang="fr-FR" sz="2000" dirty="0">
+                <a:latin typeface="Times New Roman" panose="02020603050405020304" pitchFamily="18" charset="0"/>
+                <a:cs typeface="Times New Roman" panose="02020603050405020304" pitchFamily="18" charset="0"/>
+              </a:rPr>
+              <a:t>Les </a:t>
+            </a:r>
+            <a:r>
+              <a:rPr lang="fr-FR" sz="2000" b="1" dirty="0">
+                <a:latin typeface="Times New Roman" panose="02020603050405020304" pitchFamily="18" charset="0"/>
+                <a:cs typeface="Times New Roman" panose="02020603050405020304" pitchFamily="18" charset="0"/>
+              </a:rPr>
+              <a:t>méthodes d'optimisation classiques</a:t>
+            </a:r>
+            <a:r>
+              <a:rPr lang="fr-FR" sz="2000" dirty="0">
+                <a:latin typeface="Times New Roman" panose="02020603050405020304" pitchFamily="18" charset="0"/>
+                <a:cs typeface="Times New Roman" panose="02020603050405020304" pitchFamily="18" charset="0"/>
+              </a:rPr>
+              <a:t> visent à trouver la solution optimale à un problème donné. Elles utilisent des techniques mathématiques rigoureuses pour explorer l'espace de recherche et identifier la meilleure solution possible.</a:t>
+            </a:r>
+          </a:p>
+        </p:txBody>
+      </p:sp>
+      <p:sp>
+        <p:nvSpPr>
+          <p:cNvPr id="7" name="ZoneTexte 6">
+            <a:extLst>
+              <a:ext uri="{FF2B5EF4-FFF2-40B4-BE49-F238E27FC236}">
+                <a16:creationId xmlns:a16="http://schemas.microsoft.com/office/drawing/2014/main" id="{E1EC9EC5-895A-8635-4F31-D9F73E50A8B0}"/>
+              </a:ext>
+            </a:extLst>
+          </p:cNvPr>
+          <p:cNvSpPr txBox="1"/>
+          <p:nvPr/>
+        </p:nvSpPr>
+        <p:spPr>
+          <a:xfrm>
+            <a:off x="102637" y="0"/>
+            <a:ext cx="11402008" cy="1446550"/>
+          </a:xfrm>
+          <a:prstGeom prst="rect">
+            <a:avLst/>
+          </a:prstGeom>
+          <a:noFill/>
+        </p:spPr>
+        <p:txBody>
+          <a:bodyPr wrap="square" rtlCol="0">
+            <a:spAutoFit/>
+          </a:bodyPr>
+          <a:lstStyle/>
+          <a:p>
+            <a:r>
+              <a:rPr lang="fr-FR" sz="4400" dirty="0"/>
+              <a:t>Introduction aux Approches Heuristiques et Méthodes d'Optimisation</a:t>
+            </a:r>
+            <a:endParaRPr lang="fr-FR" sz="4200" dirty="0"/>
+          </a:p>
+        </p:txBody>
+      </p:sp>
+    </p:spTree>
+    <p:extLst>
+      <p:ext uri="{BB962C8B-B14F-4D97-AF65-F5344CB8AC3E}">
+        <p14:creationId xmlns:p14="http://schemas.microsoft.com/office/powerpoint/2010/main" val="3460988408"/>
+      </p:ext>
+    </p:extLst>
+  </p:cSld>
+  <p:clrMapOvr>
+    <a:overrideClrMapping bg1="dk1" tx1="lt1" bg2="dk2" tx2="lt2" accent1="accent1" accent2="accent2" accent3="accent3" accent4="accent4" accent5="accent5" accent6="accent6" hlink="hlink" folHlink="folHlink"/>
+  </p:clrMapOvr>
+</p:sld>
+</file>
+
+<file path=ppt/slides/slide14.xml><?xml version="1.0" encoding="utf-8"?>
+<p:sld xmlns:a="http://schemas.openxmlformats.org/drawingml/2006/main" xmlns:r="http://schemas.openxmlformats.org/officeDocument/2006/relationships" xmlns:p="http://schemas.openxmlformats.org/presentationml/2006/main">
+  <p:cSld>
     <p:spTree>
       <p:nvGrpSpPr>
         <p:cNvPr id="1" name="">
@@ -4379,7 +6299,7 @@
         <p:spPr>
           <a:xfrm>
             <a:off x="276229" y="0"/>
-            <a:ext cx="10266325" cy="1384995"/>
+            <a:ext cx="11788253" cy="553998"/>
           </a:xfrm>
           <a:prstGeom prst="rect">
             <a:avLst/>
@@ -4392,62 +6312,16 @@
           </a:bodyPr>
           <a:lstStyle/>
           <a:p>
-            <a:r>
-              <a:rPr lang="fr-FR" sz="4400" b="1" dirty="0">
+            <a:pPr algn="ctr"/>
+            <a:r>
+              <a:rPr lang="fr-FR" sz="3000" b="1" dirty="0">
                 <a:solidFill>
                   <a:schemeClr val="bg2"/>
                 </a:solidFill>
               </a:rPr>
-              <a:t>Graph </a:t>
-            </a:r>
-            <a:r>
-              <a:rPr lang="fr-FR" sz="4400" b="1" dirty="0" err="1">
-                <a:solidFill>
-                  <a:schemeClr val="bg2"/>
-                </a:solidFill>
-              </a:rPr>
-              <a:t>Database</a:t>
-            </a:r>
-            <a:r>
-              <a:rPr lang="fr-FR" sz="4400" b="1" dirty="0">
-                <a:solidFill>
-                  <a:schemeClr val="bg2"/>
-                </a:solidFill>
-              </a:rPr>
-              <a:t> vs. </a:t>
-            </a:r>
-            <a:r>
-              <a:rPr lang="fr-FR" sz="4400" b="1" dirty="0" err="1">
-                <a:solidFill>
-                  <a:schemeClr val="bg2"/>
-                </a:solidFill>
-              </a:rPr>
-              <a:t>Relational</a:t>
-            </a:r>
-            <a:r>
-              <a:rPr lang="fr-FR" sz="4400" b="1" dirty="0">
-                <a:solidFill>
-                  <a:schemeClr val="bg2"/>
-                </a:solidFill>
-              </a:rPr>
-              <a:t> </a:t>
-            </a:r>
-            <a:r>
-              <a:rPr lang="fr-FR" sz="4400" b="1" dirty="0" err="1">
-                <a:solidFill>
-                  <a:schemeClr val="bg2"/>
-                </a:solidFill>
-              </a:rPr>
-              <a:t>Database</a:t>
-            </a:r>
-            <a:endParaRPr lang="fr-FR" sz="4400" b="1" dirty="0">
-              <a:solidFill>
-                <a:schemeClr val="bg2"/>
-              </a:solidFill>
-            </a:endParaRPr>
-          </a:p>
-          <a:p>
-            <a:endParaRPr lang="fr-FR" sz="4000" dirty="0">
+              <a:t>Approche Heuristique vs. Approche  Classique</a:t>
+            </a:r>
+            <a:endParaRPr lang="fr-FR" sz="3000" dirty="0">
               <a:solidFill>
                 <a:schemeClr val="bg1"/>
               </a:solidFill>
@@ -5090,7 +6964,7 @@
 </p:sld>
 </file>
 
-<file path=ppt/slides/slide11.xml><?xml version="1.0" encoding="utf-8"?>
+<file path=ppt/slides/slide15.xml><?xml version="1.0" encoding="utf-8"?>
 <p:sld xmlns:a="http://schemas.openxmlformats.org/drawingml/2006/main" xmlns:r="http://schemas.openxmlformats.org/officeDocument/2006/relationships" xmlns:p="http://schemas.openxmlformats.org/presentationml/2006/main">
   <p:cSld>
     <p:bg>
@@ -5555,7 +7429,7 @@
 </p:sld>
 </file>
 
-<file path=ppt/slides/slide12.xml><?xml version="1.0" encoding="utf-8"?>
+<file path=ppt/slides/slide16.xml><?xml version="1.0" encoding="utf-8"?>
 <p:sld xmlns:a="http://schemas.openxmlformats.org/drawingml/2006/main" xmlns:r="http://schemas.openxmlformats.org/officeDocument/2006/relationships" xmlns:p="http://schemas.openxmlformats.org/presentationml/2006/main">
   <p:cSld>
     <p:bg>
@@ -6204,7 +8078,7 @@
 </p:sld>
 </file>
 
-<file path=ppt/slides/slide13.xml><?xml version="1.0" encoding="utf-8"?>
+<file path=ppt/slides/slide17.xml><?xml version="1.0" encoding="utf-8"?>
 <p:sld xmlns:a="http://schemas.openxmlformats.org/drawingml/2006/main" xmlns:r="http://schemas.openxmlformats.org/officeDocument/2006/relationships" xmlns:p="http://schemas.openxmlformats.org/presentationml/2006/main">
   <p:cSld>
     <p:spTree>
@@ -6814,7 +8688,7 @@
 </p:sld>
 </file>
 
-<file path=ppt/slides/slide14.xml><?xml version="1.0" encoding="utf-8"?>
+<file path=ppt/slides/slide18.xml><?xml version="1.0" encoding="utf-8"?>
 <p:sld xmlns:a="http://schemas.openxmlformats.org/drawingml/2006/main" xmlns:r="http://schemas.openxmlformats.org/officeDocument/2006/relationships" xmlns:p="http://schemas.openxmlformats.org/presentationml/2006/main">
   <p:cSld>
     <p:spTree>
@@ -6961,7 +8835,7 @@
 </p:sld>
 </file>
 
-<file path=ppt/slides/slide15.xml><?xml version="1.0" encoding="utf-8"?>
+<file path=ppt/slides/slide19.xml><?xml version="1.0" encoding="utf-8"?>
 <p:sld xmlns:a="http://schemas.openxmlformats.org/drawingml/2006/main" xmlns:r="http://schemas.openxmlformats.org/officeDocument/2006/relationships" xmlns:p="http://schemas.openxmlformats.org/presentationml/2006/main">
   <p:cSld>
     <p:spTree>
@@ -7099,594 +8973,6 @@
     <p:extLst>
       <p:ext uri="{BB962C8B-B14F-4D97-AF65-F5344CB8AC3E}">
         <p14:creationId xmlns:p14="http://schemas.microsoft.com/office/powerpoint/2010/main" val="1547982024"/>
-      </p:ext>
-    </p:extLst>
-  </p:cSld>
-  <p:clrMapOvr>
-    <a:masterClrMapping/>
-  </p:clrMapOvr>
-</p:sld>
-</file>
-
-<file path=ppt/slides/slide16.xml><?xml version="1.0" encoding="utf-8"?>
-<p:sld xmlns:a="http://schemas.openxmlformats.org/drawingml/2006/main" xmlns:r="http://schemas.openxmlformats.org/officeDocument/2006/relationships" xmlns:p="http://schemas.openxmlformats.org/presentationml/2006/main">
-  <p:cSld>
-    <p:spTree>
-      <p:nvGrpSpPr>
-        <p:cNvPr id="1" name="">
-          <a:extLst>
-            <a:ext uri="{FF2B5EF4-FFF2-40B4-BE49-F238E27FC236}">
-              <a16:creationId xmlns:a16="http://schemas.microsoft.com/office/drawing/2014/main" id="{CD647BA4-5657-9706-65CF-2D1A96B4A39B}"/>
-            </a:ext>
-          </a:extLst>
-        </p:cNvPr>
-        <p:cNvGrpSpPr/>
-        <p:nvPr/>
-      </p:nvGrpSpPr>
-      <p:grpSpPr>
-        <a:xfrm>
-          <a:off x="0" y="0"/>
-          <a:ext cx="0" cy="0"/>
-          <a:chOff x="0" y="0"/>
-          <a:chExt cx="0" cy="0"/>
-        </a:xfrm>
-      </p:grpSpPr>
-      <p:pic>
-        <p:nvPicPr>
-          <p:cNvPr id="4" name="Picture 3" descr="Arrière-plan de technologies réseau">
-            <a:extLst>
-              <a:ext uri="{FF2B5EF4-FFF2-40B4-BE49-F238E27FC236}">
-                <a16:creationId xmlns:a16="http://schemas.microsoft.com/office/drawing/2014/main" id="{670D95EC-5383-4EBE-4358-035AE75F7A49}"/>
-              </a:ext>
-            </a:extLst>
-          </p:cNvPr>
-          <p:cNvPicPr>
-            <a:picLocks noChangeAspect="1"/>
-          </p:cNvPicPr>
-          <p:nvPr/>
-        </p:nvPicPr>
-        <p:blipFill>
-          <a:blip r:embed="rId2"/>
-          <a:srcRect b="3434"/>
-          <a:stretch/>
-        </p:blipFill>
-        <p:spPr>
-          <a:xfrm>
-            <a:off x="20" y="10"/>
-            <a:ext cx="12191980" cy="6857990"/>
-          </a:xfrm>
-          <a:prstGeom prst="rect">
-            <a:avLst/>
-          </a:prstGeom>
-        </p:spPr>
-      </p:pic>
-      <p:sp>
-        <p:nvSpPr>
-          <p:cNvPr id="7" name="ZoneTexte 6">
-            <a:extLst>
-              <a:ext uri="{FF2B5EF4-FFF2-40B4-BE49-F238E27FC236}">
-                <a16:creationId xmlns:a16="http://schemas.microsoft.com/office/drawing/2014/main" id="{BC434F3C-035F-C07F-7DCA-B5A61089E241}"/>
-              </a:ext>
-            </a:extLst>
-          </p:cNvPr>
-          <p:cNvSpPr txBox="1"/>
-          <p:nvPr/>
-        </p:nvSpPr>
-        <p:spPr>
-          <a:xfrm>
-            <a:off x="367981" y="-72294"/>
-            <a:ext cx="11824019" cy="1538883"/>
-          </a:xfrm>
-          <a:prstGeom prst="rect">
-            <a:avLst/>
-          </a:prstGeom>
-          <a:noFill/>
-        </p:spPr>
-        <p:txBody>
-          <a:bodyPr wrap="square" rtlCol="0">
-            <a:spAutoFit/>
-          </a:bodyPr>
-          <a:lstStyle/>
-          <a:p>
-            <a:pPr algn="ctr"/>
-            <a:r>
-              <a:rPr lang="fr-FR" sz="5400" dirty="0">
-                <a:solidFill>
-                  <a:schemeClr val="bg1"/>
-                </a:solidFill>
-              </a:rPr>
-              <a:t>Présentation des métriques </a:t>
-            </a:r>
-            <a:endParaRPr lang="fr-FR" sz="5400" dirty="0">
-              <a:solidFill>
-                <a:schemeClr val="bg2"/>
-              </a:solidFill>
-            </a:endParaRPr>
-          </a:p>
-          <a:p>
-            <a:endParaRPr lang="fr-FR" sz="4000" dirty="0">
-              <a:solidFill>
-                <a:schemeClr val="bg1"/>
-              </a:solidFill>
-            </a:endParaRPr>
-          </a:p>
-        </p:txBody>
-      </p:sp>
-      <p:pic>
-        <p:nvPicPr>
-          <p:cNvPr id="3" name="Image 2">
-            <a:extLst>
-              <a:ext uri="{FF2B5EF4-FFF2-40B4-BE49-F238E27FC236}">
-                <a16:creationId xmlns:a16="http://schemas.microsoft.com/office/drawing/2014/main" id="{191269B7-5AF8-B220-1DFF-2FE722220217}"/>
-              </a:ext>
-            </a:extLst>
-          </p:cNvPr>
-          <p:cNvPicPr>
-            <a:picLocks noChangeAspect="1"/>
-          </p:cNvPicPr>
-          <p:nvPr/>
-        </p:nvPicPr>
-        <p:blipFill>
-          <a:blip r:embed="rId3"/>
-          <a:stretch>
-            <a:fillRect/>
-          </a:stretch>
-        </p:blipFill>
-        <p:spPr>
-          <a:xfrm>
-            <a:off x="-31826" y="1004790"/>
-            <a:ext cx="12189672" cy="5853200"/>
-          </a:xfrm>
-          <a:prstGeom prst="rect">
-            <a:avLst/>
-          </a:prstGeom>
-        </p:spPr>
-      </p:pic>
-    </p:spTree>
-    <p:extLst>
-      <p:ext uri="{BB962C8B-B14F-4D97-AF65-F5344CB8AC3E}">
-        <p14:creationId xmlns:p14="http://schemas.microsoft.com/office/powerpoint/2010/main" val="4115941446"/>
-      </p:ext>
-    </p:extLst>
-  </p:cSld>
-  <p:clrMapOvr>
-    <a:masterClrMapping/>
-  </p:clrMapOvr>
-</p:sld>
-</file>
-
-<file path=ppt/slides/slide17.xml><?xml version="1.0" encoding="utf-8"?>
-<p:sld xmlns:a="http://schemas.openxmlformats.org/drawingml/2006/main" xmlns:r="http://schemas.openxmlformats.org/officeDocument/2006/relationships" xmlns:p="http://schemas.openxmlformats.org/presentationml/2006/main">
-  <p:cSld>
-    <p:spTree>
-      <p:nvGrpSpPr>
-        <p:cNvPr id="1" name="">
-          <a:extLst>
-            <a:ext uri="{FF2B5EF4-FFF2-40B4-BE49-F238E27FC236}">
-              <a16:creationId xmlns:a16="http://schemas.microsoft.com/office/drawing/2014/main" id="{659F6C40-E6D7-7150-ECA8-BEB1178B3B9F}"/>
-            </a:ext>
-          </a:extLst>
-        </p:cNvPr>
-        <p:cNvGrpSpPr/>
-        <p:nvPr/>
-      </p:nvGrpSpPr>
-      <p:grpSpPr>
-        <a:xfrm>
-          <a:off x="0" y="0"/>
-          <a:ext cx="0" cy="0"/>
-          <a:chOff x="0" y="0"/>
-          <a:chExt cx="0" cy="0"/>
-        </a:xfrm>
-      </p:grpSpPr>
-      <p:pic>
-        <p:nvPicPr>
-          <p:cNvPr id="4" name="Picture 3" descr="Arrière-plan de technologies réseau">
-            <a:extLst>
-              <a:ext uri="{FF2B5EF4-FFF2-40B4-BE49-F238E27FC236}">
-                <a16:creationId xmlns:a16="http://schemas.microsoft.com/office/drawing/2014/main" id="{AAA72FC6-8FA3-7692-6546-CBB37840482C}"/>
-              </a:ext>
-            </a:extLst>
-          </p:cNvPr>
-          <p:cNvPicPr>
-            <a:picLocks noChangeAspect="1"/>
-          </p:cNvPicPr>
-          <p:nvPr/>
-        </p:nvPicPr>
-        <p:blipFill>
-          <a:blip r:embed="rId2"/>
-          <a:srcRect b="3434"/>
-          <a:stretch/>
-        </p:blipFill>
-        <p:spPr>
-          <a:xfrm>
-            <a:off x="20" y="10"/>
-            <a:ext cx="12191980" cy="6857990"/>
-          </a:xfrm>
-          <a:prstGeom prst="rect">
-            <a:avLst/>
-          </a:prstGeom>
-        </p:spPr>
-      </p:pic>
-      <p:sp>
-        <p:nvSpPr>
-          <p:cNvPr id="7" name="ZoneTexte 6">
-            <a:extLst>
-              <a:ext uri="{FF2B5EF4-FFF2-40B4-BE49-F238E27FC236}">
-                <a16:creationId xmlns:a16="http://schemas.microsoft.com/office/drawing/2014/main" id="{B4993FE9-ECEF-89C8-700D-291A4B7D56E4}"/>
-              </a:ext>
-            </a:extLst>
-          </p:cNvPr>
-          <p:cNvSpPr txBox="1"/>
-          <p:nvPr/>
-        </p:nvSpPr>
-        <p:spPr>
-          <a:xfrm>
-            <a:off x="367981" y="-72294"/>
-            <a:ext cx="11824019" cy="1538883"/>
-          </a:xfrm>
-          <a:prstGeom prst="rect">
-            <a:avLst/>
-          </a:prstGeom>
-          <a:noFill/>
-        </p:spPr>
-        <p:txBody>
-          <a:bodyPr wrap="square" rtlCol="0">
-            <a:spAutoFit/>
-          </a:bodyPr>
-          <a:lstStyle/>
-          <a:p>
-            <a:pPr algn="ctr"/>
-            <a:r>
-              <a:rPr lang="fr-FR" sz="5400" dirty="0">
-                <a:solidFill>
-                  <a:schemeClr val="bg1"/>
-                </a:solidFill>
-              </a:rPr>
-              <a:t>Présentation des métriques </a:t>
-            </a:r>
-            <a:endParaRPr lang="fr-FR" sz="5400" dirty="0">
-              <a:solidFill>
-                <a:schemeClr val="bg2"/>
-              </a:solidFill>
-            </a:endParaRPr>
-          </a:p>
-          <a:p>
-            <a:endParaRPr lang="fr-FR" sz="4000" dirty="0">
-              <a:solidFill>
-                <a:schemeClr val="bg1"/>
-              </a:solidFill>
-            </a:endParaRPr>
-          </a:p>
-        </p:txBody>
-      </p:sp>
-      <p:pic>
-        <p:nvPicPr>
-          <p:cNvPr id="5" name="Image 4">
-            <a:extLst>
-              <a:ext uri="{FF2B5EF4-FFF2-40B4-BE49-F238E27FC236}">
-                <a16:creationId xmlns:a16="http://schemas.microsoft.com/office/drawing/2014/main" id="{077C332C-A94F-DE04-DA8B-936D151A5C84}"/>
-              </a:ext>
-            </a:extLst>
-          </p:cNvPr>
-          <p:cNvPicPr>
-            <a:picLocks noChangeAspect="1"/>
-          </p:cNvPicPr>
-          <p:nvPr/>
-        </p:nvPicPr>
-        <p:blipFill>
-          <a:blip r:embed="rId3"/>
-          <a:stretch>
-            <a:fillRect/>
-          </a:stretch>
-        </p:blipFill>
-        <p:spPr>
-          <a:xfrm>
-            <a:off x="1" y="802434"/>
-            <a:ext cx="12224250" cy="6055556"/>
-          </a:xfrm>
-          <a:prstGeom prst="rect">
-            <a:avLst/>
-          </a:prstGeom>
-        </p:spPr>
-      </p:pic>
-    </p:spTree>
-    <p:extLst>
-      <p:ext uri="{BB962C8B-B14F-4D97-AF65-F5344CB8AC3E}">
-        <p14:creationId xmlns:p14="http://schemas.microsoft.com/office/powerpoint/2010/main" val="1020170641"/>
-      </p:ext>
-    </p:extLst>
-  </p:cSld>
-  <p:clrMapOvr>
-    <a:masterClrMapping/>
-  </p:clrMapOvr>
-</p:sld>
-</file>
-
-<file path=ppt/slides/slide18.xml><?xml version="1.0" encoding="utf-8"?>
-<p:sld xmlns:a="http://schemas.openxmlformats.org/drawingml/2006/main" xmlns:r="http://schemas.openxmlformats.org/officeDocument/2006/relationships" xmlns:p="http://schemas.openxmlformats.org/presentationml/2006/main">
-  <p:cSld>
-    <p:spTree>
-      <p:nvGrpSpPr>
-        <p:cNvPr id="1" name="">
-          <a:extLst>
-            <a:ext uri="{FF2B5EF4-FFF2-40B4-BE49-F238E27FC236}">
-              <a16:creationId xmlns:a16="http://schemas.microsoft.com/office/drawing/2014/main" id="{EBC75909-B9B1-9C9F-661A-C868E521D099}"/>
-            </a:ext>
-          </a:extLst>
-        </p:cNvPr>
-        <p:cNvGrpSpPr/>
-        <p:nvPr/>
-      </p:nvGrpSpPr>
-      <p:grpSpPr>
-        <a:xfrm>
-          <a:off x="0" y="0"/>
-          <a:ext cx="0" cy="0"/>
-          <a:chOff x="0" y="0"/>
-          <a:chExt cx="0" cy="0"/>
-        </a:xfrm>
-      </p:grpSpPr>
-      <p:pic>
-        <p:nvPicPr>
-          <p:cNvPr id="4" name="Picture 3" descr="Arrière-plan de technologies réseau">
-            <a:extLst>
-              <a:ext uri="{FF2B5EF4-FFF2-40B4-BE49-F238E27FC236}">
-                <a16:creationId xmlns:a16="http://schemas.microsoft.com/office/drawing/2014/main" id="{A70FBAC7-E998-B1F6-5131-99967CEF2477}"/>
-              </a:ext>
-            </a:extLst>
-          </p:cNvPr>
-          <p:cNvPicPr>
-            <a:picLocks noChangeAspect="1"/>
-          </p:cNvPicPr>
-          <p:nvPr/>
-        </p:nvPicPr>
-        <p:blipFill>
-          <a:blip r:embed="rId2"/>
-          <a:srcRect b="3434"/>
-          <a:stretch/>
-        </p:blipFill>
-        <p:spPr>
-          <a:xfrm>
-            <a:off x="20" y="10"/>
-            <a:ext cx="12191980" cy="6857990"/>
-          </a:xfrm>
-          <a:prstGeom prst="rect">
-            <a:avLst/>
-          </a:prstGeom>
-        </p:spPr>
-      </p:pic>
-      <p:sp>
-        <p:nvSpPr>
-          <p:cNvPr id="7" name="ZoneTexte 6">
-            <a:extLst>
-              <a:ext uri="{FF2B5EF4-FFF2-40B4-BE49-F238E27FC236}">
-                <a16:creationId xmlns:a16="http://schemas.microsoft.com/office/drawing/2014/main" id="{CC521350-736D-23A6-A621-05C379A696E2}"/>
-              </a:ext>
-            </a:extLst>
-          </p:cNvPr>
-          <p:cNvSpPr txBox="1"/>
-          <p:nvPr/>
-        </p:nvSpPr>
-        <p:spPr>
-          <a:xfrm>
-            <a:off x="367981" y="-72294"/>
-            <a:ext cx="11824019" cy="1538883"/>
-          </a:xfrm>
-          <a:prstGeom prst="rect">
-            <a:avLst/>
-          </a:prstGeom>
-          <a:noFill/>
-        </p:spPr>
-        <p:txBody>
-          <a:bodyPr wrap="square" rtlCol="0">
-            <a:spAutoFit/>
-          </a:bodyPr>
-          <a:lstStyle/>
-          <a:p>
-            <a:pPr algn="ctr"/>
-            <a:r>
-              <a:rPr lang="fr-FR" sz="5400" dirty="0">
-                <a:solidFill>
-                  <a:schemeClr val="bg1"/>
-                </a:solidFill>
-              </a:rPr>
-              <a:t>Présentation des métriques </a:t>
-            </a:r>
-            <a:endParaRPr lang="fr-FR" sz="5400" dirty="0">
-              <a:solidFill>
-                <a:schemeClr val="bg2"/>
-              </a:solidFill>
-            </a:endParaRPr>
-          </a:p>
-          <a:p>
-            <a:endParaRPr lang="fr-FR" sz="4000" dirty="0">
-              <a:solidFill>
-                <a:schemeClr val="bg1"/>
-              </a:solidFill>
-            </a:endParaRPr>
-          </a:p>
-        </p:txBody>
-      </p:sp>
-      <p:pic>
-        <p:nvPicPr>
-          <p:cNvPr id="3" name="Image 2">
-            <a:extLst>
-              <a:ext uri="{FF2B5EF4-FFF2-40B4-BE49-F238E27FC236}">
-                <a16:creationId xmlns:a16="http://schemas.microsoft.com/office/drawing/2014/main" id="{56F3050E-3B1B-F28C-7980-12F8CD533E22}"/>
-              </a:ext>
-            </a:extLst>
-          </p:cNvPr>
-          <p:cNvPicPr>
-            <a:picLocks noChangeAspect="1"/>
-          </p:cNvPicPr>
-          <p:nvPr/>
-        </p:nvPicPr>
-        <p:blipFill>
-          <a:blip r:embed="rId3"/>
-          <a:stretch>
-            <a:fillRect/>
-          </a:stretch>
-        </p:blipFill>
-        <p:spPr>
-          <a:xfrm>
-            <a:off x="-8246" y="737119"/>
-            <a:ext cx="12208493" cy="6193186"/>
-          </a:xfrm>
-          <a:prstGeom prst="rect">
-            <a:avLst/>
-          </a:prstGeom>
-        </p:spPr>
-      </p:pic>
-    </p:spTree>
-    <p:extLst>
-      <p:ext uri="{BB962C8B-B14F-4D97-AF65-F5344CB8AC3E}">
-        <p14:creationId xmlns:p14="http://schemas.microsoft.com/office/powerpoint/2010/main" val="621614135"/>
-      </p:ext>
-    </p:extLst>
-  </p:cSld>
-  <p:clrMapOvr>
-    <a:masterClrMapping/>
-  </p:clrMapOvr>
-</p:sld>
-</file>
-
-<file path=ppt/slides/slide19.xml><?xml version="1.0" encoding="utf-8"?>
-<p:sld xmlns:a="http://schemas.openxmlformats.org/drawingml/2006/main" xmlns:r="http://schemas.openxmlformats.org/officeDocument/2006/relationships" xmlns:p="http://schemas.openxmlformats.org/presentationml/2006/main">
-  <p:cSld>
-    <p:spTree>
-      <p:nvGrpSpPr>
-        <p:cNvPr id="1" name="">
-          <a:extLst>
-            <a:ext uri="{FF2B5EF4-FFF2-40B4-BE49-F238E27FC236}">
-              <a16:creationId xmlns:a16="http://schemas.microsoft.com/office/drawing/2014/main" id="{FFF6242D-836C-13D4-A6FF-4F6843C4DED4}"/>
-            </a:ext>
-          </a:extLst>
-        </p:cNvPr>
-        <p:cNvGrpSpPr/>
-        <p:nvPr/>
-      </p:nvGrpSpPr>
-      <p:grpSpPr>
-        <a:xfrm>
-          <a:off x="0" y="0"/>
-          <a:ext cx="0" cy="0"/>
-          <a:chOff x="0" y="0"/>
-          <a:chExt cx="0" cy="0"/>
-        </a:xfrm>
-      </p:grpSpPr>
-      <p:pic>
-        <p:nvPicPr>
-          <p:cNvPr id="4" name="Picture 3" descr="Arrière-plan de technologies réseau">
-            <a:extLst>
-              <a:ext uri="{FF2B5EF4-FFF2-40B4-BE49-F238E27FC236}">
-                <a16:creationId xmlns:a16="http://schemas.microsoft.com/office/drawing/2014/main" id="{9FC40E3F-B7E4-4E30-7BCF-3AD2A50BF779}"/>
-              </a:ext>
-            </a:extLst>
-          </p:cNvPr>
-          <p:cNvPicPr>
-            <a:picLocks noChangeAspect="1"/>
-          </p:cNvPicPr>
-          <p:nvPr/>
-        </p:nvPicPr>
-        <p:blipFill>
-          <a:blip r:embed="rId2"/>
-          <a:srcRect b="3434"/>
-          <a:stretch/>
-        </p:blipFill>
-        <p:spPr>
-          <a:xfrm>
-            <a:off x="20" y="10"/>
-            <a:ext cx="12191980" cy="6857990"/>
-          </a:xfrm>
-          <a:prstGeom prst="rect">
-            <a:avLst/>
-          </a:prstGeom>
-        </p:spPr>
-      </p:pic>
-      <p:sp>
-        <p:nvSpPr>
-          <p:cNvPr id="7" name="ZoneTexte 6">
-            <a:extLst>
-              <a:ext uri="{FF2B5EF4-FFF2-40B4-BE49-F238E27FC236}">
-                <a16:creationId xmlns:a16="http://schemas.microsoft.com/office/drawing/2014/main" id="{71574475-3ED7-F659-B062-5E4E40A95677}"/>
-              </a:ext>
-            </a:extLst>
-          </p:cNvPr>
-          <p:cNvSpPr txBox="1"/>
-          <p:nvPr/>
-        </p:nvSpPr>
-        <p:spPr>
-          <a:xfrm>
-            <a:off x="367981" y="-72294"/>
-            <a:ext cx="11824019" cy="1538883"/>
-          </a:xfrm>
-          <a:prstGeom prst="rect">
-            <a:avLst/>
-          </a:prstGeom>
-          <a:noFill/>
-        </p:spPr>
-        <p:txBody>
-          <a:bodyPr wrap="square" rtlCol="0">
-            <a:spAutoFit/>
-          </a:bodyPr>
-          <a:lstStyle/>
-          <a:p>
-            <a:pPr algn="ctr"/>
-            <a:r>
-              <a:rPr lang="fr-FR" sz="5400" dirty="0">
-                <a:solidFill>
-                  <a:schemeClr val="bg1"/>
-                </a:solidFill>
-              </a:rPr>
-              <a:t>Présentation des métriques </a:t>
-            </a:r>
-            <a:endParaRPr lang="fr-FR" sz="5400" dirty="0">
-              <a:solidFill>
-                <a:schemeClr val="bg2"/>
-              </a:solidFill>
-            </a:endParaRPr>
-          </a:p>
-          <a:p>
-            <a:endParaRPr lang="fr-FR" sz="4000" dirty="0">
-              <a:solidFill>
-                <a:schemeClr val="bg1"/>
-              </a:solidFill>
-            </a:endParaRPr>
-          </a:p>
-        </p:txBody>
-      </p:sp>
-      <p:pic>
-        <p:nvPicPr>
-          <p:cNvPr id="3" name="Image 2">
-            <a:extLst>
-              <a:ext uri="{FF2B5EF4-FFF2-40B4-BE49-F238E27FC236}">
-                <a16:creationId xmlns:a16="http://schemas.microsoft.com/office/drawing/2014/main" id="{49975B04-6453-3951-74FD-675DE1264E91}"/>
-              </a:ext>
-            </a:extLst>
-          </p:cNvPr>
-          <p:cNvPicPr>
-            <a:picLocks noChangeAspect="1"/>
-          </p:cNvPicPr>
-          <p:nvPr/>
-        </p:nvPicPr>
-        <p:blipFill>
-          <a:blip r:embed="rId3"/>
-          <a:stretch>
-            <a:fillRect/>
-          </a:stretch>
-        </p:blipFill>
-        <p:spPr>
-          <a:xfrm>
-            <a:off x="-8246" y="737119"/>
-            <a:ext cx="12208493" cy="6193186"/>
-          </a:xfrm>
-          <a:prstGeom prst="rect">
-            <a:avLst/>
-          </a:prstGeom>
-        </p:spPr>
-      </p:pic>
-    </p:spTree>
-    <p:extLst>
-      <p:ext uri="{BB962C8B-B14F-4D97-AF65-F5344CB8AC3E}">
-        <p14:creationId xmlns:p14="http://schemas.microsoft.com/office/powerpoint/2010/main" val="103814594"/>
       </p:ext>
     </p:extLst>
   </p:cSld>
@@ -7727,6 +9013,35 @@
           <a:chExt cx="0" cy="0"/>
         </a:xfrm>
       </p:grpSpPr>
+      <p:pic>
+        <p:nvPicPr>
+          <p:cNvPr id="4" name="Picture 3" descr="Arrière-plan de technologies réseau">
+            <a:extLst>
+              <a:ext uri="{FF2B5EF4-FFF2-40B4-BE49-F238E27FC236}">
+                <a16:creationId xmlns:a16="http://schemas.microsoft.com/office/drawing/2014/main" id="{249837E3-D15E-0406-628E-E592ABCEDCB0}"/>
+              </a:ext>
+            </a:extLst>
+          </p:cNvPr>
+          <p:cNvPicPr>
+            <a:picLocks noChangeAspect="1"/>
+          </p:cNvPicPr>
+          <p:nvPr/>
+        </p:nvPicPr>
+        <p:blipFill>
+          <a:blip r:embed="rId2"/>
+          <a:srcRect b="3434"/>
+          <a:stretch/>
+        </p:blipFill>
+        <p:spPr>
+          <a:xfrm>
+            <a:off x="20" y="10"/>
+            <a:ext cx="12191980" cy="6857990"/>
+          </a:xfrm>
+          <a:prstGeom prst="rect">
+            <a:avLst/>
+          </a:prstGeom>
+        </p:spPr>
+      </p:pic>
       <p:sp>
         <p:nvSpPr>
           <p:cNvPr id="9" name="Rectangle 8">
@@ -7835,35 +9150,6 @@
           </a:p>
         </p:txBody>
       </p:sp>
-      <p:pic>
-        <p:nvPicPr>
-          <p:cNvPr id="4" name="Picture 3" descr="Arrière-plan de technologies réseau">
-            <a:extLst>
-              <a:ext uri="{FF2B5EF4-FFF2-40B4-BE49-F238E27FC236}">
-                <a16:creationId xmlns:a16="http://schemas.microsoft.com/office/drawing/2014/main" id="{249837E3-D15E-0406-628E-E592ABCEDCB0}"/>
-              </a:ext>
-            </a:extLst>
-          </p:cNvPr>
-          <p:cNvPicPr>
-            <a:picLocks noChangeAspect="1"/>
-          </p:cNvPicPr>
-          <p:nvPr/>
-        </p:nvPicPr>
-        <p:blipFill>
-          <a:blip r:embed="rId2"/>
-          <a:srcRect b="3434"/>
-          <a:stretch/>
-        </p:blipFill>
-        <p:spPr>
-          <a:xfrm>
-            <a:off x="20" y="10"/>
-            <a:ext cx="12191980" cy="6857990"/>
-          </a:xfrm>
-          <a:prstGeom prst="rect">
-            <a:avLst/>
-          </a:prstGeom>
-        </p:spPr>
-      </p:pic>
       <p:sp>
         <p:nvSpPr>
           <p:cNvPr id="11" name="Rectangle 10">
@@ -8065,6 +9351,447 @@
         <p:cNvPr id="1" name="">
           <a:extLst>
             <a:ext uri="{FF2B5EF4-FFF2-40B4-BE49-F238E27FC236}">
+              <a16:creationId xmlns:a16="http://schemas.microsoft.com/office/drawing/2014/main" id="{CD647BA4-5657-9706-65CF-2D1A96B4A39B}"/>
+            </a:ext>
+          </a:extLst>
+        </p:cNvPr>
+        <p:cNvGrpSpPr/>
+        <p:nvPr/>
+      </p:nvGrpSpPr>
+      <p:grpSpPr>
+        <a:xfrm>
+          <a:off x="0" y="0"/>
+          <a:ext cx="0" cy="0"/>
+          <a:chOff x="0" y="0"/>
+          <a:chExt cx="0" cy="0"/>
+        </a:xfrm>
+      </p:grpSpPr>
+      <p:pic>
+        <p:nvPicPr>
+          <p:cNvPr id="4" name="Picture 3" descr="Arrière-plan de technologies réseau">
+            <a:extLst>
+              <a:ext uri="{FF2B5EF4-FFF2-40B4-BE49-F238E27FC236}">
+                <a16:creationId xmlns:a16="http://schemas.microsoft.com/office/drawing/2014/main" id="{670D95EC-5383-4EBE-4358-035AE75F7A49}"/>
+              </a:ext>
+            </a:extLst>
+          </p:cNvPr>
+          <p:cNvPicPr>
+            <a:picLocks noChangeAspect="1"/>
+          </p:cNvPicPr>
+          <p:nvPr/>
+        </p:nvPicPr>
+        <p:blipFill>
+          <a:blip r:embed="rId2"/>
+          <a:srcRect b="3434"/>
+          <a:stretch/>
+        </p:blipFill>
+        <p:spPr>
+          <a:xfrm>
+            <a:off x="20" y="10"/>
+            <a:ext cx="12191980" cy="6857990"/>
+          </a:xfrm>
+          <a:prstGeom prst="rect">
+            <a:avLst/>
+          </a:prstGeom>
+        </p:spPr>
+      </p:pic>
+      <p:sp>
+        <p:nvSpPr>
+          <p:cNvPr id="7" name="ZoneTexte 6">
+            <a:extLst>
+              <a:ext uri="{FF2B5EF4-FFF2-40B4-BE49-F238E27FC236}">
+                <a16:creationId xmlns:a16="http://schemas.microsoft.com/office/drawing/2014/main" id="{BC434F3C-035F-C07F-7DCA-B5A61089E241}"/>
+              </a:ext>
+            </a:extLst>
+          </p:cNvPr>
+          <p:cNvSpPr txBox="1"/>
+          <p:nvPr/>
+        </p:nvSpPr>
+        <p:spPr>
+          <a:xfrm>
+            <a:off x="367981" y="-72294"/>
+            <a:ext cx="11824019" cy="1538883"/>
+          </a:xfrm>
+          <a:prstGeom prst="rect">
+            <a:avLst/>
+          </a:prstGeom>
+          <a:noFill/>
+        </p:spPr>
+        <p:txBody>
+          <a:bodyPr wrap="square" rtlCol="0">
+            <a:spAutoFit/>
+          </a:bodyPr>
+          <a:lstStyle/>
+          <a:p>
+            <a:pPr algn="ctr"/>
+            <a:r>
+              <a:rPr lang="fr-FR" sz="5400" dirty="0">
+                <a:solidFill>
+                  <a:schemeClr val="bg1"/>
+                </a:solidFill>
+              </a:rPr>
+              <a:t>Présentation des métriques </a:t>
+            </a:r>
+            <a:endParaRPr lang="fr-FR" sz="5400" dirty="0">
+              <a:solidFill>
+                <a:schemeClr val="bg2"/>
+              </a:solidFill>
+            </a:endParaRPr>
+          </a:p>
+          <a:p>
+            <a:endParaRPr lang="fr-FR" sz="4000" dirty="0">
+              <a:solidFill>
+                <a:schemeClr val="bg1"/>
+              </a:solidFill>
+            </a:endParaRPr>
+          </a:p>
+        </p:txBody>
+      </p:sp>
+      <p:pic>
+        <p:nvPicPr>
+          <p:cNvPr id="3" name="Image 2">
+            <a:extLst>
+              <a:ext uri="{FF2B5EF4-FFF2-40B4-BE49-F238E27FC236}">
+                <a16:creationId xmlns:a16="http://schemas.microsoft.com/office/drawing/2014/main" id="{191269B7-5AF8-B220-1DFF-2FE722220217}"/>
+              </a:ext>
+            </a:extLst>
+          </p:cNvPr>
+          <p:cNvPicPr>
+            <a:picLocks noChangeAspect="1"/>
+          </p:cNvPicPr>
+          <p:nvPr/>
+        </p:nvPicPr>
+        <p:blipFill>
+          <a:blip r:embed="rId3"/>
+          <a:stretch>
+            <a:fillRect/>
+          </a:stretch>
+        </p:blipFill>
+        <p:spPr>
+          <a:xfrm>
+            <a:off x="-31826" y="1004790"/>
+            <a:ext cx="12189672" cy="5853200"/>
+          </a:xfrm>
+          <a:prstGeom prst="rect">
+            <a:avLst/>
+          </a:prstGeom>
+        </p:spPr>
+      </p:pic>
+    </p:spTree>
+    <p:extLst>
+      <p:ext uri="{BB962C8B-B14F-4D97-AF65-F5344CB8AC3E}">
+        <p14:creationId xmlns:p14="http://schemas.microsoft.com/office/powerpoint/2010/main" val="4115941446"/>
+      </p:ext>
+    </p:extLst>
+  </p:cSld>
+  <p:clrMapOvr>
+    <a:masterClrMapping/>
+  </p:clrMapOvr>
+</p:sld>
+</file>
+
+<file path=ppt/slides/slide21.xml><?xml version="1.0" encoding="utf-8"?>
+<p:sld xmlns:a="http://schemas.openxmlformats.org/drawingml/2006/main" xmlns:r="http://schemas.openxmlformats.org/officeDocument/2006/relationships" xmlns:p="http://schemas.openxmlformats.org/presentationml/2006/main">
+  <p:cSld>
+    <p:spTree>
+      <p:nvGrpSpPr>
+        <p:cNvPr id="1" name="">
+          <a:extLst>
+            <a:ext uri="{FF2B5EF4-FFF2-40B4-BE49-F238E27FC236}">
+              <a16:creationId xmlns:a16="http://schemas.microsoft.com/office/drawing/2014/main" id="{659F6C40-E6D7-7150-ECA8-BEB1178B3B9F}"/>
+            </a:ext>
+          </a:extLst>
+        </p:cNvPr>
+        <p:cNvGrpSpPr/>
+        <p:nvPr/>
+      </p:nvGrpSpPr>
+      <p:grpSpPr>
+        <a:xfrm>
+          <a:off x="0" y="0"/>
+          <a:ext cx="0" cy="0"/>
+          <a:chOff x="0" y="0"/>
+          <a:chExt cx="0" cy="0"/>
+        </a:xfrm>
+      </p:grpSpPr>
+      <p:pic>
+        <p:nvPicPr>
+          <p:cNvPr id="4" name="Picture 3" descr="Arrière-plan de technologies réseau">
+            <a:extLst>
+              <a:ext uri="{FF2B5EF4-FFF2-40B4-BE49-F238E27FC236}">
+                <a16:creationId xmlns:a16="http://schemas.microsoft.com/office/drawing/2014/main" id="{AAA72FC6-8FA3-7692-6546-CBB37840482C}"/>
+              </a:ext>
+            </a:extLst>
+          </p:cNvPr>
+          <p:cNvPicPr>
+            <a:picLocks noChangeAspect="1"/>
+          </p:cNvPicPr>
+          <p:nvPr/>
+        </p:nvPicPr>
+        <p:blipFill>
+          <a:blip r:embed="rId2"/>
+          <a:srcRect b="3434"/>
+          <a:stretch/>
+        </p:blipFill>
+        <p:spPr>
+          <a:xfrm>
+            <a:off x="20" y="10"/>
+            <a:ext cx="12191980" cy="6857990"/>
+          </a:xfrm>
+          <a:prstGeom prst="rect">
+            <a:avLst/>
+          </a:prstGeom>
+        </p:spPr>
+      </p:pic>
+      <p:sp>
+        <p:nvSpPr>
+          <p:cNvPr id="7" name="ZoneTexte 6">
+            <a:extLst>
+              <a:ext uri="{FF2B5EF4-FFF2-40B4-BE49-F238E27FC236}">
+                <a16:creationId xmlns:a16="http://schemas.microsoft.com/office/drawing/2014/main" id="{B4993FE9-ECEF-89C8-700D-291A4B7D56E4}"/>
+              </a:ext>
+            </a:extLst>
+          </p:cNvPr>
+          <p:cNvSpPr txBox="1"/>
+          <p:nvPr/>
+        </p:nvSpPr>
+        <p:spPr>
+          <a:xfrm>
+            <a:off x="367981" y="-72294"/>
+            <a:ext cx="11824019" cy="1538883"/>
+          </a:xfrm>
+          <a:prstGeom prst="rect">
+            <a:avLst/>
+          </a:prstGeom>
+          <a:noFill/>
+        </p:spPr>
+        <p:txBody>
+          <a:bodyPr wrap="square" rtlCol="0">
+            <a:spAutoFit/>
+          </a:bodyPr>
+          <a:lstStyle/>
+          <a:p>
+            <a:pPr algn="ctr"/>
+            <a:r>
+              <a:rPr lang="fr-FR" sz="5400" dirty="0">
+                <a:solidFill>
+                  <a:schemeClr val="bg1"/>
+                </a:solidFill>
+              </a:rPr>
+              <a:t>Présentation des métriques </a:t>
+            </a:r>
+            <a:endParaRPr lang="fr-FR" sz="5400" dirty="0">
+              <a:solidFill>
+                <a:schemeClr val="bg2"/>
+              </a:solidFill>
+            </a:endParaRPr>
+          </a:p>
+          <a:p>
+            <a:endParaRPr lang="fr-FR" sz="4000" dirty="0">
+              <a:solidFill>
+                <a:schemeClr val="bg1"/>
+              </a:solidFill>
+            </a:endParaRPr>
+          </a:p>
+        </p:txBody>
+      </p:sp>
+      <p:pic>
+        <p:nvPicPr>
+          <p:cNvPr id="5" name="Image 4">
+            <a:extLst>
+              <a:ext uri="{FF2B5EF4-FFF2-40B4-BE49-F238E27FC236}">
+                <a16:creationId xmlns:a16="http://schemas.microsoft.com/office/drawing/2014/main" id="{077C332C-A94F-DE04-DA8B-936D151A5C84}"/>
+              </a:ext>
+            </a:extLst>
+          </p:cNvPr>
+          <p:cNvPicPr>
+            <a:picLocks noChangeAspect="1"/>
+          </p:cNvPicPr>
+          <p:nvPr/>
+        </p:nvPicPr>
+        <p:blipFill>
+          <a:blip r:embed="rId3"/>
+          <a:stretch>
+            <a:fillRect/>
+          </a:stretch>
+        </p:blipFill>
+        <p:spPr>
+          <a:xfrm>
+            <a:off x="1" y="802434"/>
+            <a:ext cx="12224250" cy="6055556"/>
+          </a:xfrm>
+          <a:prstGeom prst="rect">
+            <a:avLst/>
+          </a:prstGeom>
+        </p:spPr>
+      </p:pic>
+    </p:spTree>
+    <p:extLst>
+      <p:ext uri="{BB962C8B-B14F-4D97-AF65-F5344CB8AC3E}">
+        <p14:creationId xmlns:p14="http://schemas.microsoft.com/office/powerpoint/2010/main" val="1020170641"/>
+      </p:ext>
+    </p:extLst>
+  </p:cSld>
+  <p:clrMapOvr>
+    <a:masterClrMapping/>
+  </p:clrMapOvr>
+</p:sld>
+</file>
+
+<file path=ppt/slides/slide22.xml><?xml version="1.0" encoding="utf-8"?>
+<p:sld xmlns:a="http://schemas.openxmlformats.org/drawingml/2006/main" xmlns:r="http://schemas.openxmlformats.org/officeDocument/2006/relationships" xmlns:p="http://schemas.openxmlformats.org/presentationml/2006/main">
+  <p:cSld>
+    <p:spTree>
+      <p:nvGrpSpPr>
+        <p:cNvPr id="1" name="">
+          <a:extLst>
+            <a:ext uri="{FF2B5EF4-FFF2-40B4-BE49-F238E27FC236}">
+              <a16:creationId xmlns:a16="http://schemas.microsoft.com/office/drawing/2014/main" id="{FFF6242D-836C-13D4-A6FF-4F6843C4DED4}"/>
+            </a:ext>
+          </a:extLst>
+        </p:cNvPr>
+        <p:cNvGrpSpPr/>
+        <p:nvPr/>
+      </p:nvGrpSpPr>
+      <p:grpSpPr>
+        <a:xfrm>
+          <a:off x="0" y="0"/>
+          <a:ext cx="0" cy="0"/>
+          <a:chOff x="0" y="0"/>
+          <a:chExt cx="0" cy="0"/>
+        </a:xfrm>
+      </p:grpSpPr>
+      <p:pic>
+        <p:nvPicPr>
+          <p:cNvPr id="4" name="Picture 3" descr="Arrière-plan de technologies réseau">
+            <a:extLst>
+              <a:ext uri="{FF2B5EF4-FFF2-40B4-BE49-F238E27FC236}">
+                <a16:creationId xmlns:a16="http://schemas.microsoft.com/office/drawing/2014/main" id="{9FC40E3F-B7E4-4E30-7BCF-3AD2A50BF779}"/>
+              </a:ext>
+            </a:extLst>
+          </p:cNvPr>
+          <p:cNvPicPr>
+            <a:picLocks noChangeAspect="1"/>
+          </p:cNvPicPr>
+          <p:nvPr/>
+        </p:nvPicPr>
+        <p:blipFill>
+          <a:blip r:embed="rId2"/>
+          <a:srcRect b="3434"/>
+          <a:stretch/>
+        </p:blipFill>
+        <p:spPr>
+          <a:xfrm>
+            <a:off x="20" y="10"/>
+            <a:ext cx="12191980" cy="6857990"/>
+          </a:xfrm>
+          <a:prstGeom prst="rect">
+            <a:avLst/>
+          </a:prstGeom>
+        </p:spPr>
+      </p:pic>
+      <p:sp>
+        <p:nvSpPr>
+          <p:cNvPr id="7" name="ZoneTexte 6">
+            <a:extLst>
+              <a:ext uri="{FF2B5EF4-FFF2-40B4-BE49-F238E27FC236}">
+                <a16:creationId xmlns:a16="http://schemas.microsoft.com/office/drawing/2014/main" id="{71574475-3ED7-F659-B062-5E4E40A95677}"/>
+              </a:ext>
+            </a:extLst>
+          </p:cNvPr>
+          <p:cNvSpPr txBox="1"/>
+          <p:nvPr/>
+        </p:nvSpPr>
+        <p:spPr>
+          <a:xfrm>
+            <a:off x="367981" y="-72294"/>
+            <a:ext cx="11824019" cy="1538883"/>
+          </a:xfrm>
+          <a:prstGeom prst="rect">
+            <a:avLst/>
+          </a:prstGeom>
+          <a:noFill/>
+        </p:spPr>
+        <p:txBody>
+          <a:bodyPr wrap="square" rtlCol="0">
+            <a:spAutoFit/>
+          </a:bodyPr>
+          <a:lstStyle/>
+          <a:p>
+            <a:pPr algn="ctr"/>
+            <a:r>
+              <a:rPr lang="fr-FR" sz="5400" dirty="0">
+                <a:solidFill>
+                  <a:schemeClr val="bg1"/>
+                </a:solidFill>
+              </a:rPr>
+              <a:t>Présentation des métriques </a:t>
+            </a:r>
+            <a:endParaRPr lang="fr-FR" sz="5400" dirty="0">
+              <a:solidFill>
+                <a:schemeClr val="bg2"/>
+              </a:solidFill>
+            </a:endParaRPr>
+          </a:p>
+          <a:p>
+            <a:endParaRPr lang="fr-FR" sz="4000" dirty="0">
+              <a:solidFill>
+                <a:schemeClr val="bg1"/>
+              </a:solidFill>
+            </a:endParaRPr>
+          </a:p>
+        </p:txBody>
+      </p:sp>
+      <p:pic>
+        <p:nvPicPr>
+          <p:cNvPr id="3" name="Image 2">
+            <a:extLst>
+              <a:ext uri="{FF2B5EF4-FFF2-40B4-BE49-F238E27FC236}">
+                <a16:creationId xmlns:a16="http://schemas.microsoft.com/office/drawing/2014/main" id="{49975B04-6453-3951-74FD-675DE1264E91}"/>
+              </a:ext>
+            </a:extLst>
+          </p:cNvPr>
+          <p:cNvPicPr>
+            <a:picLocks noChangeAspect="1"/>
+          </p:cNvPicPr>
+          <p:nvPr/>
+        </p:nvPicPr>
+        <p:blipFill>
+          <a:blip r:embed="rId3"/>
+          <a:stretch>
+            <a:fillRect/>
+          </a:stretch>
+        </p:blipFill>
+        <p:spPr>
+          <a:xfrm>
+            <a:off x="-8246" y="737119"/>
+            <a:ext cx="12208493" cy="6193186"/>
+          </a:xfrm>
+          <a:prstGeom prst="rect">
+            <a:avLst/>
+          </a:prstGeom>
+        </p:spPr>
+      </p:pic>
+    </p:spTree>
+    <p:extLst>
+      <p:ext uri="{BB962C8B-B14F-4D97-AF65-F5344CB8AC3E}">
+        <p14:creationId xmlns:p14="http://schemas.microsoft.com/office/powerpoint/2010/main" val="103814594"/>
+      </p:ext>
+    </p:extLst>
+  </p:cSld>
+  <p:clrMapOvr>
+    <a:masterClrMapping/>
+  </p:clrMapOvr>
+</p:sld>
+</file>
+
+<file path=ppt/slides/slide23.xml><?xml version="1.0" encoding="utf-8"?>
+<p:sld xmlns:a="http://schemas.openxmlformats.org/drawingml/2006/main" xmlns:r="http://schemas.openxmlformats.org/officeDocument/2006/relationships" xmlns:p="http://schemas.openxmlformats.org/presentationml/2006/main">
+  <p:cSld>
+    <p:spTree>
+      <p:nvGrpSpPr>
+        <p:cNvPr id="1" name="">
+          <a:extLst>
+            <a:ext uri="{FF2B5EF4-FFF2-40B4-BE49-F238E27FC236}">
               <a16:creationId xmlns:a16="http://schemas.microsoft.com/office/drawing/2014/main" id="{4C844B0C-B66A-23F4-BAB7-ACF92902DC24}"/>
             </a:ext>
           </a:extLst>
@@ -8204,7 +9931,7 @@
 </p:sld>
 </file>
 
-<file path=ppt/slides/slide21.xml><?xml version="1.0" encoding="utf-8"?>
+<file path=ppt/slides/slide24.xml><?xml version="1.0" encoding="utf-8"?>
 <p:sld xmlns:a="http://schemas.openxmlformats.org/drawingml/2006/main" xmlns:r="http://schemas.openxmlformats.org/officeDocument/2006/relationships" xmlns:p="http://schemas.openxmlformats.org/presentationml/2006/main">
   <p:cSld>
     <p:spTree>
@@ -8777,11 +10504,24 @@
               </a:rPr>
             </a:br>
             <a:r>
+              <a:rPr lang="fr-FR" sz="1500" b="1" dirty="0">
+                <a:latin typeface="Times New Roman" panose="02020603050405020304" pitchFamily="18" charset="0"/>
+                <a:cs typeface="Times New Roman" panose="02020603050405020304" pitchFamily="18" charset="0"/>
+              </a:rPr>
+              <a:t>3️⃣ Réduire les biais dans les modèles</a:t>
+            </a:r>
+            <a:br>
+              <a:rPr lang="fr-FR" sz="1500" b="1" dirty="0">
+                <a:latin typeface="Times New Roman" panose="02020603050405020304" pitchFamily="18" charset="0"/>
+                <a:cs typeface="Times New Roman" panose="02020603050405020304" pitchFamily="18" charset="0"/>
+              </a:rPr>
+            </a:br>
+            <a:r>
               <a:rPr lang="fr-FR" sz="1500" dirty="0">
                 <a:latin typeface="Times New Roman" panose="02020603050405020304" pitchFamily="18" charset="0"/>
                 <a:cs typeface="Times New Roman" panose="02020603050405020304" pitchFamily="18" charset="0"/>
               </a:rPr>
-              <a:t>Analyser l’impact des techniques de réduction de dimension (PCA, t-SNE).</a:t>
+              <a:t>Identifier les sources de biais dans les données et les algorithmes.</a:t>
             </a:r>
             <a:br>
               <a:rPr lang="fr-FR" sz="1500" dirty="0">
@@ -8790,11 +10530,37 @@
               </a:rPr>
             </a:br>
             <a:r>
+              <a:rPr lang="fr-FR" sz="1500" dirty="0">
+                <a:latin typeface="Times New Roman" panose="02020603050405020304" pitchFamily="18" charset="0"/>
+                <a:cs typeface="Times New Roman" panose="02020603050405020304" pitchFamily="18" charset="0"/>
+              </a:rPr>
+              <a:t>Évaluer les effets des techniques de rééquilibrage des données (ex : SMOTE, sous-échantillonnage).</a:t>
+            </a:r>
+            <a:br>
+              <a:rPr lang="fr-FR" sz="1500" dirty="0">
+                <a:latin typeface="Times New Roman" panose="02020603050405020304" pitchFamily="18" charset="0"/>
+                <a:cs typeface="Times New Roman" panose="02020603050405020304" pitchFamily="18" charset="0"/>
+              </a:rPr>
+            </a:br>
+            <a:r>
+              <a:rPr lang="fr-FR" sz="1500" dirty="0">
+                <a:latin typeface="Times New Roman" panose="02020603050405020304" pitchFamily="18" charset="0"/>
+                <a:cs typeface="Times New Roman" panose="02020603050405020304" pitchFamily="18" charset="0"/>
+              </a:rPr>
+              <a:t>Proposer des solutions pour atténuer le biais algorithmique tout en préservant la performance.</a:t>
+            </a:r>
+            <a:br>
+              <a:rPr lang="fr-FR" sz="1500" dirty="0">
+                <a:latin typeface="Times New Roman" panose="02020603050405020304" pitchFamily="18" charset="0"/>
+                <a:cs typeface="Times New Roman" panose="02020603050405020304" pitchFamily="18" charset="0"/>
+              </a:rPr>
+            </a:br>
+            <a:r>
               <a:rPr lang="fr-FR" sz="1500" b="1" dirty="0">
                 <a:latin typeface="Times New Roman" panose="02020603050405020304" pitchFamily="18" charset="0"/>
                 <a:cs typeface="Times New Roman" panose="02020603050405020304" pitchFamily="18" charset="0"/>
               </a:rPr>
-              <a:t>3️⃣ Réduire les biais dans les modèles</a:t>
+              <a:t>4️⃣ Adapter les modèles à des environnements dynamiques</a:t>
             </a:r>
             <a:br>
               <a:rPr lang="fr-FR" sz="1500" b="1" dirty="0">
@@ -8807,7 +10573,7 @@
                 <a:latin typeface="Times New Roman" panose="02020603050405020304" pitchFamily="18" charset="0"/>
                 <a:cs typeface="Times New Roman" panose="02020603050405020304" pitchFamily="18" charset="0"/>
               </a:rPr>
-              <a:t>Identifier les sources de biais dans les données et les algorithmes.</a:t>
+              <a:t>Étudier des cas où les données évoluent avec le temps (ex : détection de fraude, systèmes de recommandation).</a:t>
             </a:r>
             <a:br>
               <a:rPr lang="fr-FR" sz="1500" dirty="0">
@@ -8820,7 +10586,7 @@
                 <a:latin typeface="Times New Roman" panose="02020603050405020304" pitchFamily="18" charset="0"/>
                 <a:cs typeface="Times New Roman" panose="02020603050405020304" pitchFamily="18" charset="0"/>
               </a:rPr>
-              <a:t>Évaluer les effets des techniques de rééquilibrage des données (ex : SMOTE, sous-échantillonnage).</a:t>
+              <a:t>Explorer les stratégies d’apprentissage continu et d’adaptation dynamique des modèles.</a:t>
             </a:r>
             <a:br>
               <a:rPr lang="fr-FR" sz="1500" dirty="0">
@@ -8829,24 +10595,11 @@
               </a:rPr>
             </a:br>
             <a:r>
-              <a:rPr lang="fr-FR" sz="1500" dirty="0">
-                <a:latin typeface="Times New Roman" panose="02020603050405020304" pitchFamily="18" charset="0"/>
-                <a:cs typeface="Times New Roman" panose="02020603050405020304" pitchFamily="18" charset="0"/>
-              </a:rPr>
-              <a:t>Proposer des solutions pour atténuer le biais algorithmique tout en préservant la performance.</a:t>
-            </a:r>
-            <a:br>
-              <a:rPr lang="fr-FR" sz="1500" dirty="0">
-                <a:latin typeface="Times New Roman" panose="02020603050405020304" pitchFamily="18" charset="0"/>
-                <a:cs typeface="Times New Roman" panose="02020603050405020304" pitchFamily="18" charset="0"/>
-              </a:rPr>
-            </a:br>
-            <a:r>
               <a:rPr lang="fr-FR" sz="1500" b="1" dirty="0">
                 <a:latin typeface="Times New Roman" panose="02020603050405020304" pitchFamily="18" charset="0"/>
                 <a:cs typeface="Times New Roman" panose="02020603050405020304" pitchFamily="18" charset="0"/>
               </a:rPr>
-              <a:t>4️⃣ Adapter les modèles à des environnements dynamiques</a:t>
+              <a:t>5️⃣ Analyser les performances des modèles optimisés</a:t>
             </a:r>
             <a:br>
               <a:rPr lang="fr-FR" sz="1500" b="1" dirty="0">
@@ -8859,74 +10612,21 @@
                 <a:latin typeface="Times New Roman" panose="02020603050405020304" pitchFamily="18" charset="0"/>
                 <a:cs typeface="Times New Roman" panose="02020603050405020304" pitchFamily="18" charset="0"/>
               </a:rPr>
-              <a:t>Étudier des cas où les données évoluent avec le temps (ex : détection de fraude, systèmes de recommandation).</a:t>
-            </a:r>
-            <a:br>
+              <a:t>Comparer les résultats avant et après optimisation à l’aide de métriques de performance (</a:t>
+            </a:r>
+            <a:r>
+              <a:rPr lang="fr-FR" sz="1500" dirty="0" err="1">
+                <a:latin typeface="Times New Roman" panose="02020603050405020304" pitchFamily="18" charset="0"/>
+                <a:cs typeface="Times New Roman" panose="02020603050405020304" pitchFamily="18" charset="0"/>
+              </a:rPr>
+              <a:t>accuracy</a:t>
+            </a:r>
+            <a:r>
               <a:rPr lang="fr-FR" sz="1500" dirty="0">
                 <a:latin typeface="Times New Roman" panose="02020603050405020304" pitchFamily="18" charset="0"/>
                 <a:cs typeface="Times New Roman" panose="02020603050405020304" pitchFamily="18" charset="0"/>
               </a:rPr>
-            </a:br>
-            <a:r>
-              <a:rPr lang="fr-FR" sz="1500" dirty="0">
-                <a:latin typeface="Times New Roman" panose="02020603050405020304" pitchFamily="18" charset="0"/>
-                <a:cs typeface="Times New Roman" panose="02020603050405020304" pitchFamily="18" charset="0"/>
-              </a:rPr>
-              <a:t>Explorer les stratégies d’apprentissage continu et d’adaptation dynamique des modèles.</a:t>
-            </a:r>
-            <a:br>
-              <a:rPr lang="fr-FR" sz="1500" dirty="0">
-                <a:latin typeface="Times New Roman" panose="02020603050405020304" pitchFamily="18" charset="0"/>
-                <a:cs typeface="Times New Roman" panose="02020603050405020304" pitchFamily="18" charset="0"/>
-              </a:rPr>
-            </a:br>
-            <a:r>
-              <a:rPr lang="fr-FR" sz="1500" b="1" dirty="0">
-                <a:latin typeface="Times New Roman" panose="02020603050405020304" pitchFamily="18" charset="0"/>
-                <a:cs typeface="Times New Roman" panose="02020603050405020304" pitchFamily="18" charset="0"/>
-              </a:rPr>
-              <a:t>5️⃣ Analyser les performances des modèles optimisés</a:t>
-            </a:r>
-            <a:br>
-              <a:rPr lang="fr-FR" sz="1500" b="1" dirty="0">
-                <a:latin typeface="Times New Roman" panose="02020603050405020304" pitchFamily="18" charset="0"/>
-                <a:cs typeface="Times New Roman" panose="02020603050405020304" pitchFamily="18" charset="0"/>
-              </a:rPr>
-            </a:br>
-            <a:r>
-              <a:rPr lang="fr-FR" sz="1500" dirty="0">
-                <a:latin typeface="Times New Roman" panose="02020603050405020304" pitchFamily="18" charset="0"/>
-                <a:cs typeface="Times New Roman" panose="02020603050405020304" pitchFamily="18" charset="0"/>
-              </a:rPr>
-              <a:t>Comparer les résultats avant et après optimisation à l’aide de métriques de performance (</a:t>
-            </a:r>
-            <a:r>
-              <a:rPr lang="fr-FR" sz="1500" dirty="0" err="1">
-                <a:latin typeface="Times New Roman" panose="02020603050405020304" pitchFamily="18" charset="0"/>
-                <a:cs typeface="Times New Roman" panose="02020603050405020304" pitchFamily="18" charset="0"/>
-              </a:rPr>
-              <a:t>accuracy</a:t>
-            </a:r>
-            <a:r>
-              <a:rPr lang="fr-FR" sz="1500" dirty="0">
-                <a:latin typeface="Times New Roman" panose="02020603050405020304" pitchFamily="18" charset="0"/>
-                <a:cs typeface="Times New Roman" panose="02020603050405020304" pitchFamily="18" charset="0"/>
-              </a:rPr>
-              <a:t>, </a:t>
-            </a:r>
-            <a:r>
-              <a:rPr lang="fr-FR" sz="1500" dirty="0" err="1">
-                <a:latin typeface="Times New Roman" panose="02020603050405020304" pitchFamily="18" charset="0"/>
-                <a:cs typeface="Times New Roman" panose="02020603050405020304" pitchFamily="18" charset="0"/>
-              </a:rPr>
-              <a:t>recall</a:t>
-            </a:r>
-            <a:r>
-              <a:rPr lang="fr-FR" sz="1500" dirty="0">
-                <a:latin typeface="Times New Roman" panose="02020603050405020304" pitchFamily="18" charset="0"/>
-                <a:cs typeface="Times New Roman" panose="02020603050405020304" pitchFamily="18" charset="0"/>
-              </a:rPr>
-              <a:t>, AUC-ROC…).</a:t>
+              <a:t>, recall, AUC-ROC…).</a:t>
             </a:r>
             <a:br>
               <a:rPr lang="fr-FR" sz="1500" dirty="0">
@@ -10884,7 +12584,7 @@
         <p:cNvPr id="1" name="">
           <a:extLst>
             <a:ext uri="{FF2B5EF4-FFF2-40B4-BE49-F238E27FC236}">
-              <a16:creationId xmlns:a16="http://schemas.microsoft.com/office/drawing/2014/main" id="{808AADDA-CD91-6041-15EA-26624F61A6E6}"/>
+              <a16:creationId xmlns:a16="http://schemas.microsoft.com/office/drawing/2014/main" id="{3759CC5E-D480-4CAF-B59D-E7DC13C4AD18}"/>
             </a:ext>
           </a:extLst>
         </p:cNvPr>
@@ -10899,12 +12599,41 @@
           <a:chExt cx="0" cy="0"/>
         </a:xfrm>
       </p:grpSpPr>
+      <p:pic>
+        <p:nvPicPr>
+          <p:cNvPr id="4" name="Picture 3" descr="Arrière-plan de technologies réseau">
+            <a:extLst>
+              <a:ext uri="{FF2B5EF4-FFF2-40B4-BE49-F238E27FC236}">
+                <a16:creationId xmlns:a16="http://schemas.microsoft.com/office/drawing/2014/main" id="{C306E004-EC1A-A799-3150-21935CCDF915}"/>
+              </a:ext>
+            </a:extLst>
+          </p:cNvPr>
+          <p:cNvPicPr>
+            <a:picLocks noChangeAspect="1"/>
+          </p:cNvPicPr>
+          <p:nvPr/>
+        </p:nvPicPr>
+        <p:blipFill>
+          <a:blip r:embed="rId2"/>
+          <a:srcRect b="3434"/>
+          <a:stretch/>
+        </p:blipFill>
+        <p:spPr>
+          <a:xfrm>
+            <a:off x="20" y="10"/>
+            <a:ext cx="12191980" cy="6857990"/>
+          </a:xfrm>
+          <a:prstGeom prst="rect">
+            <a:avLst/>
+          </a:prstGeom>
+        </p:spPr>
+      </p:pic>
       <p:sp>
         <p:nvSpPr>
           <p:cNvPr id="9" name="Rectangle 8">
             <a:extLst>
               <a:ext uri="{FF2B5EF4-FFF2-40B4-BE49-F238E27FC236}">
-                <a16:creationId xmlns:a16="http://schemas.microsoft.com/office/drawing/2014/main" id="{7997732B-D1AA-A5AB-07D1-1B681EE0228A}"/>
+                <a16:creationId xmlns:a16="http://schemas.microsoft.com/office/drawing/2014/main" id="{D5EAACED-3F09-2C2A-BA1F-590B10574488}"/>
               </a:ext>
               <a:ext uri="{C183D7F6-B498-43B3-948B-1728B52AA6E4}">
                 <adec:decorative xmlns:adec="http://schemas.microsoft.com/office/drawing/2017/decorative" val="1"/>
@@ -11007,41 +12736,12 @@
           </a:p>
         </p:txBody>
       </p:sp>
-      <p:pic>
-        <p:nvPicPr>
-          <p:cNvPr id="4" name="Picture 3" descr="Arrière-plan de technologies réseau">
-            <a:extLst>
-              <a:ext uri="{FF2B5EF4-FFF2-40B4-BE49-F238E27FC236}">
-                <a16:creationId xmlns:a16="http://schemas.microsoft.com/office/drawing/2014/main" id="{0BC9E3AE-8070-B18A-BEA9-656E154EE22D}"/>
-              </a:ext>
-            </a:extLst>
-          </p:cNvPr>
-          <p:cNvPicPr>
-            <a:picLocks noChangeAspect="1"/>
-          </p:cNvPicPr>
-          <p:nvPr/>
-        </p:nvPicPr>
-        <p:blipFill>
-          <a:blip r:embed="rId2"/>
-          <a:srcRect b="3434"/>
-          <a:stretch/>
-        </p:blipFill>
-        <p:spPr>
-          <a:xfrm>
-            <a:off x="20" y="10"/>
-            <a:ext cx="12191980" cy="6857990"/>
-          </a:xfrm>
-          <a:prstGeom prst="rect">
-            <a:avLst/>
-          </a:prstGeom>
-        </p:spPr>
-      </p:pic>
       <p:sp>
         <p:nvSpPr>
           <p:cNvPr id="11" name="Rectangle 10">
             <a:extLst>
               <a:ext uri="{FF2B5EF4-FFF2-40B4-BE49-F238E27FC236}">
-                <a16:creationId xmlns:a16="http://schemas.microsoft.com/office/drawing/2014/main" id="{98D7198A-F036-173B-B7C3-8578496CEC04}"/>
+                <a16:creationId xmlns:a16="http://schemas.microsoft.com/office/drawing/2014/main" id="{EA404D24-1F2F-0E06-987B-2599834123A4}"/>
               </a:ext>
               <a:ext uri="{C183D7F6-B498-43B3-948B-1728B52AA6E4}">
                 <adec:decorative xmlns:adec="http://schemas.microsoft.com/office/drawing/2017/decorative" val="1"/>
@@ -11135,7 +12835,7 @@
           <p:cNvPr id="6" name="Titre 5">
             <a:extLst>
               <a:ext uri="{FF2B5EF4-FFF2-40B4-BE49-F238E27FC236}">
-                <a16:creationId xmlns:a16="http://schemas.microsoft.com/office/drawing/2014/main" id="{86B50E03-70AC-C5E5-62A4-9166FA139D94}"/>
+                <a16:creationId xmlns:a16="http://schemas.microsoft.com/office/drawing/2014/main" id="{4C3C3A17-DE5C-EF48-4D74-CC18BAFDF8F2}"/>
               </a:ext>
             </a:extLst>
           </p:cNvPr>
@@ -11148,8 +12848,8 @@
         </p:nvSpPr>
         <p:spPr>
           <a:xfrm>
-            <a:off x="102637" y="1932983"/>
-            <a:ext cx="12191979" cy="6017100"/>
+            <a:off x="-1" y="895739"/>
+            <a:ext cx="12191979" cy="7268948"/>
           </a:xfrm>
         </p:spPr>
         <p:txBody>
@@ -11159,51 +12859,313 @@
           <a:lstStyle/>
           <a:p>
             <a:pPr>
-              <a:lnSpc>
-                <a:spcPct val="150000"/>
-              </a:lnSpc>
               <a:buNone/>
             </a:pPr>
             <a:r>
-              <a:rPr lang="fr-FR" sz="1800" b="1" dirty="0">
-                <a:latin typeface="Times New Roman" panose="02020603050405020304" pitchFamily="18" charset="0"/>
-                <a:cs typeface="Times New Roman" panose="02020603050405020304" pitchFamily="18" charset="0"/>
-              </a:rPr>
-              <a:t>1. Approches Heuristiques</a:t>
+              <a:rPr lang="fr-FR" sz="1500" b="1" dirty="0">
+                <a:latin typeface="Times New Roman" panose="02020603050405020304" pitchFamily="18" charset="0"/>
+                <a:cs typeface="Times New Roman" panose="02020603050405020304" pitchFamily="18" charset="0"/>
+              </a:rPr>
+              <a:t>Types de biais informatiques :</a:t>
             </a:r>
             <a:br>
-              <a:rPr lang="fr-FR" sz="1800" b="1" dirty="0">
+              <a:rPr lang="fr-FR" sz="1500" b="1" dirty="0">
+                <a:latin typeface="Times New Roman" panose="02020603050405020304" pitchFamily="18" charset="0"/>
+                <a:cs typeface="Times New Roman" panose="02020603050405020304" pitchFamily="18" charset="0"/>
+              </a:rPr>
+            </a:br>
+            <a:r>
+              <a:rPr lang="fr-FR" sz="1500" b="1" dirty="0">
+                <a:latin typeface="Times New Roman" panose="02020603050405020304" pitchFamily="18" charset="0"/>
+                <a:cs typeface="Times New Roman" panose="02020603050405020304" pitchFamily="18" charset="0"/>
+              </a:rPr>
+              <a:t>Biais de données</a:t>
+            </a:r>
+            <a:r>
+              <a:rPr lang="fr-FR" sz="1500" dirty="0">
+                <a:latin typeface="Times New Roman" panose="02020603050405020304" pitchFamily="18" charset="0"/>
+                <a:cs typeface="Times New Roman" panose="02020603050405020304" pitchFamily="18" charset="0"/>
+              </a:rPr>
+              <a:t> : Lorsque les données utilisées pour entraîner un modèle sont </a:t>
+            </a:r>
+            <a:r>
+              <a:rPr lang="fr-FR" sz="1500" b="1" dirty="0">
+                <a:latin typeface="Times New Roman" panose="02020603050405020304" pitchFamily="18" charset="0"/>
+                <a:cs typeface="Times New Roman" panose="02020603050405020304" pitchFamily="18" charset="0"/>
+              </a:rPr>
+              <a:t>incomplètes, non représentatives ou biaisées</a:t>
+            </a:r>
+            <a:r>
+              <a:rPr lang="fr-FR" sz="1500" dirty="0">
+                <a:latin typeface="Times New Roman" panose="02020603050405020304" pitchFamily="18" charset="0"/>
+                <a:cs typeface="Times New Roman" panose="02020603050405020304" pitchFamily="18" charset="0"/>
+              </a:rPr>
+              <a:t>, l'algorithme apprend ces distorsions.</a:t>
+            </a:r>
+            <a:br>
+              <a:rPr lang="fr-FR" sz="1500" dirty="0">
+                <a:latin typeface="Times New Roman" panose="02020603050405020304" pitchFamily="18" charset="0"/>
+                <a:cs typeface="Times New Roman" panose="02020603050405020304" pitchFamily="18" charset="0"/>
+              </a:rPr>
+            </a:br>
+            <a:r>
+              <a:rPr lang="fr-FR" sz="1500" dirty="0">
+                <a:latin typeface="Times New Roman" panose="02020603050405020304" pitchFamily="18" charset="0"/>
+                <a:cs typeface="Times New Roman" panose="02020603050405020304" pitchFamily="18" charset="0"/>
+              </a:rPr>
+              <a:t>→ </a:t>
+            </a:r>
+            <a:r>
+              <a:rPr lang="fr-FR" sz="1500" i="1" dirty="0">
+                <a:latin typeface="Times New Roman" panose="02020603050405020304" pitchFamily="18" charset="0"/>
+                <a:cs typeface="Times New Roman" panose="02020603050405020304" pitchFamily="18" charset="0"/>
+              </a:rPr>
+              <a:t>Exemple : Un modèle de recrutement entraîné sur des CV historiques qui favorisent les hommes pourrait discriminer les candidatures féminines.</a:t>
+            </a:r>
+            <a:br>
+              <a:rPr lang="fr-FR" sz="1500" i="1" dirty="0">
                 <a:latin typeface="Times New Roman" panose="02020603050405020304" pitchFamily="18" charset="0"/>
                 <a:cs typeface="Times New Roman" panose="02020603050405020304" pitchFamily="18" charset="0"/>
               </a:rPr>
             </a:br>
             <a:br>
-              <a:rPr lang="fr-FR" sz="1800" dirty="0">
+              <a:rPr lang="fr-FR" sz="1500" dirty="0">
                 <a:latin typeface="Times New Roman" panose="02020603050405020304" pitchFamily="18" charset="0"/>
                 <a:cs typeface="Times New Roman" panose="02020603050405020304" pitchFamily="18" charset="0"/>
               </a:rPr>
             </a:br>
             <a:r>
-              <a:rPr lang="fr-FR" sz="1800" dirty="0">
-                <a:latin typeface="Times New Roman" panose="02020603050405020304" pitchFamily="18" charset="0"/>
-                <a:cs typeface="Times New Roman" panose="02020603050405020304" pitchFamily="18" charset="0"/>
-              </a:rPr>
-              <a:t>Les </a:t>
-            </a:r>
-            <a:r>
-              <a:rPr lang="fr-FR" sz="1800" b="1" dirty="0">
-                <a:latin typeface="Times New Roman" panose="02020603050405020304" pitchFamily="18" charset="0"/>
-                <a:cs typeface="Times New Roman" panose="02020603050405020304" pitchFamily="18" charset="0"/>
-              </a:rPr>
-              <a:t>heuristiques</a:t>
-            </a:r>
-            <a:r>
-              <a:rPr lang="fr-FR" sz="1800" dirty="0">
-                <a:latin typeface="Times New Roman" panose="02020603050405020304" pitchFamily="18" charset="0"/>
-                <a:cs typeface="Times New Roman" panose="02020603050405020304" pitchFamily="18" charset="0"/>
-              </a:rPr>
-              <a:t> sont des techniques de résolution de problèmes qui visent à trouver rapidement une solution acceptable, mais pas nécessairement optimale. Elles sont particulièrement utiles pour les problèmes complexes où la recherche d'une solution exacte serait trop coûteuse en temps ou en ressources.</a:t>
-            </a:r>
+              <a:rPr lang="fr-FR" sz="1500" b="1" dirty="0">
+                <a:latin typeface="Times New Roman" panose="02020603050405020304" pitchFamily="18" charset="0"/>
+                <a:cs typeface="Times New Roman" panose="02020603050405020304" pitchFamily="18" charset="0"/>
+              </a:rPr>
+              <a:t>Biais algorithmique</a:t>
+            </a:r>
+            <a:r>
+              <a:rPr lang="fr-FR" sz="1500" dirty="0">
+                <a:latin typeface="Times New Roman" panose="02020603050405020304" pitchFamily="18" charset="0"/>
+                <a:cs typeface="Times New Roman" panose="02020603050405020304" pitchFamily="18" charset="0"/>
+              </a:rPr>
+              <a:t> : Se produit lorsque la structure ou les règles de l'algorithme </a:t>
+            </a:r>
+            <a:r>
+              <a:rPr lang="fr-FR" sz="1500" b="1" dirty="0">
+                <a:latin typeface="Times New Roman" panose="02020603050405020304" pitchFamily="18" charset="0"/>
+                <a:cs typeface="Times New Roman" panose="02020603050405020304" pitchFamily="18" charset="0"/>
+              </a:rPr>
+              <a:t>introduisent un biais</a:t>
+            </a:r>
+            <a:r>
+              <a:rPr lang="fr-FR" sz="1500" dirty="0">
+                <a:latin typeface="Times New Roman" panose="02020603050405020304" pitchFamily="18" charset="0"/>
+                <a:cs typeface="Times New Roman" panose="02020603050405020304" pitchFamily="18" charset="0"/>
+              </a:rPr>
+              <a:t>, même avec des données non biaisées.</a:t>
+            </a:r>
+            <a:br>
+              <a:rPr lang="fr-FR" sz="1500" dirty="0">
+                <a:latin typeface="Times New Roman" panose="02020603050405020304" pitchFamily="18" charset="0"/>
+                <a:cs typeface="Times New Roman" panose="02020603050405020304" pitchFamily="18" charset="0"/>
+              </a:rPr>
+            </a:br>
+            <a:r>
+              <a:rPr lang="fr-FR" sz="1500" dirty="0">
+                <a:latin typeface="Times New Roman" panose="02020603050405020304" pitchFamily="18" charset="0"/>
+                <a:cs typeface="Times New Roman" panose="02020603050405020304" pitchFamily="18" charset="0"/>
+              </a:rPr>
+              <a:t>→ </a:t>
+            </a:r>
+            <a:r>
+              <a:rPr lang="fr-FR" sz="1500" i="1" dirty="0">
+                <a:latin typeface="Times New Roman" panose="02020603050405020304" pitchFamily="18" charset="0"/>
+                <a:cs typeface="Times New Roman" panose="02020603050405020304" pitchFamily="18" charset="0"/>
+              </a:rPr>
+              <a:t>Exemple : Un système de reconnaissance faciale qui fonctionne mieux pour les peaux claires que pour les peaux foncées en raison de la façon dont il extrait les caractéristiques.</a:t>
+            </a:r>
+            <a:br>
+              <a:rPr lang="fr-FR" sz="1500" i="1" dirty="0">
+                <a:latin typeface="Times New Roman" panose="02020603050405020304" pitchFamily="18" charset="0"/>
+                <a:cs typeface="Times New Roman" panose="02020603050405020304" pitchFamily="18" charset="0"/>
+              </a:rPr>
+            </a:br>
+            <a:br>
+              <a:rPr lang="fr-FR" sz="1500" dirty="0">
+                <a:latin typeface="Times New Roman" panose="02020603050405020304" pitchFamily="18" charset="0"/>
+                <a:cs typeface="Times New Roman" panose="02020603050405020304" pitchFamily="18" charset="0"/>
+              </a:rPr>
+            </a:br>
+            <a:r>
+              <a:rPr lang="fr-FR" sz="1500" b="1" dirty="0">
+                <a:latin typeface="Times New Roman" panose="02020603050405020304" pitchFamily="18" charset="0"/>
+                <a:cs typeface="Times New Roman" panose="02020603050405020304" pitchFamily="18" charset="0"/>
+              </a:rPr>
+              <a:t>Biais d'interaction</a:t>
+            </a:r>
+            <a:r>
+              <a:rPr lang="fr-FR" sz="1500" dirty="0">
+                <a:latin typeface="Times New Roman" panose="02020603050405020304" pitchFamily="18" charset="0"/>
+                <a:cs typeface="Times New Roman" panose="02020603050405020304" pitchFamily="18" charset="0"/>
+              </a:rPr>
+              <a:t> : L'algorithme </a:t>
+            </a:r>
+            <a:r>
+              <a:rPr lang="fr-FR" sz="1500" b="1" dirty="0">
+                <a:latin typeface="Times New Roman" panose="02020603050405020304" pitchFamily="18" charset="0"/>
+                <a:cs typeface="Times New Roman" panose="02020603050405020304" pitchFamily="18" charset="0"/>
+              </a:rPr>
+              <a:t>apprend des comportements des utilisateurs</a:t>
+            </a:r>
+            <a:r>
+              <a:rPr lang="fr-FR" sz="1500" dirty="0">
+                <a:latin typeface="Times New Roman" panose="02020603050405020304" pitchFamily="18" charset="0"/>
+                <a:cs typeface="Times New Roman" panose="02020603050405020304" pitchFamily="18" charset="0"/>
+              </a:rPr>
+              <a:t>, ce qui peut renforcer certains biais.</a:t>
+            </a:r>
+            <a:br>
+              <a:rPr lang="fr-FR" sz="1500" dirty="0">
+                <a:latin typeface="Times New Roman" panose="02020603050405020304" pitchFamily="18" charset="0"/>
+                <a:cs typeface="Times New Roman" panose="02020603050405020304" pitchFamily="18" charset="0"/>
+              </a:rPr>
+            </a:br>
+            <a:r>
+              <a:rPr lang="fr-FR" sz="1500" dirty="0">
+                <a:latin typeface="Times New Roman" panose="02020603050405020304" pitchFamily="18" charset="0"/>
+                <a:cs typeface="Times New Roman" panose="02020603050405020304" pitchFamily="18" charset="0"/>
+              </a:rPr>
+              <a:t>→ </a:t>
+            </a:r>
+            <a:r>
+              <a:rPr lang="fr-FR" sz="1500" i="1" dirty="0">
+                <a:latin typeface="Times New Roman" panose="02020603050405020304" pitchFamily="18" charset="0"/>
+                <a:cs typeface="Times New Roman" panose="02020603050405020304" pitchFamily="18" charset="0"/>
+              </a:rPr>
+              <a:t>Exemple : Un moteur de recommandation qui propose des contenus sensationnalistes parce que les utilisateurs interagissent davantage avec eux.</a:t>
+            </a:r>
+            <a:br>
+              <a:rPr lang="fr-FR" sz="1500" i="1" dirty="0">
+                <a:latin typeface="Times New Roman" panose="02020603050405020304" pitchFamily="18" charset="0"/>
+                <a:cs typeface="Times New Roman" panose="02020603050405020304" pitchFamily="18" charset="0"/>
+              </a:rPr>
+            </a:br>
+            <a:br>
+              <a:rPr lang="fr-FR" sz="1500" dirty="0">
+                <a:latin typeface="Times New Roman" panose="02020603050405020304" pitchFamily="18" charset="0"/>
+                <a:cs typeface="Times New Roman" panose="02020603050405020304" pitchFamily="18" charset="0"/>
+              </a:rPr>
+            </a:br>
+            <a:r>
+              <a:rPr lang="fr-FR" sz="1500" b="1" dirty="0">
+                <a:latin typeface="Times New Roman" panose="02020603050405020304" pitchFamily="18" charset="0"/>
+                <a:cs typeface="Times New Roman" panose="02020603050405020304" pitchFamily="18" charset="0"/>
+              </a:rPr>
+              <a:t>Biais d'automatisation</a:t>
+            </a:r>
+            <a:r>
+              <a:rPr lang="fr-FR" sz="1500" dirty="0">
+                <a:latin typeface="Times New Roman" panose="02020603050405020304" pitchFamily="18" charset="0"/>
+                <a:cs typeface="Times New Roman" panose="02020603050405020304" pitchFamily="18" charset="0"/>
+              </a:rPr>
+              <a:t> : Quand les utilisateurs </a:t>
+            </a:r>
+            <a:r>
+              <a:rPr lang="fr-FR" sz="1500" b="1" dirty="0">
+                <a:latin typeface="Times New Roman" panose="02020603050405020304" pitchFamily="18" charset="0"/>
+                <a:cs typeface="Times New Roman" panose="02020603050405020304" pitchFamily="18" charset="0"/>
+              </a:rPr>
+              <a:t>font trop confiance à un algorithme</a:t>
+            </a:r>
+            <a:r>
+              <a:rPr lang="fr-FR" sz="1500" dirty="0">
+                <a:latin typeface="Times New Roman" panose="02020603050405020304" pitchFamily="18" charset="0"/>
+                <a:cs typeface="Times New Roman" panose="02020603050405020304" pitchFamily="18" charset="0"/>
+              </a:rPr>
+              <a:t> et ne remettent pas en question ses décisions, même si elles sont erronées.</a:t>
+            </a:r>
+            <a:br>
+              <a:rPr lang="fr-FR" sz="1500" dirty="0">
+                <a:latin typeface="Times New Roman" panose="02020603050405020304" pitchFamily="18" charset="0"/>
+                <a:cs typeface="Times New Roman" panose="02020603050405020304" pitchFamily="18" charset="0"/>
+              </a:rPr>
+            </a:br>
+            <a:r>
+              <a:rPr lang="fr-FR" sz="1500" dirty="0">
+                <a:latin typeface="Times New Roman" panose="02020603050405020304" pitchFamily="18" charset="0"/>
+                <a:cs typeface="Times New Roman" panose="02020603050405020304" pitchFamily="18" charset="0"/>
+              </a:rPr>
+              <a:t>→ </a:t>
+            </a:r>
+            <a:r>
+              <a:rPr lang="fr-FR" sz="1500" i="1" dirty="0">
+                <a:latin typeface="Times New Roman" panose="02020603050405020304" pitchFamily="18" charset="0"/>
+                <a:cs typeface="Times New Roman" panose="02020603050405020304" pitchFamily="18" charset="0"/>
+              </a:rPr>
+              <a:t>Exemple : Un médecin suivant aveuglément un diagnostic suggéré par une IA sans le vérifier.</a:t>
+            </a:r>
+            <a:br>
+              <a:rPr lang="fr-FR" sz="1500" i="1" dirty="0">
+                <a:latin typeface="Times New Roman" panose="02020603050405020304" pitchFamily="18" charset="0"/>
+                <a:cs typeface="Times New Roman" panose="02020603050405020304" pitchFamily="18" charset="0"/>
+              </a:rPr>
+            </a:br>
+            <a:br>
+              <a:rPr lang="fr-FR" sz="1500" dirty="0">
+                <a:latin typeface="Times New Roman" panose="02020603050405020304" pitchFamily="18" charset="0"/>
+                <a:cs typeface="Times New Roman" panose="02020603050405020304" pitchFamily="18" charset="0"/>
+              </a:rPr>
+            </a:br>
+            <a:r>
+              <a:rPr lang="fr-FR" sz="1500" b="1" dirty="0">
+                <a:latin typeface="Times New Roman" panose="02020603050405020304" pitchFamily="18" charset="0"/>
+                <a:cs typeface="Times New Roman" panose="02020603050405020304" pitchFamily="18" charset="0"/>
+              </a:rPr>
+              <a:t>Biais de confirmation</a:t>
+            </a:r>
+            <a:r>
+              <a:rPr lang="fr-FR" sz="1500" dirty="0">
+                <a:latin typeface="Times New Roman" panose="02020603050405020304" pitchFamily="18" charset="0"/>
+                <a:cs typeface="Times New Roman" panose="02020603050405020304" pitchFamily="18" charset="0"/>
+              </a:rPr>
+              <a:t> : L'algorithme </a:t>
+            </a:r>
+            <a:r>
+              <a:rPr lang="fr-FR" sz="1500" b="1" dirty="0">
+                <a:latin typeface="Times New Roman" panose="02020603050405020304" pitchFamily="18" charset="0"/>
+                <a:cs typeface="Times New Roman" panose="02020603050405020304" pitchFamily="18" charset="0"/>
+              </a:rPr>
+              <a:t>privilégie des informations qui confortent une croyance préexistante</a:t>
+            </a:r>
+            <a:r>
+              <a:rPr lang="fr-FR" sz="1500" dirty="0">
+                <a:latin typeface="Times New Roman" panose="02020603050405020304" pitchFamily="18" charset="0"/>
+                <a:cs typeface="Times New Roman" panose="02020603050405020304" pitchFamily="18" charset="0"/>
+              </a:rPr>
+              <a:t>, plutôt que de fournir des résultats objectifs.</a:t>
+            </a:r>
+            <a:br>
+              <a:rPr lang="fr-FR" sz="1500" dirty="0">
+                <a:latin typeface="Times New Roman" panose="02020603050405020304" pitchFamily="18" charset="0"/>
+                <a:cs typeface="Times New Roman" panose="02020603050405020304" pitchFamily="18" charset="0"/>
+              </a:rPr>
+            </a:br>
+            <a:r>
+              <a:rPr lang="fr-FR" sz="1500" dirty="0">
+                <a:latin typeface="Times New Roman" panose="02020603050405020304" pitchFamily="18" charset="0"/>
+                <a:cs typeface="Times New Roman" panose="02020603050405020304" pitchFamily="18" charset="0"/>
+              </a:rPr>
+              <a:t>→ </a:t>
+            </a:r>
+            <a:r>
+              <a:rPr lang="fr-FR" sz="1500" i="1" dirty="0">
+                <a:latin typeface="Times New Roman" panose="02020603050405020304" pitchFamily="18" charset="0"/>
+                <a:cs typeface="Times New Roman" panose="02020603050405020304" pitchFamily="18" charset="0"/>
+              </a:rPr>
+              <a:t>Exemple : Les réseaux sociaux qui affichent des contenus correspondant aux opinions politiques des utilisateurs, renforçant ainsi leurs idées.</a:t>
+            </a:r>
+            <a:endParaRPr lang="fr-FR" sz="1500" dirty="0">
+              <a:latin typeface="Times New Roman" panose="02020603050405020304" pitchFamily="18" charset="0"/>
+              <a:cs typeface="Times New Roman" panose="02020603050405020304" pitchFamily="18" charset="0"/>
+            </a:endParaRPr>
           </a:p>
         </p:txBody>
       </p:sp>
@@ -11212,7 +13174,7 @@
           <p:cNvPr id="7" name="ZoneTexte 6">
             <a:extLst>
               <a:ext uri="{FF2B5EF4-FFF2-40B4-BE49-F238E27FC236}">
-                <a16:creationId xmlns:a16="http://schemas.microsoft.com/office/drawing/2014/main" id="{21E393E2-D848-01E0-86EA-2798092AB332}"/>
+                <a16:creationId xmlns:a16="http://schemas.microsoft.com/office/drawing/2014/main" id="{620F2FCF-7504-8B49-3C86-BE914719AE41}"/>
               </a:ext>
             </a:extLst>
           </p:cNvPr>
@@ -11222,7 +13184,7 @@
         <p:spPr>
           <a:xfrm>
             <a:off x="102637" y="0"/>
-            <a:ext cx="11402008" cy="1446550"/>
+            <a:ext cx="11402008" cy="738664"/>
           </a:xfrm>
           <a:prstGeom prst="rect">
             <a:avLst/>
@@ -11236,17 +13198,16 @@
           <a:lstStyle/>
           <a:p>
             <a:r>
-              <a:rPr lang="fr-FR" sz="4400" dirty="0"/>
-              <a:t>Introduction aux Approches Heuristiques et Méthodes d'Optimisation</a:t>
-            </a:r>
-            <a:endParaRPr lang="fr-FR" sz="4200" dirty="0"/>
+              <a:rPr lang="fr-FR" sz="4200" dirty="0"/>
+              <a:t>Présentation du BIAIS</a:t>
+            </a:r>
           </a:p>
         </p:txBody>
       </p:sp>
     </p:spTree>
     <p:extLst>
       <p:ext uri="{BB962C8B-B14F-4D97-AF65-F5344CB8AC3E}">
-        <p14:creationId xmlns:p14="http://schemas.microsoft.com/office/powerpoint/2010/main" val="1845847993"/>
+        <p14:creationId xmlns:p14="http://schemas.microsoft.com/office/powerpoint/2010/main" val="4052073933"/>
       </p:ext>
     </p:extLst>
   </p:cSld>
@@ -11272,7 +13233,7 @@
         <p:cNvPr id="1" name="">
           <a:extLst>
             <a:ext uri="{FF2B5EF4-FFF2-40B4-BE49-F238E27FC236}">
-              <a16:creationId xmlns:a16="http://schemas.microsoft.com/office/drawing/2014/main" id="{29FE3927-F87F-B6DB-A5AB-B155C2A27565}"/>
+              <a16:creationId xmlns:a16="http://schemas.microsoft.com/office/drawing/2014/main" id="{A43BEEFD-470A-560E-B96A-40487942FCBF}"/>
             </a:ext>
           </a:extLst>
         </p:cNvPr>
@@ -11287,12 +13248,41 @@
           <a:chExt cx="0" cy="0"/>
         </a:xfrm>
       </p:grpSpPr>
+      <p:pic>
+        <p:nvPicPr>
+          <p:cNvPr id="4" name="Picture 3" descr="Arrière-plan de technologies réseau">
+            <a:extLst>
+              <a:ext uri="{FF2B5EF4-FFF2-40B4-BE49-F238E27FC236}">
+                <a16:creationId xmlns:a16="http://schemas.microsoft.com/office/drawing/2014/main" id="{64759879-B33E-A7DB-B2AF-410E8DEDE7B6}"/>
+              </a:ext>
+            </a:extLst>
+          </p:cNvPr>
+          <p:cNvPicPr>
+            <a:picLocks noChangeAspect="1"/>
+          </p:cNvPicPr>
+          <p:nvPr/>
+        </p:nvPicPr>
+        <p:blipFill>
+          <a:blip r:embed="rId2"/>
+          <a:srcRect b="3434"/>
+          <a:stretch/>
+        </p:blipFill>
+        <p:spPr>
+          <a:xfrm>
+            <a:off x="20" y="10"/>
+            <a:ext cx="12191980" cy="6857990"/>
+          </a:xfrm>
+          <a:prstGeom prst="rect">
+            <a:avLst/>
+          </a:prstGeom>
+        </p:spPr>
+      </p:pic>
       <p:sp>
         <p:nvSpPr>
           <p:cNvPr id="9" name="Rectangle 8">
             <a:extLst>
               <a:ext uri="{FF2B5EF4-FFF2-40B4-BE49-F238E27FC236}">
-                <a16:creationId xmlns:a16="http://schemas.microsoft.com/office/drawing/2014/main" id="{8E7990EB-CD69-08F5-8A33-93E8D6317527}"/>
+                <a16:creationId xmlns:a16="http://schemas.microsoft.com/office/drawing/2014/main" id="{6A458693-9336-69C5-C047-0F38A12C7AFA}"/>
               </a:ext>
               <a:ext uri="{C183D7F6-B498-43B3-948B-1728B52AA6E4}">
                 <adec:decorative xmlns:adec="http://schemas.microsoft.com/office/drawing/2017/decorative" val="1"/>
@@ -11395,41 +13385,12 @@
           </a:p>
         </p:txBody>
       </p:sp>
-      <p:pic>
-        <p:nvPicPr>
-          <p:cNvPr id="4" name="Picture 3" descr="Arrière-plan de technologies réseau">
-            <a:extLst>
-              <a:ext uri="{FF2B5EF4-FFF2-40B4-BE49-F238E27FC236}">
-                <a16:creationId xmlns:a16="http://schemas.microsoft.com/office/drawing/2014/main" id="{40C950F9-8A14-7E55-CBB9-2EF98A4747BD}"/>
-              </a:ext>
-            </a:extLst>
-          </p:cNvPr>
-          <p:cNvPicPr>
-            <a:picLocks noChangeAspect="1"/>
-          </p:cNvPicPr>
-          <p:nvPr/>
-        </p:nvPicPr>
-        <p:blipFill>
-          <a:blip r:embed="rId2"/>
-          <a:srcRect b="3434"/>
-          <a:stretch/>
-        </p:blipFill>
-        <p:spPr>
-          <a:xfrm>
-            <a:off x="20" y="10"/>
-            <a:ext cx="12191980" cy="6857990"/>
-          </a:xfrm>
-          <a:prstGeom prst="rect">
-            <a:avLst/>
-          </a:prstGeom>
-        </p:spPr>
-      </p:pic>
       <p:sp>
         <p:nvSpPr>
           <p:cNvPr id="11" name="Rectangle 10">
             <a:extLst>
               <a:ext uri="{FF2B5EF4-FFF2-40B4-BE49-F238E27FC236}">
-                <a16:creationId xmlns:a16="http://schemas.microsoft.com/office/drawing/2014/main" id="{BBC5D383-A840-ACB7-828A-E2C3BD4580F4}"/>
+                <a16:creationId xmlns:a16="http://schemas.microsoft.com/office/drawing/2014/main" id="{6B48C2D0-E495-2E44-7E1A-8751963B8001}"/>
               </a:ext>
               <a:ext uri="{C183D7F6-B498-43B3-948B-1728B52AA6E4}">
                 <adec:decorative xmlns:adec="http://schemas.microsoft.com/office/drawing/2017/decorative" val="1"/>
@@ -11523,7 +13484,7 @@
           <p:cNvPr id="6" name="Titre 5">
             <a:extLst>
               <a:ext uri="{FF2B5EF4-FFF2-40B4-BE49-F238E27FC236}">
-                <a16:creationId xmlns:a16="http://schemas.microsoft.com/office/drawing/2014/main" id="{481C96DF-41DF-EE89-E927-00B542E72274}"/>
+                <a16:creationId xmlns:a16="http://schemas.microsoft.com/office/drawing/2014/main" id="{5317A840-F136-F3CD-6534-94E48B8BF855}"/>
               </a:ext>
             </a:extLst>
           </p:cNvPr>
@@ -11536,8 +13497,8 @@
         </p:nvSpPr>
         <p:spPr>
           <a:xfrm>
-            <a:off x="102637" y="1932983"/>
-            <a:ext cx="12191979" cy="6017100"/>
+            <a:off x="-1" y="895739"/>
+            <a:ext cx="12191979" cy="7268948"/>
           </a:xfrm>
         </p:spPr>
         <p:txBody>
@@ -11550,45 +13511,310 @@
               <a:buNone/>
             </a:pPr>
             <a:r>
-              <a:rPr lang="fr-FR" sz="2000" b="1" dirty="0">
-                <a:latin typeface="Times New Roman" panose="02020603050405020304" pitchFamily="18" charset="0"/>
-                <a:cs typeface="Times New Roman" panose="02020603050405020304" pitchFamily="18" charset="0"/>
-              </a:rPr>
-              <a:t>2. Méthodes d'Optimisation Classiques</a:t>
+              <a:rPr lang="fr-FR" sz="1500" b="1" dirty="0">
+                <a:latin typeface="Times New Roman" panose="02020603050405020304" pitchFamily="18" charset="0"/>
+                <a:cs typeface="Times New Roman" panose="02020603050405020304" pitchFamily="18" charset="0"/>
+              </a:rPr>
+              <a:t>Types de biais informatiques :</a:t>
             </a:r>
             <a:br>
-              <a:rPr lang="fr-FR" sz="2000" b="1" dirty="0">
+              <a:rPr lang="fr-FR" sz="1500" b="1" dirty="0">
+                <a:latin typeface="Times New Roman" panose="02020603050405020304" pitchFamily="18" charset="0"/>
+                <a:cs typeface="Times New Roman" panose="02020603050405020304" pitchFamily="18" charset="0"/>
+              </a:rPr>
+            </a:br>
+            <a:r>
+              <a:rPr lang="fr-FR" sz="1500" b="1" dirty="0">
+                <a:latin typeface="Times New Roman" panose="02020603050405020304" pitchFamily="18" charset="0"/>
+                <a:cs typeface="Times New Roman" panose="02020603050405020304" pitchFamily="18" charset="0"/>
+              </a:rPr>
+              <a:t>Biais de données</a:t>
+            </a:r>
+            <a:r>
+              <a:rPr lang="fr-FR" sz="1500" dirty="0">
+                <a:latin typeface="Times New Roman" panose="02020603050405020304" pitchFamily="18" charset="0"/>
+                <a:cs typeface="Times New Roman" panose="02020603050405020304" pitchFamily="18" charset="0"/>
+              </a:rPr>
+              <a:t> : Lorsque les données utilisées pour entraîner un modèle sont </a:t>
+            </a:r>
+            <a:r>
+              <a:rPr lang="fr-FR" sz="1500" b="1" dirty="0">
+                <a:latin typeface="Times New Roman" panose="02020603050405020304" pitchFamily="18" charset="0"/>
+                <a:cs typeface="Times New Roman" panose="02020603050405020304" pitchFamily="18" charset="0"/>
+              </a:rPr>
+              <a:t>incomplètes, non représentatives ou biaisées</a:t>
+            </a:r>
+            <a:r>
+              <a:rPr lang="fr-FR" sz="1500" dirty="0">
+                <a:latin typeface="Times New Roman" panose="02020603050405020304" pitchFamily="18" charset="0"/>
+                <a:cs typeface="Times New Roman" panose="02020603050405020304" pitchFamily="18" charset="0"/>
+              </a:rPr>
+              <a:t>, l'algorithme apprend ces distorsions.</a:t>
+            </a:r>
+            <a:br>
+              <a:rPr lang="fr-FR" sz="1500" dirty="0">
+                <a:latin typeface="Times New Roman" panose="02020603050405020304" pitchFamily="18" charset="0"/>
+                <a:cs typeface="Times New Roman" panose="02020603050405020304" pitchFamily="18" charset="0"/>
+              </a:rPr>
+            </a:br>
+            <a:r>
+              <a:rPr lang="fr-FR" sz="1500" dirty="0">
+                <a:latin typeface="Times New Roman" panose="02020603050405020304" pitchFamily="18" charset="0"/>
+                <a:cs typeface="Times New Roman" panose="02020603050405020304" pitchFamily="18" charset="0"/>
+              </a:rPr>
+              <a:t>→ </a:t>
+            </a:r>
+            <a:r>
+              <a:rPr lang="fr-FR" sz="1500" i="1" dirty="0">
+                <a:latin typeface="Times New Roman" panose="02020603050405020304" pitchFamily="18" charset="0"/>
+                <a:cs typeface="Times New Roman" panose="02020603050405020304" pitchFamily="18" charset="0"/>
+              </a:rPr>
+              <a:t>Exemple : Un modèle de recrutement entraîné sur des CV historiques qui favorisent les hommes pourrait discriminer les candidatures féminines.</a:t>
+            </a:r>
+            <a:br>
+              <a:rPr lang="fr-FR" sz="1500" i="1" dirty="0">
                 <a:latin typeface="Times New Roman" panose="02020603050405020304" pitchFamily="18" charset="0"/>
                 <a:cs typeface="Times New Roman" panose="02020603050405020304" pitchFamily="18" charset="0"/>
               </a:rPr>
             </a:br>
             <a:br>
-              <a:rPr lang="fr-FR" sz="2000" dirty="0">
+              <a:rPr lang="fr-FR" sz="1500" dirty="0">
                 <a:latin typeface="Times New Roman" panose="02020603050405020304" pitchFamily="18" charset="0"/>
                 <a:cs typeface="Times New Roman" panose="02020603050405020304" pitchFamily="18" charset="0"/>
               </a:rPr>
             </a:br>
             <a:r>
-              <a:rPr lang="fr-FR" sz="2000" dirty="0">
-                <a:latin typeface="Times New Roman" panose="02020603050405020304" pitchFamily="18" charset="0"/>
-                <a:cs typeface="Times New Roman" panose="02020603050405020304" pitchFamily="18" charset="0"/>
-              </a:rPr>
-              <a:t>Les </a:t>
-            </a:r>
-            <a:r>
-              <a:rPr lang="fr-FR" sz="2000" b="1" dirty="0">
-                <a:latin typeface="Times New Roman" panose="02020603050405020304" pitchFamily="18" charset="0"/>
-                <a:cs typeface="Times New Roman" panose="02020603050405020304" pitchFamily="18" charset="0"/>
-              </a:rPr>
-              <a:t>méthodes d'optimisation classiques</a:t>
-            </a:r>
-            <a:r>
-              <a:rPr lang="fr-FR" sz="2000" dirty="0">
-                <a:latin typeface="Times New Roman" panose="02020603050405020304" pitchFamily="18" charset="0"/>
-                <a:cs typeface="Times New Roman" panose="02020603050405020304" pitchFamily="18" charset="0"/>
-              </a:rPr>
-              <a:t> visent à trouver la solution optimale à un problème donné. Elles utilisent des techniques mathématiques rigoureuses pour explorer l'espace de recherche et identifier la meilleure solution possible.</a:t>
-            </a:r>
+              <a:rPr lang="fr-FR" sz="1500" b="1" dirty="0">
+                <a:latin typeface="Times New Roman" panose="02020603050405020304" pitchFamily="18" charset="0"/>
+                <a:cs typeface="Times New Roman" panose="02020603050405020304" pitchFamily="18" charset="0"/>
+              </a:rPr>
+              <a:t>Biais algorithmique</a:t>
+            </a:r>
+            <a:r>
+              <a:rPr lang="fr-FR" sz="1500" dirty="0">
+                <a:latin typeface="Times New Roman" panose="02020603050405020304" pitchFamily="18" charset="0"/>
+                <a:cs typeface="Times New Roman" panose="02020603050405020304" pitchFamily="18" charset="0"/>
+              </a:rPr>
+              <a:t> : Se produit lorsque la structure ou les règles de l'algorithme </a:t>
+            </a:r>
+            <a:r>
+              <a:rPr lang="fr-FR" sz="1500" b="1" dirty="0">
+                <a:latin typeface="Times New Roman" panose="02020603050405020304" pitchFamily="18" charset="0"/>
+                <a:cs typeface="Times New Roman" panose="02020603050405020304" pitchFamily="18" charset="0"/>
+              </a:rPr>
+              <a:t>introduisent un biais</a:t>
+            </a:r>
+            <a:r>
+              <a:rPr lang="fr-FR" sz="1500" dirty="0">
+                <a:latin typeface="Times New Roman" panose="02020603050405020304" pitchFamily="18" charset="0"/>
+                <a:cs typeface="Times New Roman" panose="02020603050405020304" pitchFamily="18" charset="0"/>
+              </a:rPr>
+              <a:t>, même avec des données non biaisées.</a:t>
+            </a:r>
+            <a:br>
+              <a:rPr lang="fr-FR" sz="1500" dirty="0">
+                <a:latin typeface="Times New Roman" panose="02020603050405020304" pitchFamily="18" charset="0"/>
+                <a:cs typeface="Times New Roman" panose="02020603050405020304" pitchFamily="18" charset="0"/>
+              </a:rPr>
+            </a:br>
+            <a:r>
+              <a:rPr lang="fr-FR" sz="1500" dirty="0">
+                <a:latin typeface="Times New Roman" panose="02020603050405020304" pitchFamily="18" charset="0"/>
+                <a:cs typeface="Times New Roman" panose="02020603050405020304" pitchFamily="18" charset="0"/>
+              </a:rPr>
+              <a:t>→ </a:t>
+            </a:r>
+            <a:r>
+              <a:rPr lang="fr-FR" sz="1500" i="1" dirty="0">
+                <a:latin typeface="Times New Roman" panose="02020603050405020304" pitchFamily="18" charset="0"/>
+                <a:cs typeface="Times New Roman" panose="02020603050405020304" pitchFamily="18" charset="0"/>
+              </a:rPr>
+              <a:t>Exemple : Un système de reconnaissance faciale qui fonctionne mieux pour les peaux claires que pour les peaux foncées en raison de la façon dont il extrait les caractéristiques.</a:t>
+            </a:r>
+            <a:br>
+              <a:rPr lang="fr-FR" sz="1500" i="1" dirty="0">
+                <a:latin typeface="Times New Roman" panose="02020603050405020304" pitchFamily="18" charset="0"/>
+                <a:cs typeface="Times New Roman" panose="02020603050405020304" pitchFamily="18" charset="0"/>
+              </a:rPr>
+            </a:br>
+            <a:br>
+              <a:rPr lang="fr-FR" sz="1500" dirty="0">
+                <a:latin typeface="Times New Roman" panose="02020603050405020304" pitchFamily="18" charset="0"/>
+                <a:cs typeface="Times New Roman" panose="02020603050405020304" pitchFamily="18" charset="0"/>
+              </a:rPr>
+            </a:br>
+            <a:r>
+              <a:rPr lang="fr-FR" sz="1500" b="1" dirty="0">
+                <a:latin typeface="Times New Roman" panose="02020603050405020304" pitchFamily="18" charset="0"/>
+                <a:cs typeface="Times New Roman" panose="02020603050405020304" pitchFamily="18" charset="0"/>
+              </a:rPr>
+              <a:t>Biais d'interaction</a:t>
+            </a:r>
+            <a:r>
+              <a:rPr lang="fr-FR" sz="1500" dirty="0">
+                <a:latin typeface="Times New Roman" panose="02020603050405020304" pitchFamily="18" charset="0"/>
+                <a:cs typeface="Times New Roman" panose="02020603050405020304" pitchFamily="18" charset="0"/>
+              </a:rPr>
+              <a:t> : L'algorithme </a:t>
+            </a:r>
+            <a:r>
+              <a:rPr lang="fr-FR" sz="1500" b="1" dirty="0">
+                <a:latin typeface="Times New Roman" panose="02020603050405020304" pitchFamily="18" charset="0"/>
+                <a:cs typeface="Times New Roman" panose="02020603050405020304" pitchFamily="18" charset="0"/>
+              </a:rPr>
+              <a:t>apprend des comportements des utilisateurs</a:t>
+            </a:r>
+            <a:r>
+              <a:rPr lang="fr-FR" sz="1500" dirty="0">
+                <a:latin typeface="Times New Roman" panose="02020603050405020304" pitchFamily="18" charset="0"/>
+                <a:cs typeface="Times New Roman" panose="02020603050405020304" pitchFamily="18" charset="0"/>
+              </a:rPr>
+              <a:t>, ce qui peut renforcer certains biais.</a:t>
+            </a:r>
+            <a:br>
+              <a:rPr lang="fr-FR" sz="1500" dirty="0">
+                <a:latin typeface="Times New Roman" panose="02020603050405020304" pitchFamily="18" charset="0"/>
+                <a:cs typeface="Times New Roman" panose="02020603050405020304" pitchFamily="18" charset="0"/>
+              </a:rPr>
+            </a:br>
+            <a:r>
+              <a:rPr lang="fr-FR" sz="1500" dirty="0">
+                <a:latin typeface="Times New Roman" panose="02020603050405020304" pitchFamily="18" charset="0"/>
+                <a:cs typeface="Times New Roman" panose="02020603050405020304" pitchFamily="18" charset="0"/>
+              </a:rPr>
+              <a:t>→ </a:t>
+            </a:r>
+            <a:r>
+              <a:rPr lang="fr-FR" sz="1500" i="1" dirty="0">
+                <a:latin typeface="Times New Roman" panose="02020603050405020304" pitchFamily="18" charset="0"/>
+                <a:cs typeface="Times New Roman" panose="02020603050405020304" pitchFamily="18" charset="0"/>
+              </a:rPr>
+              <a:t>Exemple : Un moteur de recommandation qui propose des contenus sensationnalistes parce que les utilisateurs interagissent davantage avec eux.</a:t>
+            </a:r>
+            <a:br>
+              <a:rPr lang="fr-FR" sz="1500" i="1" dirty="0">
+                <a:latin typeface="Times New Roman" panose="02020603050405020304" pitchFamily="18" charset="0"/>
+                <a:cs typeface="Times New Roman" panose="02020603050405020304" pitchFamily="18" charset="0"/>
+              </a:rPr>
+            </a:br>
+            <a:br>
+              <a:rPr lang="fr-FR" sz="1500" dirty="0">
+                <a:latin typeface="Times New Roman" panose="02020603050405020304" pitchFamily="18" charset="0"/>
+                <a:cs typeface="Times New Roman" panose="02020603050405020304" pitchFamily="18" charset="0"/>
+              </a:rPr>
+            </a:br>
+            <a:r>
+              <a:rPr lang="fr-FR" sz="1500" b="1" dirty="0">
+                <a:latin typeface="Times New Roman" panose="02020603050405020304" pitchFamily="18" charset="0"/>
+                <a:cs typeface="Times New Roman" panose="02020603050405020304" pitchFamily="18" charset="0"/>
+              </a:rPr>
+              <a:t>Biais d'automatisation</a:t>
+            </a:r>
+            <a:r>
+              <a:rPr lang="fr-FR" sz="1500" dirty="0">
+                <a:latin typeface="Times New Roman" panose="02020603050405020304" pitchFamily="18" charset="0"/>
+                <a:cs typeface="Times New Roman" panose="02020603050405020304" pitchFamily="18" charset="0"/>
+              </a:rPr>
+              <a:t> : Quand les utilisateurs </a:t>
+            </a:r>
+            <a:r>
+              <a:rPr lang="fr-FR" sz="1500" b="1" dirty="0">
+                <a:latin typeface="Times New Roman" panose="02020603050405020304" pitchFamily="18" charset="0"/>
+                <a:cs typeface="Times New Roman" panose="02020603050405020304" pitchFamily="18" charset="0"/>
+              </a:rPr>
+              <a:t>font trop confiance à un algorithme</a:t>
+            </a:r>
+            <a:r>
+              <a:rPr lang="fr-FR" sz="1500" dirty="0">
+                <a:latin typeface="Times New Roman" panose="02020603050405020304" pitchFamily="18" charset="0"/>
+                <a:cs typeface="Times New Roman" panose="02020603050405020304" pitchFamily="18" charset="0"/>
+              </a:rPr>
+              <a:t> et ne remettent pas en question ses décisions, même si elles sont erronées.</a:t>
+            </a:r>
+            <a:br>
+              <a:rPr lang="fr-FR" sz="1500" dirty="0">
+                <a:latin typeface="Times New Roman" panose="02020603050405020304" pitchFamily="18" charset="0"/>
+                <a:cs typeface="Times New Roman" panose="02020603050405020304" pitchFamily="18" charset="0"/>
+              </a:rPr>
+            </a:br>
+            <a:r>
+              <a:rPr lang="fr-FR" sz="1500" dirty="0">
+                <a:latin typeface="Times New Roman" panose="02020603050405020304" pitchFamily="18" charset="0"/>
+                <a:cs typeface="Times New Roman" panose="02020603050405020304" pitchFamily="18" charset="0"/>
+              </a:rPr>
+              <a:t>→ </a:t>
+            </a:r>
+            <a:r>
+              <a:rPr lang="fr-FR" sz="1500" i="1" dirty="0">
+                <a:latin typeface="Times New Roman" panose="02020603050405020304" pitchFamily="18" charset="0"/>
+                <a:cs typeface="Times New Roman" panose="02020603050405020304" pitchFamily="18" charset="0"/>
+              </a:rPr>
+              <a:t>Exemple : Un médecin suivant aveuglément un diagnostic suggéré par une IA sans le vérifier.</a:t>
+            </a:r>
+            <a:br>
+              <a:rPr lang="fr-FR" sz="1500" i="1" dirty="0">
+                <a:latin typeface="Times New Roman" panose="02020603050405020304" pitchFamily="18" charset="0"/>
+                <a:cs typeface="Times New Roman" panose="02020603050405020304" pitchFamily="18" charset="0"/>
+              </a:rPr>
+            </a:br>
+            <a:br>
+              <a:rPr lang="fr-FR" sz="1500" dirty="0">
+                <a:latin typeface="Times New Roman" panose="02020603050405020304" pitchFamily="18" charset="0"/>
+                <a:cs typeface="Times New Roman" panose="02020603050405020304" pitchFamily="18" charset="0"/>
+              </a:rPr>
+            </a:br>
+            <a:r>
+              <a:rPr lang="fr-FR" sz="1500" b="1" dirty="0">
+                <a:latin typeface="Times New Roman" panose="02020603050405020304" pitchFamily="18" charset="0"/>
+                <a:cs typeface="Times New Roman" panose="02020603050405020304" pitchFamily="18" charset="0"/>
+              </a:rPr>
+              <a:t>Biais de confirmation</a:t>
+            </a:r>
+            <a:r>
+              <a:rPr lang="fr-FR" sz="1500" dirty="0">
+                <a:latin typeface="Times New Roman" panose="02020603050405020304" pitchFamily="18" charset="0"/>
+                <a:cs typeface="Times New Roman" panose="02020603050405020304" pitchFamily="18" charset="0"/>
+              </a:rPr>
+              <a:t> : L'algorithme </a:t>
+            </a:r>
+            <a:r>
+              <a:rPr lang="fr-FR" sz="1500" b="1" dirty="0">
+                <a:latin typeface="Times New Roman" panose="02020603050405020304" pitchFamily="18" charset="0"/>
+                <a:cs typeface="Times New Roman" panose="02020603050405020304" pitchFamily="18" charset="0"/>
+              </a:rPr>
+              <a:t>privilégie des informations qui confortent une croyance préexistante</a:t>
+            </a:r>
+            <a:r>
+              <a:rPr lang="fr-FR" sz="1500" dirty="0">
+                <a:latin typeface="Times New Roman" panose="02020603050405020304" pitchFamily="18" charset="0"/>
+                <a:cs typeface="Times New Roman" panose="02020603050405020304" pitchFamily="18" charset="0"/>
+              </a:rPr>
+              <a:t>, plutôt que de fournir des résultats objectifs.</a:t>
+            </a:r>
+            <a:br>
+              <a:rPr lang="fr-FR" sz="1500" dirty="0">
+                <a:latin typeface="Times New Roman" panose="02020603050405020304" pitchFamily="18" charset="0"/>
+                <a:cs typeface="Times New Roman" panose="02020603050405020304" pitchFamily="18" charset="0"/>
+              </a:rPr>
+            </a:br>
+            <a:r>
+              <a:rPr lang="fr-FR" sz="1500" dirty="0">
+                <a:latin typeface="Times New Roman" panose="02020603050405020304" pitchFamily="18" charset="0"/>
+                <a:cs typeface="Times New Roman" panose="02020603050405020304" pitchFamily="18" charset="0"/>
+              </a:rPr>
+              <a:t>→ </a:t>
+            </a:r>
+            <a:r>
+              <a:rPr lang="fr-FR" sz="1500" i="1" dirty="0">
+                <a:latin typeface="Times New Roman" panose="02020603050405020304" pitchFamily="18" charset="0"/>
+                <a:cs typeface="Times New Roman" panose="02020603050405020304" pitchFamily="18" charset="0"/>
+              </a:rPr>
+              <a:t>Exemple : Les réseaux sociaux qui affichent des contenus correspondant aux opinions politiques des utilisateurs, renforçant ainsi leurs idées.</a:t>
+            </a:r>
+            <a:endParaRPr lang="fr-FR" sz="1500" dirty="0">
+              <a:latin typeface="Times New Roman" panose="02020603050405020304" pitchFamily="18" charset="0"/>
+              <a:cs typeface="Times New Roman" panose="02020603050405020304" pitchFamily="18" charset="0"/>
+            </a:endParaRPr>
           </a:p>
         </p:txBody>
       </p:sp>
@@ -11597,7 +13823,7 @@
           <p:cNvPr id="7" name="ZoneTexte 6">
             <a:extLst>
               <a:ext uri="{FF2B5EF4-FFF2-40B4-BE49-F238E27FC236}">
-                <a16:creationId xmlns:a16="http://schemas.microsoft.com/office/drawing/2014/main" id="{E1EC9EC5-895A-8635-4F31-D9F73E50A8B0}"/>
+                <a16:creationId xmlns:a16="http://schemas.microsoft.com/office/drawing/2014/main" id="{9FA4F0F4-DBDB-6B0C-A96E-C95FA95E562F}"/>
               </a:ext>
             </a:extLst>
           </p:cNvPr>
@@ -11607,7 +13833,7 @@
         <p:spPr>
           <a:xfrm>
             <a:off x="102637" y="0"/>
-            <a:ext cx="11402008" cy="1446550"/>
+            <a:ext cx="11402008" cy="738664"/>
           </a:xfrm>
           <a:prstGeom prst="rect">
             <a:avLst/>
@@ -11621,17 +13847,16 @@
           <a:lstStyle/>
           <a:p>
             <a:r>
-              <a:rPr lang="fr-FR" sz="4400" dirty="0"/>
-              <a:t>Introduction aux Approches Heuristiques et Méthodes d'Optimisation</a:t>
-            </a:r>
-            <a:endParaRPr lang="fr-FR" sz="4200" dirty="0"/>
+              <a:rPr lang="fr-FR" sz="4200" dirty="0"/>
+              <a:t>Présentation du BIAIS</a:t>
+            </a:r>
           </a:p>
         </p:txBody>
       </p:sp>
     </p:spTree>
     <p:extLst>
       <p:ext uri="{BB962C8B-B14F-4D97-AF65-F5344CB8AC3E}">
-        <p14:creationId xmlns:p14="http://schemas.microsoft.com/office/powerpoint/2010/main" val="3460988408"/>
+        <p14:creationId xmlns:p14="http://schemas.microsoft.com/office/powerpoint/2010/main" val="2265439477"/>
       </p:ext>
     </p:extLst>
   </p:cSld>
